--- a/Classes/01/Slide.pptx
+++ b/Classes/01/Slide.pptx
@@ -10,9 +10,13 @@
     <p:sldId id="259" r:id="rId4"/>
     <p:sldId id="260" r:id="rId5"/>
     <p:sldId id="261" r:id="rId6"/>
-    <p:sldId id="262" r:id="rId7"/>
+    <p:sldId id="265" r:id="rId7"/>
     <p:sldId id="263" r:id="rId8"/>
-    <p:sldId id="264" r:id="rId9"/>
+    <p:sldId id="262" r:id="rId9"/>
+    <p:sldId id="264" r:id="rId10"/>
+    <p:sldId id="266" r:id="rId11"/>
+    <p:sldId id="267" r:id="rId12"/>
+    <p:sldId id="268" r:id="rId13"/>
   </p:sldIdLst>
   <p:sldSz cx="9144000" cy="5143500" type="screen16x9"/>
   <p:notesSz cx="6858000" cy="9144000"/>
@@ -3056,20 +3060,6 @@
 <file path=ppt/slides/slide1.xml><?xml version="1.0" encoding="utf-8"?>
 <p:sld xmlns:a="http://schemas.openxmlformats.org/drawingml/2006/main" xmlns:r="http://schemas.openxmlformats.org/officeDocument/2006/relationships" xmlns:p="http://schemas.openxmlformats.org/presentationml/2006/main">
   <p:cSld>
-    <p:bg>
-      <p:bgPr>
-        <a:blipFill dpi="0" rotWithShape="1">
-          <a:blip r:embed="rId2">
-            <a:lum/>
-          </a:blip>
-          <a:srcRect/>
-          <a:stretch>
-            <a:fillRect/>
-          </a:stretch>
-        </a:blipFill>
-        <a:effectLst/>
-      </p:bgPr>
-    </p:bg>
     <p:spTree>
       <p:nvGrpSpPr>
         <p:cNvPr id="1" name=""/>
@@ -3093,7 +3083,7 @@
           <p:nvPr/>
         </p:nvPicPr>
         <p:blipFill>
-          <a:blip r:embed="rId3" cstate="print">
+          <a:blip r:embed="rId2" cstate="print">
             <a:extLst>
               <a:ext uri="{28A0092B-C50C-407E-A947-70E740481C1C}">
                 <a14:useLocalDpi xmlns:a14="http://schemas.microsoft.com/office/drawing/2010/main" val="0"/>
@@ -3107,7 +3097,7 @@
         </p:blipFill>
         <p:spPr bwMode="auto">
           <a:xfrm>
-            <a:off x="2514600" y="1428750"/>
+            <a:off x="2590800" y="1428750"/>
             <a:ext cx="3702050" cy="2078736"/>
           </a:xfrm>
           <a:prstGeom prst="rect">
@@ -3135,6 +3125,460 @@
   <p:clrMapOvr>
     <a:masterClrMapping/>
   </p:clrMapOvr>
+  <p:timing>
+    <p:tnLst>
+      <p:par>
+        <p:cTn id="1" dur="indefinite" restart="never" nodeType="tmRoot"/>
+      </p:par>
+    </p:tnLst>
+  </p:timing>
+</p:sld>
+</file>
+
+<file path=ppt/slides/slide10.xml><?xml version="1.0" encoding="utf-8"?>
+<p:sld xmlns:a="http://schemas.openxmlformats.org/drawingml/2006/main" xmlns:r="http://schemas.openxmlformats.org/officeDocument/2006/relationships" xmlns:p="http://schemas.openxmlformats.org/presentationml/2006/main">
+  <p:cSld>
+    <p:spTree>
+      <p:nvGrpSpPr>
+        <p:cNvPr id="1" name=""/>
+        <p:cNvGrpSpPr/>
+        <p:nvPr/>
+      </p:nvGrpSpPr>
+      <p:grpSpPr>
+        <a:xfrm>
+          <a:off x="0" y="0"/>
+          <a:ext cx="0" cy="0"/>
+          <a:chOff x="0" y="0"/>
+          <a:chExt cx="0" cy="0"/>
+        </a:xfrm>
+      </p:grpSpPr>
+      <p:sp>
+        <p:nvSpPr>
+          <p:cNvPr id="2" name="TextBox 1"/>
+          <p:cNvSpPr txBox="1"/>
+          <p:nvPr/>
+        </p:nvSpPr>
+        <p:spPr>
+          <a:xfrm>
+            <a:off x="685800" y="128885"/>
+            <a:ext cx="2204450" cy="461665"/>
+          </a:xfrm>
+          <a:prstGeom prst="rect">
+            <a:avLst/>
+          </a:prstGeom>
+          <a:noFill/>
+        </p:spPr>
+        <p:txBody>
+          <a:bodyPr wrap="none" rtlCol="0">
+            <a:spAutoFit/>
+          </a:bodyPr>
+          <a:lstStyle/>
+          <a:p>
+            <a:r>
+              <a:rPr lang="en-US" sz="2400" b="1" dirty="0">
+                <a:solidFill>
+                  <a:srgbClr val="0070C0"/>
+                </a:solidFill>
+                <a:latin typeface="Roboto" panose="02000000000000000000" pitchFamily="2" charset="0"/>
+                <a:ea typeface="Roboto" panose="02000000000000000000" pitchFamily="2" charset="0"/>
+              </a:rPr>
+              <a:t>Dart Keywords</a:t>
+            </a:r>
+            <a:endParaRPr lang="en-US" sz="2400" b="1" dirty="0">
+              <a:solidFill>
+                <a:srgbClr val="0070C0"/>
+              </a:solidFill>
+              <a:latin typeface="Roboto" panose="02000000000000000000" pitchFamily="2" charset="0"/>
+              <a:ea typeface="Roboto" panose="02000000000000000000" pitchFamily="2" charset="0"/>
+            </a:endParaRPr>
+          </a:p>
+        </p:txBody>
+      </p:sp>
+      <p:pic>
+        <p:nvPicPr>
+          <p:cNvPr id="4" name="Picture 3"/>
+          <p:cNvPicPr>
+            <a:picLocks noChangeAspect="1"/>
+          </p:cNvPicPr>
+          <p:nvPr/>
+        </p:nvPicPr>
+        <p:blipFill>
+          <a:blip r:embed="rId2"/>
+          <a:stretch>
+            <a:fillRect/>
+          </a:stretch>
+        </p:blipFill>
+        <p:spPr>
+          <a:xfrm>
+            <a:off x="609600" y="895350"/>
+            <a:ext cx="7239000" cy="3774400"/>
+          </a:xfrm>
+          <a:prstGeom prst="rect">
+            <a:avLst/>
+          </a:prstGeom>
+        </p:spPr>
+      </p:pic>
+    </p:spTree>
+    <p:extLst>
+      <p:ext uri="{BB962C8B-B14F-4D97-AF65-F5344CB8AC3E}">
+        <p14:creationId xmlns:p14="http://schemas.microsoft.com/office/powerpoint/2010/main" val="78188644"/>
+      </p:ext>
+    </p:extLst>
+  </p:cSld>
+  <p:clrMapOvr>
+    <a:masterClrMapping/>
+  </p:clrMapOvr>
+  <p:timing>
+    <p:tnLst>
+      <p:par>
+        <p:cTn id="1" dur="indefinite" restart="never" nodeType="tmRoot"/>
+      </p:par>
+    </p:tnLst>
+  </p:timing>
+</p:sld>
+</file>
+
+<file path=ppt/slides/slide11.xml><?xml version="1.0" encoding="utf-8"?>
+<p:sld xmlns:a="http://schemas.openxmlformats.org/drawingml/2006/main" xmlns:r="http://schemas.openxmlformats.org/officeDocument/2006/relationships" xmlns:p="http://schemas.openxmlformats.org/presentationml/2006/main">
+  <p:cSld>
+    <p:spTree>
+      <p:nvGrpSpPr>
+        <p:cNvPr id="1" name=""/>
+        <p:cNvGrpSpPr/>
+        <p:nvPr/>
+      </p:nvGrpSpPr>
+      <p:grpSpPr>
+        <a:xfrm>
+          <a:off x="0" y="0"/>
+          <a:ext cx="0" cy="0"/>
+          <a:chOff x="0" y="0"/>
+          <a:chExt cx="0" cy="0"/>
+        </a:xfrm>
+      </p:grpSpPr>
+      <p:sp>
+        <p:nvSpPr>
+          <p:cNvPr id="2" name="TextBox 1"/>
+          <p:cNvSpPr txBox="1"/>
+          <p:nvPr/>
+        </p:nvSpPr>
+        <p:spPr>
+          <a:xfrm>
+            <a:off x="685800" y="128885"/>
+            <a:ext cx="2204450" cy="461665"/>
+          </a:xfrm>
+          <a:prstGeom prst="rect">
+            <a:avLst/>
+          </a:prstGeom>
+          <a:noFill/>
+        </p:spPr>
+        <p:txBody>
+          <a:bodyPr wrap="none" rtlCol="0">
+            <a:spAutoFit/>
+          </a:bodyPr>
+          <a:lstStyle/>
+          <a:p>
+            <a:r>
+              <a:rPr lang="en-US" sz="2400" b="1" dirty="0">
+                <a:solidFill>
+                  <a:srgbClr val="0070C0"/>
+                </a:solidFill>
+                <a:latin typeface="Roboto" panose="02000000000000000000" pitchFamily="2" charset="0"/>
+                <a:ea typeface="Roboto" panose="02000000000000000000" pitchFamily="2" charset="0"/>
+              </a:rPr>
+              <a:t>Dart Keywords</a:t>
+            </a:r>
+            <a:endParaRPr lang="en-US" sz="2400" b="1" dirty="0">
+              <a:solidFill>
+                <a:srgbClr val="0070C0"/>
+              </a:solidFill>
+              <a:latin typeface="Roboto" panose="02000000000000000000" pitchFamily="2" charset="0"/>
+              <a:ea typeface="Roboto" panose="02000000000000000000" pitchFamily="2" charset="0"/>
+            </a:endParaRPr>
+          </a:p>
+        </p:txBody>
+      </p:sp>
+      <p:pic>
+        <p:nvPicPr>
+          <p:cNvPr id="3" name="Picture 2"/>
+          <p:cNvPicPr>
+            <a:picLocks noChangeAspect="1"/>
+          </p:cNvPicPr>
+          <p:nvPr/>
+        </p:nvPicPr>
+        <p:blipFill>
+          <a:blip r:embed="rId2"/>
+          <a:stretch>
+            <a:fillRect/>
+          </a:stretch>
+        </p:blipFill>
+        <p:spPr>
+          <a:xfrm>
+            <a:off x="304800" y="819150"/>
+            <a:ext cx="8305800" cy="2470083"/>
+          </a:xfrm>
+          <a:prstGeom prst="rect">
+            <a:avLst/>
+          </a:prstGeom>
+        </p:spPr>
+      </p:pic>
+    </p:spTree>
+    <p:extLst>
+      <p:ext uri="{BB962C8B-B14F-4D97-AF65-F5344CB8AC3E}">
+        <p14:creationId xmlns:p14="http://schemas.microsoft.com/office/powerpoint/2010/main" val="23234551"/>
+      </p:ext>
+    </p:extLst>
+  </p:cSld>
+  <p:clrMapOvr>
+    <a:masterClrMapping/>
+  </p:clrMapOvr>
+  <p:timing>
+    <p:tnLst>
+      <p:par>
+        <p:cTn id="1" dur="indefinite" restart="never" nodeType="tmRoot"/>
+      </p:par>
+    </p:tnLst>
+  </p:timing>
+</p:sld>
+</file>
+
+<file path=ppt/slides/slide12.xml><?xml version="1.0" encoding="utf-8"?>
+<p:sld xmlns:a="http://schemas.openxmlformats.org/drawingml/2006/main" xmlns:r="http://schemas.openxmlformats.org/officeDocument/2006/relationships" xmlns:p="http://schemas.openxmlformats.org/presentationml/2006/main">
+  <p:cSld>
+    <p:spTree>
+      <p:nvGrpSpPr>
+        <p:cNvPr id="1" name=""/>
+        <p:cNvGrpSpPr/>
+        <p:nvPr/>
+      </p:nvGrpSpPr>
+      <p:grpSpPr>
+        <a:xfrm>
+          <a:off x="0" y="0"/>
+          <a:ext cx="0" cy="0"/>
+          <a:chOff x="0" y="0"/>
+          <a:chExt cx="0" cy="0"/>
+        </a:xfrm>
+      </p:grpSpPr>
+      <p:sp>
+        <p:nvSpPr>
+          <p:cNvPr id="2" name="TextBox 1"/>
+          <p:cNvSpPr txBox="1"/>
+          <p:nvPr/>
+        </p:nvSpPr>
+        <p:spPr>
+          <a:xfrm>
+            <a:off x="685800" y="128885"/>
+            <a:ext cx="2204450" cy="461665"/>
+          </a:xfrm>
+          <a:prstGeom prst="rect">
+            <a:avLst/>
+          </a:prstGeom>
+          <a:noFill/>
+        </p:spPr>
+        <p:txBody>
+          <a:bodyPr wrap="none" rtlCol="0">
+            <a:spAutoFit/>
+          </a:bodyPr>
+          <a:lstStyle/>
+          <a:p>
+            <a:r>
+              <a:rPr lang="en-US" sz="2400" b="1" dirty="0">
+                <a:solidFill>
+                  <a:srgbClr val="0070C0"/>
+                </a:solidFill>
+                <a:latin typeface="Roboto" panose="02000000000000000000" pitchFamily="2" charset="0"/>
+                <a:ea typeface="Roboto" panose="02000000000000000000" pitchFamily="2" charset="0"/>
+              </a:rPr>
+              <a:t>Dart Keywords</a:t>
+            </a:r>
+            <a:endParaRPr lang="en-US" sz="2400" b="1" dirty="0">
+              <a:solidFill>
+                <a:srgbClr val="0070C0"/>
+              </a:solidFill>
+              <a:latin typeface="Roboto" panose="02000000000000000000" pitchFamily="2" charset="0"/>
+              <a:ea typeface="Roboto" panose="02000000000000000000" pitchFamily="2" charset="0"/>
+            </a:endParaRPr>
+          </a:p>
+        </p:txBody>
+      </p:sp>
+      <p:sp>
+        <p:nvSpPr>
+          <p:cNvPr id="4" name="Rectangle 3"/>
+          <p:cNvSpPr/>
+          <p:nvPr/>
+        </p:nvSpPr>
+        <p:spPr>
+          <a:xfrm>
+            <a:off x="457200" y="971550"/>
+            <a:ext cx="7315200" cy="1569660"/>
+          </a:xfrm>
+          <a:prstGeom prst="rect">
+            <a:avLst/>
+          </a:prstGeom>
+        </p:spPr>
+        <p:txBody>
+          <a:bodyPr wrap="square">
+            <a:spAutoFit/>
+          </a:bodyPr>
+          <a:lstStyle/>
+          <a:p>
+            <a:pPr marL="171450" indent="-171450">
+              <a:buFont typeface="Arial" panose="020B0604020202020204" pitchFamily="34" charset="0"/>
+              <a:buChar char="•"/>
+            </a:pPr>
+            <a:r>
+              <a:rPr lang="en-US" sz="1200" b="1" dirty="0">
+                <a:latin typeface="Roboto" panose="02000000000000000000" pitchFamily="2" charset="0"/>
+                <a:ea typeface="Roboto" panose="02000000000000000000" pitchFamily="2" charset="0"/>
+              </a:rPr>
+              <a:t>Subscript 1 -</a:t>
+            </a:r>
+            <a:r>
+              <a:rPr lang="en-US" sz="1200" dirty="0">
+                <a:latin typeface="Roboto" panose="02000000000000000000" pitchFamily="2" charset="0"/>
+                <a:ea typeface="Roboto" panose="02000000000000000000" pitchFamily="2" charset="0"/>
+              </a:rPr>
+              <a:t> These keywords are called </a:t>
+            </a:r>
+            <a:r>
+              <a:rPr lang="en-US" sz="1200" b="1" dirty="0">
+                <a:latin typeface="Roboto" panose="02000000000000000000" pitchFamily="2" charset="0"/>
+                <a:ea typeface="Roboto" panose="02000000000000000000" pitchFamily="2" charset="0"/>
+              </a:rPr>
+              <a:t>contextual keywords</a:t>
+            </a:r>
+            <a:r>
+              <a:rPr lang="en-US" sz="1200" dirty="0">
+                <a:latin typeface="Roboto" panose="02000000000000000000" pitchFamily="2" charset="0"/>
+                <a:ea typeface="Roboto" panose="02000000000000000000" pitchFamily="2" charset="0"/>
+              </a:rPr>
+              <a:t>. They have special meaning and used in particular places</a:t>
+            </a:r>
+            <a:r>
+              <a:rPr lang="en-US" sz="1200" dirty="0" smtClean="0">
+                <a:latin typeface="Roboto" panose="02000000000000000000" pitchFamily="2" charset="0"/>
+                <a:ea typeface="Roboto" panose="02000000000000000000" pitchFamily="2" charset="0"/>
+              </a:rPr>
+              <a:t>.</a:t>
+            </a:r>
+          </a:p>
+          <a:p>
+            <a:pPr marL="171450" indent="-171450">
+              <a:buFont typeface="Arial" panose="020B0604020202020204" pitchFamily="34" charset="0"/>
+              <a:buChar char="•"/>
+            </a:pPr>
+            <a:endParaRPr lang="en-US" sz="1200" dirty="0">
+              <a:latin typeface="Roboto" panose="02000000000000000000" pitchFamily="2" charset="0"/>
+              <a:ea typeface="Roboto" panose="02000000000000000000" pitchFamily="2" charset="0"/>
+            </a:endParaRPr>
+          </a:p>
+          <a:p>
+            <a:pPr marL="171450" indent="-171450">
+              <a:buFont typeface="Arial" panose="020B0604020202020204" pitchFamily="34" charset="0"/>
+              <a:buChar char="•"/>
+            </a:pPr>
+            <a:r>
+              <a:rPr lang="en-US" sz="1200" b="1" dirty="0">
+                <a:latin typeface="Roboto" panose="02000000000000000000" pitchFamily="2" charset="0"/>
+                <a:ea typeface="Roboto" panose="02000000000000000000" pitchFamily="2" charset="0"/>
+              </a:rPr>
+              <a:t>Subscript 2 -</a:t>
+            </a:r>
+            <a:r>
+              <a:rPr lang="en-US" sz="1200" dirty="0">
+                <a:latin typeface="Roboto" panose="02000000000000000000" pitchFamily="2" charset="0"/>
+                <a:ea typeface="Roboto" panose="02000000000000000000" pitchFamily="2" charset="0"/>
+              </a:rPr>
+              <a:t> These keywords are called </a:t>
+            </a:r>
+            <a:r>
+              <a:rPr lang="en-US" sz="1200" b="1" dirty="0">
+                <a:latin typeface="Roboto" panose="02000000000000000000" pitchFamily="2" charset="0"/>
+                <a:ea typeface="Roboto" panose="02000000000000000000" pitchFamily="2" charset="0"/>
+              </a:rPr>
+              <a:t>built-in </a:t>
+            </a:r>
+            <a:r>
+              <a:rPr lang="en-US" sz="1200" b="1" dirty="0" smtClean="0">
+                <a:latin typeface="Roboto" panose="02000000000000000000" pitchFamily="2" charset="0"/>
+                <a:ea typeface="Roboto" panose="02000000000000000000" pitchFamily="2" charset="0"/>
+              </a:rPr>
+              <a:t>identifiers</a:t>
+            </a:r>
+            <a:r>
+              <a:rPr lang="en-US" sz="1200" dirty="0" smtClean="0">
+                <a:latin typeface="Roboto" panose="02000000000000000000" pitchFamily="2" charset="0"/>
+                <a:ea typeface="Roboto" panose="02000000000000000000" pitchFamily="2" charset="0"/>
+              </a:rPr>
+              <a:t>. These types of keywords are used to porting of JavaScript code for Dart, these keywords are treated as a valid identifier, but they cannot be used in the class name function name, or import prefixes.</a:t>
+            </a:r>
+          </a:p>
+          <a:p>
+            <a:pPr marL="171450" indent="-171450">
+              <a:buFont typeface="Arial" panose="020B0604020202020204" pitchFamily="34" charset="0"/>
+              <a:buChar char="•"/>
+            </a:pPr>
+            <a:endParaRPr lang="en-US" sz="1200" dirty="0" smtClean="0">
+              <a:latin typeface="Roboto" panose="02000000000000000000" pitchFamily="2" charset="0"/>
+              <a:ea typeface="Roboto" panose="02000000000000000000" pitchFamily="2" charset="0"/>
+            </a:endParaRPr>
+          </a:p>
+          <a:p>
+            <a:pPr marL="171450" indent="-171450">
+              <a:buFont typeface="Arial" panose="020B0604020202020204" pitchFamily="34" charset="0"/>
+              <a:buChar char="•"/>
+            </a:pPr>
+            <a:r>
+              <a:rPr lang="en-US" sz="1200" b="1" dirty="0" smtClean="0">
+                <a:latin typeface="Roboto" panose="02000000000000000000" pitchFamily="2" charset="0"/>
+                <a:ea typeface="Roboto" panose="02000000000000000000" pitchFamily="2" charset="0"/>
+              </a:rPr>
+              <a:t>Subscript </a:t>
+            </a:r>
+            <a:r>
+              <a:rPr lang="en-US" sz="1200" b="1" dirty="0">
+                <a:latin typeface="Roboto" panose="02000000000000000000" pitchFamily="2" charset="0"/>
+                <a:ea typeface="Roboto" panose="02000000000000000000" pitchFamily="2" charset="0"/>
+              </a:rPr>
+              <a:t>3 -</a:t>
+            </a:r>
+            <a:r>
+              <a:rPr lang="en-US" sz="1200" dirty="0">
+                <a:latin typeface="Roboto" panose="02000000000000000000" pitchFamily="2" charset="0"/>
+                <a:ea typeface="Roboto" panose="02000000000000000000" pitchFamily="2" charset="0"/>
+              </a:rPr>
+              <a:t> These are newly added </a:t>
+            </a:r>
+            <a:r>
+              <a:rPr lang="en-US" sz="1200" dirty="0" smtClean="0">
+                <a:latin typeface="Roboto" panose="02000000000000000000" pitchFamily="2" charset="0"/>
+                <a:ea typeface="Roboto" panose="02000000000000000000" pitchFamily="2" charset="0"/>
+              </a:rPr>
+              <a:t>keyword.</a:t>
+            </a:r>
+            <a:endParaRPr lang="en-US" sz="1200" dirty="0">
+              <a:latin typeface="Roboto" panose="02000000000000000000" pitchFamily="2" charset="0"/>
+              <a:ea typeface="Roboto" panose="02000000000000000000" pitchFamily="2" charset="0"/>
+            </a:endParaRPr>
+          </a:p>
+        </p:txBody>
+      </p:sp>
+    </p:spTree>
+    <p:extLst>
+      <p:ext uri="{BB962C8B-B14F-4D97-AF65-F5344CB8AC3E}">
+        <p14:creationId xmlns:p14="http://schemas.microsoft.com/office/powerpoint/2010/main" val="3666091312"/>
+      </p:ext>
+    </p:extLst>
+  </p:cSld>
+  <p:clrMapOvr>
+    <a:masterClrMapping/>
+  </p:clrMapOvr>
+  <p:timing>
+    <p:tnLst>
+      <p:par>
+        <p:cTn id="1" dur="indefinite" restart="never" nodeType="tmRoot"/>
+      </p:par>
+    </p:tnLst>
+  </p:timing>
 </p:sld>
 </file>
 
@@ -3163,8 +3607,8 @@
         </p:nvSpPr>
         <p:spPr>
           <a:xfrm>
-            <a:off x="889000" y="209550"/>
-            <a:ext cx="2821606" cy="523220"/>
+            <a:off x="685800" y="133350"/>
+            <a:ext cx="1603324" cy="369332"/>
           </a:xfrm>
           <a:prstGeom prst="rect">
             <a:avLst/>
@@ -3178,11 +3622,12 @@
           <a:lstStyle/>
           <a:p>
             <a:r>
-              <a:rPr lang="en-US" sz="2800" b="1" dirty="0">
+              <a:rPr lang="en-US" b="1" dirty="0">
                 <a:solidFill>
                   <a:srgbClr val="0070C0"/>
                 </a:solidFill>
-                <a:latin typeface="Montserrat" pitchFamily="50" charset="0"/>
+                <a:latin typeface="Roboto" panose="02000000000000000000" pitchFamily="2" charset="0"/>
+                <a:ea typeface="Roboto" panose="02000000000000000000" pitchFamily="2" charset="0"/>
               </a:rPr>
               <a:t>What is dart ?</a:t>
             </a:r>
@@ -3197,8 +3642,8 @@
         </p:nvSpPr>
         <p:spPr>
           <a:xfrm>
-            <a:off x="301499" y="1047750"/>
-            <a:ext cx="5107488" cy="1200329"/>
+            <a:off x="304800" y="895350"/>
+            <a:ext cx="3262432" cy="584775"/>
           </a:xfrm>
           <a:prstGeom prst="rect">
             <a:avLst/>
@@ -3216,10 +3661,25 @@
               <a:buChar char="ü"/>
             </a:pPr>
             <a:r>
-              <a:rPr lang="en-US" sz="2400" dirty="0">
-                <a:latin typeface="Montserrat" pitchFamily="50" charset="0"/>
-              </a:rPr>
-              <a:t>Future Of Mobile Application</a:t>
+              <a:rPr lang="en-US" sz="1600" dirty="0" smtClean="0">
+                <a:latin typeface="Roboto" panose="02000000000000000000" pitchFamily="2" charset="0"/>
+                <a:ea typeface="Roboto" panose="02000000000000000000" pitchFamily="2" charset="0"/>
+              </a:rPr>
+              <a:t>Core </a:t>
+            </a:r>
+            <a:r>
+              <a:rPr lang="en-US" sz="1600" dirty="0">
+                <a:latin typeface="Roboto" panose="02000000000000000000" pitchFamily="2" charset="0"/>
+                <a:ea typeface="Roboto" panose="02000000000000000000" pitchFamily="2" charset="0"/>
+              </a:rPr>
+              <a:t>Of Flutter </a:t>
+            </a:r>
+            <a:r>
+              <a:rPr lang="en-US" sz="1600" dirty="0" smtClean="0">
+                <a:latin typeface="Roboto" panose="02000000000000000000" pitchFamily="2" charset="0"/>
+                <a:ea typeface="Roboto" panose="02000000000000000000" pitchFamily="2" charset="0"/>
+              </a:rPr>
+              <a:t>Framework</a:t>
             </a:r>
           </a:p>
           <a:p>
@@ -3228,23 +3688,23 @@
               <a:buChar char="ü"/>
             </a:pPr>
             <a:r>
-              <a:rPr lang="en-US" sz="2400" dirty="0">
-                <a:latin typeface="Montserrat" pitchFamily="50" charset="0"/>
-              </a:rPr>
-              <a:t>Core Of Google Fuchsia OS</a:t>
-            </a:r>
-          </a:p>
-          <a:p>
-            <a:pPr marL="457200" indent="-457200">
-              <a:buFont typeface="Wingdings" pitchFamily="2" charset="2"/>
-              <a:buChar char="ü"/>
-            </a:pPr>
-            <a:r>
-              <a:rPr lang="en-US" sz="2400" dirty="0">
-                <a:latin typeface="Montserrat" pitchFamily="50" charset="0"/>
-              </a:rPr>
-              <a:t>Core Of Flutter Framework </a:t>
-            </a:r>
+              <a:rPr lang="en-US" sz="1600" dirty="0" smtClean="0">
+                <a:latin typeface="Roboto" panose="02000000000000000000" pitchFamily="2" charset="0"/>
+                <a:ea typeface="Roboto" panose="02000000000000000000" pitchFamily="2" charset="0"/>
+              </a:rPr>
+              <a:t>Language like Java ,C# ,C++</a:t>
+            </a:r>
+            <a:r>
+              <a:rPr lang="en-US" sz="1600" dirty="0" smtClean="0">
+                <a:latin typeface="Roboto" panose="02000000000000000000" pitchFamily="2" charset="0"/>
+                <a:ea typeface="Roboto" panose="02000000000000000000" pitchFamily="2" charset="0"/>
+              </a:rPr>
+              <a:t> </a:t>
+            </a:r>
+            <a:endParaRPr lang="en-US" sz="1600" dirty="0">
+              <a:latin typeface="Roboto" panose="02000000000000000000" pitchFamily="2" charset="0"/>
+              <a:ea typeface="Roboto" panose="02000000000000000000" pitchFamily="2" charset="0"/>
+            </a:endParaRPr>
           </a:p>
         </p:txBody>
       </p:sp>
@@ -3258,6 +3718,13 @@
   <p:clrMapOvr>
     <a:masterClrMapping/>
   </p:clrMapOvr>
+  <p:timing>
+    <p:tnLst>
+      <p:par>
+        <p:cTn id="1" dur="indefinite" restart="never" nodeType="tmRoot"/>
+      </p:par>
+    </p:tnLst>
+  </p:timing>
 </p:sld>
 </file>
 
@@ -3286,8 +3753,8 @@
         </p:nvSpPr>
         <p:spPr>
           <a:xfrm>
-            <a:off x="889000" y="209550"/>
-            <a:ext cx="3672800" cy="523220"/>
+            <a:off x="762000" y="133350"/>
+            <a:ext cx="2255746" cy="400110"/>
           </a:xfrm>
           <a:prstGeom prst="rect">
             <a:avLst/>
@@ -3301,11 +3768,12 @@
           <a:lstStyle/>
           <a:p>
             <a:r>
-              <a:rPr lang="en-US" sz="2800" b="1" dirty="0">
+              <a:rPr lang="en-US" sz="2000" b="1" dirty="0">
                 <a:solidFill>
                   <a:srgbClr val="0070C0"/>
                 </a:solidFill>
-                <a:latin typeface="Montserrat" pitchFamily="50" charset="0"/>
+                <a:latin typeface="Roboto" panose="02000000000000000000" pitchFamily="2" charset="0"/>
+                <a:ea typeface="Roboto" panose="02000000000000000000" pitchFamily="2" charset="0"/>
               </a:rPr>
               <a:t>Dart Environment </a:t>
             </a:r>
@@ -3321,7 +3789,7 @@
         <p:spPr>
           <a:xfrm>
             <a:off x="335365" y="1123950"/>
-            <a:ext cx="5054589" cy="461665"/>
+            <a:ext cx="3207929" cy="338554"/>
           </a:xfrm>
           <a:prstGeom prst="rect">
             <a:avLst/>
@@ -3339,8 +3807,9 @@
               <a:buChar char="ü"/>
             </a:pPr>
             <a:r>
-              <a:rPr lang="en-US" sz="2400" dirty="0">
-                <a:latin typeface="Montserrat" pitchFamily="50" charset="0"/>
+              <a:rPr lang="en-US" sz="1600" dirty="0">
+                <a:latin typeface="Roboto" panose="02000000000000000000" pitchFamily="2" charset="0"/>
+                <a:ea typeface="Roboto" panose="02000000000000000000" pitchFamily="2" charset="0"/>
               </a:rPr>
               <a:t>https://dartpad.dartlang.org</a:t>
             </a:r>
@@ -3355,8 +3824,8 @@
         </p:nvSpPr>
         <p:spPr>
           <a:xfrm>
-            <a:off x="437889" y="1809750"/>
-            <a:ext cx="7016664" cy="1938992"/>
+            <a:off x="381000" y="1657350"/>
+            <a:ext cx="3943708" cy="1723549"/>
           </a:xfrm>
           <a:prstGeom prst="rect">
             <a:avLst/>
@@ -3370,11 +3839,25 @@
           <a:lstStyle/>
           <a:p>
             <a:r>
-              <a:rPr lang="en-US" sz="2400" b="1" dirty="0">
-                <a:latin typeface="Montserrat" pitchFamily="50" charset="0"/>
-              </a:rPr>
-              <a:t>Local Environment</a:t>
-            </a:r>
+              <a:rPr lang="en-US" sz="1400" b="1" dirty="0">
+                <a:latin typeface="Roboto" panose="02000000000000000000" pitchFamily="2" charset="0"/>
+                <a:ea typeface="Roboto" panose="02000000000000000000" pitchFamily="2" charset="0"/>
+              </a:rPr>
+              <a:t>Local </a:t>
+            </a:r>
+            <a:r>
+              <a:rPr lang="en-US" sz="1400" b="1" dirty="0" smtClean="0">
+                <a:latin typeface="Roboto" panose="02000000000000000000" pitchFamily="2" charset="0"/>
+                <a:ea typeface="Roboto" panose="02000000000000000000" pitchFamily="2" charset="0"/>
+              </a:rPr>
+              <a:t>Environment</a:t>
+            </a:r>
+          </a:p>
+          <a:p>
+            <a:endParaRPr lang="en-US" sz="1600" b="1" dirty="0">
+              <a:latin typeface="Roboto" panose="02000000000000000000" pitchFamily="2" charset="0"/>
+              <a:ea typeface="Roboto" panose="02000000000000000000" pitchFamily="2" charset="0"/>
+            </a:endParaRPr>
           </a:p>
           <a:p>
             <a:pPr marL="342900" indent="-342900">
@@ -3382,14 +3865,16 @@
               <a:buChar char="ü"/>
             </a:pPr>
             <a:r>
-              <a:rPr lang="en-US" sz="2400" dirty="0">
-                <a:latin typeface="Montserrat" pitchFamily="50" charset="0"/>
+              <a:rPr lang="en-US" sz="1400" dirty="0">
+                <a:latin typeface="Roboto" panose="02000000000000000000" pitchFamily="2" charset="0"/>
+                <a:ea typeface="Roboto" panose="02000000000000000000" pitchFamily="2" charset="0"/>
                 <a:hlinkClick r:id="rId2"/>
               </a:rPr>
               <a:t>https://gekorm.com/dart-windows</a:t>
             </a:r>
-            <a:endParaRPr lang="en-US" sz="2400" dirty="0">
-              <a:latin typeface="Montserrat" pitchFamily="50" charset="0"/>
+            <a:endParaRPr lang="en-US" sz="1400" dirty="0">
+              <a:latin typeface="Roboto" panose="02000000000000000000" pitchFamily="2" charset="0"/>
+              <a:ea typeface="Roboto" panose="02000000000000000000" pitchFamily="2" charset="0"/>
             </a:endParaRPr>
           </a:p>
           <a:p>
@@ -3398,14 +3883,16 @@
               <a:buChar char="ü"/>
             </a:pPr>
             <a:r>
-              <a:rPr lang="en-US" sz="2400" dirty="0">
-                <a:latin typeface="Montserrat" pitchFamily="50" charset="0"/>
+              <a:rPr lang="en-US" sz="1400" dirty="0">
+                <a:latin typeface="Roboto" panose="02000000000000000000" pitchFamily="2" charset="0"/>
+                <a:ea typeface="Roboto" panose="02000000000000000000" pitchFamily="2" charset="0"/>
                 <a:hlinkClick r:id="rId3"/>
               </a:rPr>
               <a:t>https://www.jetbrains.com/idea/download</a:t>
             </a:r>
-            <a:endParaRPr lang="en-US" sz="2400" dirty="0">
-              <a:latin typeface="Montserrat" pitchFamily="50" charset="0"/>
+            <a:endParaRPr lang="en-US" sz="1400" dirty="0">
+              <a:latin typeface="Roboto" panose="02000000000000000000" pitchFamily="2" charset="0"/>
+              <a:ea typeface="Roboto" panose="02000000000000000000" pitchFamily="2" charset="0"/>
             </a:endParaRPr>
           </a:p>
           <a:p>
@@ -3438,6 +3925,13 @@
   <p:clrMapOvr>
     <a:masterClrMapping/>
   </p:clrMapOvr>
+  <p:timing>
+    <p:tnLst>
+      <p:par>
+        <p:cTn id="1" dur="indefinite" restart="never" nodeType="tmRoot"/>
+      </p:par>
+    </p:tnLst>
+  </p:timing>
 </p:sld>
 </file>
 
@@ -3466,8 +3960,8 @@
         </p:nvSpPr>
         <p:spPr>
           <a:xfrm>
-            <a:off x="889000" y="209550"/>
-            <a:ext cx="2464136" cy="523220"/>
+            <a:off x="685800" y="133350"/>
+            <a:ext cx="1564852" cy="400110"/>
           </a:xfrm>
           <a:prstGeom prst="rect">
             <a:avLst/>
@@ -3481,11 +3975,12 @@
           <a:lstStyle/>
           <a:p>
             <a:r>
-              <a:rPr lang="en-US" sz="2800" b="1" dirty="0">
+              <a:rPr lang="en-US" sz="2000" b="1" dirty="0">
                 <a:solidFill>
                   <a:srgbClr val="0070C0"/>
                 </a:solidFill>
-                <a:latin typeface="Montserrat" pitchFamily="50" charset="0"/>
+                <a:latin typeface="Roboto" panose="02000000000000000000" pitchFamily="2" charset="0"/>
+                <a:ea typeface="Roboto" panose="02000000000000000000" pitchFamily="2" charset="0"/>
               </a:rPr>
               <a:t>Dart History</a:t>
             </a:r>
@@ -3500,8 +3995,8 @@
         </p:nvSpPr>
         <p:spPr>
           <a:xfrm>
-            <a:off x="335365" y="1123950"/>
-            <a:ext cx="8443081" cy="1569660"/>
+            <a:off x="228600" y="895350"/>
+            <a:ext cx="7027886" cy="1077218"/>
           </a:xfrm>
           <a:prstGeom prst="rect">
             <a:avLst/>
@@ -3519,7 +4014,10 @@
               <a:buChar char="ü"/>
             </a:pPr>
             <a:r>
-              <a:rPr lang="en-US" sz="1600" dirty="0"/>
+              <a:rPr lang="en-US" sz="1200" dirty="0">
+                <a:latin typeface="Roboto" panose="02000000000000000000" pitchFamily="2" charset="0"/>
+                <a:ea typeface="Roboto" panose="02000000000000000000" pitchFamily="2" charset="0"/>
+              </a:rPr>
               <a:t>Dart is a client-optimized programming language for apps on multiple platforms. </a:t>
             </a:r>
           </a:p>
@@ -3529,7 +4027,10 @@
               <a:buChar char="ü"/>
             </a:pPr>
             <a:r>
-              <a:rPr lang="en-US" sz="1600" dirty="0"/>
+              <a:rPr lang="en-US" sz="1200" dirty="0">
+                <a:latin typeface="Roboto" panose="02000000000000000000" pitchFamily="2" charset="0"/>
+                <a:ea typeface="Roboto" panose="02000000000000000000" pitchFamily="2" charset="0"/>
+              </a:rPr>
               <a:t>It is developed by Google and is used to build mobile, desktop, backend and web applications.</a:t>
             </a:r>
           </a:p>
@@ -3539,8 +4040,18 @@
               <a:buChar char="ü"/>
             </a:pPr>
             <a:r>
-              <a:rPr lang="en-US" sz="1600" dirty="0"/>
-              <a:t>Stable release: 2.5.0 / September 10, 2019; 41 days ago</a:t>
+              <a:rPr lang="en-US" sz="1200" dirty="0" smtClean="0">
+                <a:latin typeface="Roboto" panose="02000000000000000000" pitchFamily="2" charset="0"/>
+                <a:ea typeface="Roboto" panose="02000000000000000000" pitchFamily="2" charset="0"/>
+              </a:rPr>
+              <a:t>First </a:t>
+            </a:r>
+            <a:r>
+              <a:rPr lang="en-US" sz="1200" dirty="0">
+                <a:latin typeface="Roboto" panose="02000000000000000000" pitchFamily="2" charset="0"/>
+                <a:ea typeface="Roboto" panose="02000000000000000000" pitchFamily="2" charset="0"/>
+              </a:rPr>
+              <a:t>appeared: October 10, 2011; 8 years ago</a:t>
             </a:r>
           </a:p>
           <a:p>
@@ -3549,25 +4060,24 @@
               <a:buChar char="ü"/>
             </a:pPr>
             <a:r>
-              <a:rPr lang="en-US" sz="1600" dirty="0"/>
-              <a:t>First appeared: October 10, 2011; 8 years ago</a:t>
-            </a:r>
-          </a:p>
-          <a:p>
-            <a:pPr marL="457200" indent="-457200">
-              <a:buFont typeface="Wingdings" pitchFamily="2" charset="2"/>
-              <a:buChar char="ü"/>
-            </a:pPr>
-            <a:r>
-              <a:rPr lang="en-US" sz="1600" dirty="0"/>
+              <a:rPr lang="en-US" sz="1200" dirty="0">
+                <a:latin typeface="Roboto" panose="02000000000000000000" pitchFamily="2" charset="0"/>
+                <a:ea typeface="Roboto" panose="02000000000000000000" pitchFamily="2" charset="0"/>
+              </a:rPr>
               <a:t>Designed by Lars </a:t>
             </a:r>
             <a:r>
-              <a:rPr lang="en-US" sz="1600" dirty="0" err="1"/>
+              <a:rPr lang="en-US" sz="1200" dirty="0" err="1">
+                <a:latin typeface="Roboto" panose="02000000000000000000" pitchFamily="2" charset="0"/>
+                <a:ea typeface="Roboto" panose="02000000000000000000" pitchFamily="2" charset="0"/>
+              </a:rPr>
               <a:t>Bak</a:t>
             </a:r>
             <a:r>
-              <a:rPr lang="en-US" sz="1600" dirty="0"/>
+              <a:rPr lang="en-US" sz="1200" dirty="0">
+                <a:latin typeface="Roboto" panose="02000000000000000000" pitchFamily="2" charset="0"/>
+                <a:ea typeface="Roboto" panose="02000000000000000000" pitchFamily="2" charset="0"/>
+              </a:rPr>
               <a:t> and Kasper Lund</a:t>
             </a:r>
           </a:p>
@@ -3605,7 +4115,7 @@
         </p:blipFill>
         <p:spPr bwMode="auto">
           <a:xfrm>
-            <a:off x="486172" y="2495550"/>
+            <a:off x="304800" y="2038350"/>
             <a:ext cx="4070733" cy="2286000"/>
           </a:xfrm>
           <a:prstGeom prst="rect">
@@ -3633,6 +4143,13 @@
   <p:clrMapOvr>
     <a:masterClrMapping/>
   </p:clrMapOvr>
+  <p:timing>
+    <p:tnLst>
+      <p:par>
+        <p:cTn id="1" dur="indefinite" restart="never" nodeType="tmRoot"/>
+      </p:par>
+    </p:tnLst>
+  </p:timing>
 </p:sld>
 </file>
 
@@ -3661,8 +4178,8 @@
         </p:nvSpPr>
         <p:spPr>
           <a:xfrm>
-            <a:off x="990600" y="209550"/>
-            <a:ext cx="3281668" cy="523220"/>
+            <a:off x="685800" y="133350"/>
+            <a:ext cx="2061783" cy="400110"/>
           </a:xfrm>
           <a:prstGeom prst="rect">
             <a:avLst/>
@@ -3676,11 +4193,12 @@
           <a:lstStyle/>
           <a:p>
             <a:r>
-              <a:rPr lang="en-US" sz="2800" b="1" dirty="0">
+              <a:rPr lang="en-US" sz="2000" b="1" dirty="0">
                 <a:solidFill>
                   <a:srgbClr val="0070C0"/>
                 </a:solidFill>
-                <a:latin typeface="Montserrat" pitchFamily="50" charset="0"/>
+                <a:latin typeface="Roboto" panose="02000000000000000000" pitchFamily="2" charset="0"/>
+                <a:ea typeface="Roboto" panose="02000000000000000000" pitchFamily="2" charset="0"/>
               </a:rPr>
               <a:t>Dart In VS CODE</a:t>
             </a:r>
@@ -3710,8 +4228,8 @@
         </p:blipFill>
         <p:spPr bwMode="auto">
           <a:xfrm>
-            <a:off x="3205468" y="1809750"/>
-            <a:ext cx="2133600" cy="2133600"/>
+            <a:off x="3810000" y="1885950"/>
+            <a:ext cx="1524000" cy="1524000"/>
           </a:xfrm>
           <a:prstGeom prst="rect">
             <a:avLst/>
@@ -3738,6 +4256,13 @@
   <p:clrMapOvr>
     <a:masterClrMapping/>
   </p:clrMapOvr>
+  <p:timing>
+    <p:tnLst>
+      <p:par>
+        <p:cTn id="1" dur="indefinite" restart="never" nodeType="tmRoot"/>
+      </p:par>
+    </p:tnLst>
+  </p:timing>
 </p:sld>
 </file>
 
@@ -3766,8 +4291,8 @@
         </p:nvSpPr>
         <p:spPr>
           <a:xfrm>
-            <a:off x="990600" y="209550"/>
-            <a:ext cx="2497800" cy="523220"/>
+            <a:off x="685800" y="133350"/>
+            <a:ext cx="3387466" cy="400110"/>
           </a:xfrm>
           <a:prstGeom prst="rect">
             <a:avLst/>
@@ -3781,27 +4306,45 @@
           <a:lstStyle/>
           <a:p>
             <a:r>
-              <a:rPr lang="en-US" sz="2800" b="1" dirty="0">
+              <a:rPr lang="en-US" sz="2000" b="1" dirty="0">
                 <a:solidFill>
                   <a:srgbClr val="0070C0"/>
                 </a:solidFill>
-                <a:latin typeface="Montserrat" pitchFamily="50" charset="0"/>
-              </a:rPr>
-              <a:t>Dart Syntax </a:t>
-            </a:r>
-          </a:p>
-        </p:txBody>
-      </p:sp>
-      <p:sp>
-        <p:nvSpPr>
-          <p:cNvPr id="3" name="TextBox 2"/>
+                <a:latin typeface="Roboto" panose="02000000000000000000" pitchFamily="2" charset="0"/>
+                <a:ea typeface="Roboto" panose="02000000000000000000" pitchFamily="2" charset="0"/>
+              </a:rPr>
+              <a:t>Dart In VS </a:t>
+            </a:r>
+            <a:r>
+              <a:rPr lang="en-US" sz="2000" b="1" dirty="0" smtClean="0">
+                <a:solidFill>
+                  <a:srgbClr val="0070C0"/>
+                </a:solidFill>
+                <a:latin typeface="Roboto" panose="02000000000000000000" pitchFamily="2" charset="0"/>
+                <a:ea typeface="Roboto" panose="02000000000000000000" pitchFamily="2" charset="0"/>
+              </a:rPr>
+              <a:t>CODE Extensions</a:t>
+            </a:r>
+            <a:endParaRPr lang="en-US" sz="2000" b="1" dirty="0">
+              <a:solidFill>
+                <a:srgbClr val="0070C0"/>
+              </a:solidFill>
+              <a:latin typeface="Roboto" panose="02000000000000000000" pitchFamily="2" charset="0"/>
+              <a:ea typeface="Roboto" panose="02000000000000000000" pitchFamily="2" charset="0"/>
+            </a:endParaRPr>
+          </a:p>
+        </p:txBody>
+      </p:sp>
+      <p:sp>
+        <p:nvSpPr>
+          <p:cNvPr id="4" name="TextBox 3"/>
           <p:cNvSpPr txBox="1"/>
           <p:nvPr/>
         </p:nvSpPr>
         <p:spPr>
           <a:xfrm>
             <a:off x="457200" y="1047750"/>
-            <a:ext cx="5078954" cy="3200876"/>
+            <a:ext cx="3392275" cy="1231106"/>
           </a:xfrm>
           <a:prstGeom prst="rect">
             <a:avLst/>
@@ -3815,15 +4358,16 @@
           <a:lstStyle/>
           <a:p>
             <a:r>
-              <a:rPr lang="en-US" dirty="0"/>
-              <a:t>Syntax is called set of rules for writing programs. </a:t>
-            </a:r>
-          </a:p>
-          <a:p>
-            <a:r>
-              <a:rPr lang="en-US" dirty="0"/>
-              <a:t>Dart has-</a:t>
-            </a:r>
+              <a:rPr lang="en-US" sz="1400" b="1" dirty="0" smtClean="0">
+                <a:latin typeface="Roboto" panose="02000000000000000000" pitchFamily="2" charset="0"/>
+                <a:ea typeface="Roboto" panose="02000000000000000000" pitchFamily="2" charset="0"/>
+              </a:rPr>
+              <a:t>Search Google: </a:t>
+            </a:r>
+            <a:endParaRPr lang="en-US" sz="1400" b="1" dirty="0">
+              <a:latin typeface="Roboto" panose="02000000000000000000" pitchFamily="2" charset="0"/>
+              <a:ea typeface="Roboto" panose="02000000000000000000" pitchFamily="2" charset="0"/>
+            </a:endParaRPr>
           </a:p>
           <a:p>
             <a:pPr marL="285750" indent="-285750">
@@ -3831,12 +4375,25 @@
               <a:buChar char="ü"/>
             </a:pPr>
             <a:r>
-              <a:rPr lang="en-US" dirty="0"/>
-              <a:t>    </a:t>
-            </a:r>
-            <a:r>
-              <a:rPr lang="en-US" sz="1600" dirty="0"/>
-              <a:t>Variables and Operators</a:t>
+              <a:rPr lang="en-US" sz="1400" dirty="0" smtClean="0">
+                <a:latin typeface="Roboto" panose="02000000000000000000" pitchFamily="2" charset="0"/>
+                <a:ea typeface="Roboto" panose="02000000000000000000" pitchFamily="2" charset="0"/>
+              </a:rPr>
+              <a:t>VS </a:t>
+            </a:r>
+            <a:r>
+              <a:rPr lang="en-US" sz="1400" dirty="0">
+                <a:latin typeface="Roboto" panose="02000000000000000000" pitchFamily="2" charset="0"/>
+                <a:ea typeface="Roboto" panose="02000000000000000000" pitchFamily="2" charset="0"/>
+              </a:rPr>
+              <a:t>code dart </a:t>
+            </a:r>
+            <a:r>
+              <a:rPr lang="en-US" sz="1400" dirty="0" smtClean="0">
+                <a:latin typeface="Roboto" panose="02000000000000000000" pitchFamily="2" charset="0"/>
+                <a:ea typeface="Roboto" panose="02000000000000000000" pitchFamily="2" charset="0"/>
+              </a:rPr>
+              <a:t>extension</a:t>
             </a:r>
           </a:p>
           <a:p>
@@ -3845,8 +4402,11 @@
               <a:buChar char="ü"/>
             </a:pPr>
             <a:r>
-              <a:rPr lang="en-US" sz="1600" dirty="0"/>
-              <a:t>    Classes</a:t>
+              <a:rPr lang="en-US" sz="1400" dirty="0" smtClean="0">
+                <a:latin typeface="Roboto" panose="02000000000000000000" pitchFamily="2" charset="0"/>
+                <a:ea typeface="Roboto" panose="02000000000000000000" pitchFamily="2" charset="0"/>
+              </a:rPr>
+              <a:t>Dart Extensions for VS Code </a:t>
             </a:r>
           </a:p>
           <a:p>
@@ -3855,62 +4415,16 @@
               <a:buChar char="ü"/>
             </a:pPr>
             <a:r>
-              <a:rPr lang="en-US" sz="1600" dirty="0"/>
-              <a:t>    Functions</a:t>
-            </a:r>
-          </a:p>
-          <a:p>
-            <a:pPr marL="285750" indent="-285750">
-              <a:buFont typeface="Wingdings" pitchFamily="2" charset="2"/>
-              <a:buChar char="ü"/>
-            </a:pPr>
-            <a:r>
-              <a:rPr lang="en-US" sz="1600" dirty="0"/>
-              <a:t>    Expressions and Programming Constructs</a:t>
-            </a:r>
-          </a:p>
-          <a:p>
-            <a:pPr marL="285750" indent="-285750">
-              <a:buFont typeface="Wingdings" pitchFamily="2" charset="2"/>
-              <a:buChar char="ü"/>
-            </a:pPr>
-            <a:r>
-              <a:rPr lang="en-US" sz="1600" dirty="0"/>
-              <a:t>    Decision Making and Looping Constructs</a:t>
-            </a:r>
-          </a:p>
-          <a:p>
-            <a:pPr marL="285750" indent="-285750">
-              <a:buFont typeface="Wingdings" pitchFamily="2" charset="2"/>
-              <a:buChar char="ü"/>
-            </a:pPr>
-            <a:r>
-              <a:rPr lang="en-US" sz="1600" dirty="0"/>
-              <a:t>    Comments</a:t>
-            </a:r>
-          </a:p>
-          <a:p>
-            <a:pPr marL="285750" indent="-285750">
-              <a:buFont typeface="Wingdings" pitchFamily="2" charset="2"/>
-              <a:buChar char="ü"/>
-            </a:pPr>
-            <a:r>
-              <a:rPr lang="en-US" sz="1600" dirty="0"/>
-              <a:t>    Libraries and Packages</a:t>
-            </a:r>
-          </a:p>
-          <a:p>
-            <a:pPr marL="285750" indent="-285750">
-              <a:buFont typeface="Wingdings" pitchFamily="2" charset="2"/>
-              <a:buChar char="ü"/>
-            </a:pPr>
-            <a:r>
-              <a:rPr lang="en-US" sz="1600" dirty="0"/>
-              <a:t>    Data structures represented as Collections / Generics</a:t>
-            </a:r>
-          </a:p>
-          <a:p>
-            <a:endParaRPr lang="en-US" dirty="0"/>
+              <a:rPr lang="en-US" sz="1400" dirty="0" smtClean="0">
+                <a:latin typeface="Roboto" panose="02000000000000000000" pitchFamily="2" charset="0"/>
+                <a:ea typeface="Roboto" panose="02000000000000000000" pitchFamily="2" charset="0"/>
+              </a:rPr>
+              <a:t>Best VS Code Extensions For Flutter </a:t>
+            </a:r>
+            <a:endParaRPr lang="en-US" sz="1400" dirty="0">
+              <a:latin typeface="Roboto" panose="02000000000000000000" pitchFamily="2" charset="0"/>
+              <a:ea typeface="Roboto" panose="02000000000000000000" pitchFamily="2" charset="0"/>
+            </a:endParaRPr>
           </a:p>
           <a:p>
             <a:endParaRPr lang="en-US" dirty="0"/>
@@ -3920,13 +4434,20 @@
     </p:spTree>
     <p:extLst>
       <p:ext uri="{BB962C8B-B14F-4D97-AF65-F5344CB8AC3E}">
-        <p14:creationId xmlns:p14="http://schemas.microsoft.com/office/powerpoint/2010/main" val="1426008028"/>
+        <p14:creationId xmlns:p14="http://schemas.microsoft.com/office/powerpoint/2010/main" val="2488723766"/>
       </p:ext>
     </p:extLst>
   </p:cSld>
   <p:clrMapOvr>
     <a:masterClrMapping/>
   </p:clrMapOvr>
+  <p:timing>
+    <p:tnLst>
+      <p:par>
+        <p:cTn id="1" dur="indefinite" restart="never" nodeType="tmRoot"/>
+      </p:par>
+    </p:tnLst>
+  </p:timing>
 </p:sld>
 </file>
 
@@ -3955,8 +4476,8 @@
         </p:nvSpPr>
         <p:spPr>
           <a:xfrm>
-            <a:off x="990600" y="209550"/>
-            <a:ext cx="2497800" cy="523220"/>
+            <a:off x="762000" y="133350"/>
+            <a:ext cx="2799164" cy="400110"/>
           </a:xfrm>
           <a:prstGeom prst="rect">
             <a:avLst/>
@@ -3970,14 +4491,22 @@
           <a:lstStyle/>
           <a:p>
             <a:r>
-              <a:rPr lang="en-US" sz="2800" b="1" dirty="0">
+              <a:rPr lang="en-US" sz="2000" b="1" dirty="0" smtClean="0">
                 <a:solidFill>
                   <a:srgbClr val="0070C0"/>
                 </a:solidFill>
-                <a:latin typeface="Montserrat" pitchFamily="50" charset="0"/>
-              </a:rPr>
-              <a:t>Dart Syntax </a:t>
-            </a:r>
+                <a:latin typeface="Roboto" panose="02000000000000000000" pitchFamily="2" charset="0"/>
+                <a:ea typeface="Roboto" panose="02000000000000000000" pitchFamily="2" charset="0"/>
+              </a:rPr>
+              <a:t>My First Dart Program </a:t>
+            </a:r>
+            <a:endParaRPr lang="en-US" sz="2000" b="1" dirty="0">
+              <a:solidFill>
+                <a:srgbClr val="0070C0"/>
+              </a:solidFill>
+              <a:latin typeface="Roboto" panose="02000000000000000000" pitchFamily="2" charset="0"/>
+              <a:ea typeface="Roboto" panose="02000000000000000000" pitchFamily="2" charset="0"/>
+            </a:endParaRPr>
           </a:p>
         </p:txBody>
       </p:sp>
@@ -3989,8 +4518,8 @@
         </p:nvSpPr>
         <p:spPr>
           <a:xfrm>
-            <a:off x="533400" y="2571750"/>
-            <a:ext cx="7912294" cy="923330"/>
+            <a:off x="381000" y="1962150"/>
+            <a:ext cx="6715300" cy="800219"/>
           </a:xfrm>
           <a:prstGeom prst="rect">
             <a:avLst/>
@@ -4004,21 +4533,33 @@
           <a:lstStyle/>
           <a:p>
             <a:r>
-              <a:rPr lang="en-US" dirty="0"/>
+              <a:rPr lang="en-US" sz="1400" dirty="0">
+                <a:latin typeface="Roboto" panose="02000000000000000000" pitchFamily="2" charset="0"/>
+                <a:ea typeface="Roboto" panose="02000000000000000000" pitchFamily="2" charset="0"/>
+              </a:rPr>
               <a:t>The </a:t>
             </a:r>
             <a:r>
-              <a:rPr lang="en-US" b="1" dirty="0"/>
+              <a:rPr lang="en-US" sz="1400" b="1" dirty="0">
+                <a:latin typeface="Roboto" panose="02000000000000000000" pitchFamily="2" charset="0"/>
+                <a:ea typeface="Roboto" panose="02000000000000000000" pitchFamily="2" charset="0"/>
+              </a:rPr>
               <a:t>main()</a:t>
             </a:r>
             <a:r>
-              <a:rPr lang="en-US" dirty="0"/>
+              <a:rPr lang="en-US" sz="1400" dirty="0">
+                <a:latin typeface="Roboto" panose="02000000000000000000" pitchFamily="2" charset="0"/>
+                <a:ea typeface="Roboto" panose="02000000000000000000" pitchFamily="2" charset="0"/>
+              </a:rPr>
               <a:t> function is a predefined method in Dart. This method acts as the entry </a:t>
             </a:r>
           </a:p>
           <a:p>
             <a:r>
-              <a:rPr lang="en-US" dirty="0"/>
+              <a:rPr lang="en-US" sz="1400" dirty="0">
+                <a:latin typeface="Roboto" panose="02000000000000000000" pitchFamily="2" charset="0"/>
+                <a:ea typeface="Roboto" panose="02000000000000000000" pitchFamily="2" charset="0"/>
+              </a:rPr>
               <a:t>point to the application.</a:t>
             </a:r>
           </a:p>
@@ -4050,8 +4591,8 @@
         </p:blipFill>
         <p:spPr bwMode="auto">
           <a:xfrm>
-            <a:off x="609600" y="1123950"/>
-            <a:ext cx="4733925" cy="1181100"/>
+            <a:off x="509319" y="895350"/>
+            <a:ext cx="3667125" cy="914936"/>
           </a:xfrm>
           <a:prstGeom prst="rect">
             <a:avLst/>
@@ -4101,6 +4642,13 @@
   <p:clrMapOvr>
     <a:masterClrMapping/>
   </p:clrMapOvr>
+  <p:timing>
+    <p:tnLst>
+      <p:par>
+        <p:cTn id="1" dur="indefinite" restart="never" nodeType="tmRoot"/>
+      </p:par>
+    </p:tnLst>
+  </p:timing>
 </p:sld>
 </file>
 
@@ -4129,8 +4677,8 @@
         </p:nvSpPr>
         <p:spPr>
           <a:xfrm>
-            <a:off x="990600" y="209550"/>
-            <a:ext cx="2497800" cy="523220"/>
+            <a:off x="685800" y="133350"/>
+            <a:ext cx="1580882" cy="400110"/>
           </a:xfrm>
           <a:prstGeom prst="rect">
             <a:avLst/>
@@ -4144,11 +4692,12 @@
           <a:lstStyle/>
           <a:p>
             <a:r>
-              <a:rPr lang="en-US" sz="2800" b="1" dirty="0">
+              <a:rPr lang="en-US" sz="2000" b="1" dirty="0">
                 <a:solidFill>
                   <a:srgbClr val="0070C0"/>
                 </a:solidFill>
-                <a:latin typeface="Montserrat" pitchFamily="50" charset="0"/>
+                <a:latin typeface="Roboto" panose="02000000000000000000" pitchFamily="2" charset="0"/>
+                <a:ea typeface="Roboto" panose="02000000000000000000" pitchFamily="2" charset="0"/>
               </a:rPr>
               <a:t>Dart Syntax </a:t>
             </a:r>
@@ -4163,8 +4712,8 @@
         </p:nvSpPr>
         <p:spPr>
           <a:xfrm>
-            <a:off x="304800" y="1047750"/>
-            <a:ext cx="7875297" cy="4801314"/>
+            <a:off x="457200" y="1047750"/>
+            <a:ext cx="4921540" cy="2800767"/>
           </a:xfrm>
           <a:prstGeom prst="rect">
             <a:avLst/>
@@ -4178,121 +4727,359 @@
           <a:lstStyle/>
           <a:p>
             <a:r>
-              <a:rPr lang="en-US" b="1">
+              <a:rPr lang="en-US" sz="1400" dirty="0">
+                <a:latin typeface="Roboto" panose="02000000000000000000" pitchFamily="2" charset="0"/>
+                <a:ea typeface="Roboto" panose="02000000000000000000" pitchFamily="2" charset="0"/>
+              </a:rPr>
+              <a:t>Syntax is called set of rules for writing programs. </a:t>
+            </a:r>
+            <a:r>
+              <a:rPr lang="en-US" sz="1400" dirty="0" smtClean="0">
+                <a:latin typeface="Roboto" panose="02000000000000000000" pitchFamily="2" charset="0"/>
+                <a:ea typeface="Roboto" panose="02000000000000000000" pitchFamily="2" charset="0"/>
+              </a:rPr>
+              <a:t>Dart has-</a:t>
+            </a:r>
+          </a:p>
+          <a:p>
+            <a:endParaRPr lang="en-US" sz="1400" dirty="0">
+              <a:latin typeface="Roboto" panose="02000000000000000000" pitchFamily="2" charset="0"/>
+              <a:ea typeface="Roboto" panose="02000000000000000000" pitchFamily="2" charset="0"/>
+            </a:endParaRPr>
+          </a:p>
+          <a:p>
+            <a:pPr marL="285750" indent="-285750">
+              <a:buFont typeface="Wingdings" pitchFamily="2" charset="2"/>
+              <a:buChar char="ü"/>
+            </a:pPr>
+            <a:r>
+              <a:rPr lang="en-US" sz="1400" dirty="0">
+                <a:latin typeface="Roboto" panose="02000000000000000000" pitchFamily="2" charset="0"/>
+                <a:ea typeface="Roboto" panose="02000000000000000000" pitchFamily="2" charset="0"/>
+              </a:rPr>
+              <a:t>    Variables and Operators</a:t>
+            </a:r>
+          </a:p>
+          <a:p>
+            <a:pPr marL="285750" indent="-285750">
+              <a:buFont typeface="Wingdings" pitchFamily="2" charset="2"/>
+              <a:buChar char="ü"/>
+            </a:pPr>
+            <a:r>
+              <a:rPr lang="en-US" sz="1400" dirty="0">
+                <a:latin typeface="Roboto" panose="02000000000000000000" pitchFamily="2" charset="0"/>
+                <a:ea typeface="Roboto" panose="02000000000000000000" pitchFamily="2" charset="0"/>
+              </a:rPr>
+              <a:t>    Classes</a:t>
+            </a:r>
+          </a:p>
+          <a:p>
+            <a:pPr marL="285750" indent="-285750">
+              <a:buFont typeface="Wingdings" pitchFamily="2" charset="2"/>
+              <a:buChar char="ü"/>
+            </a:pPr>
+            <a:r>
+              <a:rPr lang="en-US" sz="1400" dirty="0">
+                <a:latin typeface="Roboto" panose="02000000000000000000" pitchFamily="2" charset="0"/>
+                <a:ea typeface="Roboto" panose="02000000000000000000" pitchFamily="2" charset="0"/>
+              </a:rPr>
+              <a:t>    Functions</a:t>
+            </a:r>
+          </a:p>
+          <a:p>
+            <a:pPr marL="285750" indent="-285750">
+              <a:buFont typeface="Wingdings" pitchFamily="2" charset="2"/>
+              <a:buChar char="ü"/>
+            </a:pPr>
+            <a:r>
+              <a:rPr lang="en-US" sz="1400" dirty="0">
+                <a:latin typeface="Roboto" panose="02000000000000000000" pitchFamily="2" charset="0"/>
+                <a:ea typeface="Roboto" panose="02000000000000000000" pitchFamily="2" charset="0"/>
+              </a:rPr>
+              <a:t>    Expressions and Programming Constructs</a:t>
+            </a:r>
+          </a:p>
+          <a:p>
+            <a:pPr marL="285750" indent="-285750">
+              <a:buFont typeface="Wingdings" pitchFamily="2" charset="2"/>
+              <a:buChar char="ü"/>
+            </a:pPr>
+            <a:r>
+              <a:rPr lang="en-US" sz="1400" dirty="0">
+                <a:latin typeface="Roboto" panose="02000000000000000000" pitchFamily="2" charset="0"/>
+                <a:ea typeface="Roboto" panose="02000000000000000000" pitchFamily="2" charset="0"/>
+              </a:rPr>
+              <a:t>    Decision Making and Looping Constructs</a:t>
+            </a:r>
+          </a:p>
+          <a:p>
+            <a:pPr marL="285750" indent="-285750">
+              <a:buFont typeface="Wingdings" pitchFamily="2" charset="2"/>
+              <a:buChar char="ü"/>
+            </a:pPr>
+            <a:r>
+              <a:rPr lang="en-US" sz="1400" dirty="0">
+                <a:latin typeface="Roboto" panose="02000000000000000000" pitchFamily="2" charset="0"/>
+                <a:ea typeface="Roboto" panose="02000000000000000000" pitchFamily="2" charset="0"/>
+              </a:rPr>
+              <a:t>    Comments</a:t>
+            </a:r>
+          </a:p>
+          <a:p>
+            <a:pPr marL="285750" indent="-285750">
+              <a:buFont typeface="Wingdings" pitchFamily="2" charset="2"/>
+              <a:buChar char="ü"/>
+            </a:pPr>
+            <a:r>
+              <a:rPr lang="en-US" sz="1400" dirty="0">
+                <a:latin typeface="Roboto" panose="02000000000000000000" pitchFamily="2" charset="0"/>
+                <a:ea typeface="Roboto" panose="02000000000000000000" pitchFamily="2" charset="0"/>
+              </a:rPr>
+              <a:t>    Libraries and Packages</a:t>
+            </a:r>
+          </a:p>
+          <a:p>
+            <a:pPr marL="285750" indent="-285750">
+              <a:buFont typeface="Wingdings" pitchFamily="2" charset="2"/>
+              <a:buChar char="ü"/>
+            </a:pPr>
+            <a:r>
+              <a:rPr lang="en-US" sz="1400" dirty="0">
+                <a:latin typeface="Roboto" panose="02000000000000000000" pitchFamily="2" charset="0"/>
+                <a:ea typeface="Roboto" panose="02000000000000000000" pitchFamily="2" charset="0"/>
+              </a:rPr>
+              <a:t>    Data structures represented as Collections / Generics</a:t>
+            </a:r>
+          </a:p>
+          <a:p>
+            <a:endParaRPr lang="en-US" dirty="0"/>
+          </a:p>
+          <a:p>
+            <a:endParaRPr lang="en-US" dirty="0"/>
+          </a:p>
+        </p:txBody>
+      </p:sp>
+    </p:spTree>
+    <p:extLst>
+      <p:ext uri="{BB962C8B-B14F-4D97-AF65-F5344CB8AC3E}">
+        <p14:creationId xmlns:p14="http://schemas.microsoft.com/office/powerpoint/2010/main" val="1426008028"/>
+      </p:ext>
+    </p:extLst>
+  </p:cSld>
+  <p:clrMapOvr>
+    <a:masterClrMapping/>
+  </p:clrMapOvr>
+  <p:timing>
+    <p:tnLst>
+      <p:par>
+        <p:cTn id="1" dur="indefinite" restart="never" nodeType="tmRoot"/>
+      </p:par>
+    </p:tnLst>
+  </p:timing>
+</p:sld>
+</file>
+
+<file path=ppt/slides/slide9.xml><?xml version="1.0" encoding="utf-8"?>
+<p:sld xmlns:a="http://schemas.openxmlformats.org/drawingml/2006/main" xmlns:r="http://schemas.openxmlformats.org/officeDocument/2006/relationships" xmlns:p="http://schemas.openxmlformats.org/presentationml/2006/main">
+  <p:cSld>
+    <p:spTree>
+      <p:nvGrpSpPr>
+        <p:cNvPr id="1" name=""/>
+        <p:cNvGrpSpPr/>
+        <p:nvPr/>
+      </p:nvGrpSpPr>
+      <p:grpSpPr>
+        <a:xfrm>
+          <a:off x="0" y="0"/>
+          <a:ext cx="0" cy="0"/>
+          <a:chOff x="0" y="0"/>
+          <a:chExt cx="0" cy="0"/>
+        </a:xfrm>
+      </p:grpSpPr>
+      <p:sp>
+        <p:nvSpPr>
+          <p:cNvPr id="2" name="TextBox 1"/>
+          <p:cNvSpPr txBox="1"/>
+          <p:nvPr/>
+        </p:nvSpPr>
+        <p:spPr>
+          <a:xfrm>
+            <a:off x="685800" y="128885"/>
+            <a:ext cx="1863011" cy="461665"/>
+          </a:xfrm>
+          <a:prstGeom prst="rect">
+            <a:avLst/>
+          </a:prstGeom>
+          <a:noFill/>
+        </p:spPr>
+        <p:txBody>
+          <a:bodyPr wrap="none" rtlCol="0">
+            <a:spAutoFit/>
+          </a:bodyPr>
+          <a:lstStyle/>
+          <a:p>
+            <a:r>
+              <a:rPr lang="en-US" sz="2400" b="1" dirty="0">
                 <a:solidFill>
                   <a:srgbClr val="0070C0"/>
                 </a:solidFill>
+                <a:latin typeface="Roboto" panose="02000000000000000000" pitchFamily="2" charset="0"/>
+                <a:ea typeface="Roboto" panose="02000000000000000000" pitchFamily="2" charset="0"/>
+              </a:rPr>
+              <a:t>Dart Syntax </a:t>
+            </a:r>
+          </a:p>
+        </p:txBody>
+      </p:sp>
+      <p:sp>
+        <p:nvSpPr>
+          <p:cNvPr id="3" name="TextBox 2"/>
+          <p:cNvSpPr txBox="1"/>
+          <p:nvPr/>
+        </p:nvSpPr>
+        <p:spPr>
+          <a:xfrm>
+            <a:off x="304800" y="1047750"/>
+            <a:ext cx="6747360" cy="3170099"/>
+          </a:xfrm>
+          <a:prstGeom prst="rect">
+            <a:avLst/>
+          </a:prstGeom>
+          <a:noFill/>
+        </p:spPr>
+        <p:txBody>
+          <a:bodyPr wrap="none" rtlCol="0">
+            <a:spAutoFit/>
+          </a:bodyPr>
+          <a:lstStyle/>
+          <a:p>
+            <a:r>
+              <a:rPr lang="en-US" sz="1400" b="1" dirty="0">
+                <a:solidFill>
+                  <a:srgbClr val="0070C0"/>
+                </a:solidFill>
+                <a:latin typeface="Roboto" panose="02000000000000000000" pitchFamily="2" charset="0"/>
+                <a:ea typeface="Roboto" panose="02000000000000000000" pitchFamily="2" charset="0"/>
               </a:rPr>
               <a:t>Whitespace and Line Breaks</a:t>
             </a:r>
           </a:p>
           <a:p>
             <a:r>
-              <a:rPr lang="en-US"/>
+              <a:rPr lang="en-US" sz="1400" dirty="0">
+                <a:latin typeface="Roboto" panose="02000000000000000000" pitchFamily="2" charset="0"/>
+                <a:ea typeface="Roboto" panose="02000000000000000000" pitchFamily="2" charset="0"/>
+              </a:rPr>
               <a:t>Dart ignores spaces, tabs, and newlines that appear in programs.</a:t>
             </a:r>
           </a:p>
           <a:p>
-            <a:endParaRPr lang="en-US" b="1">
+            <a:endParaRPr lang="en-US" sz="1400" b="1" dirty="0">
               <a:solidFill>
                 <a:srgbClr val="0070C0"/>
               </a:solidFill>
+              <a:latin typeface="Roboto" panose="02000000000000000000" pitchFamily="2" charset="0"/>
+              <a:ea typeface="Roboto" panose="02000000000000000000" pitchFamily="2" charset="0"/>
             </a:endParaRPr>
           </a:p>
           <a:p>
             <a:r>
-              <a:rPr lang="en-US" b="1">
+              <a:rPr lang="en-US" sz="1400" b="1" dirty="0">
                 <a:solidFill>
                   <a:srgbClr val="0070C0"/>
                 </a:solidFill>
+                <a:latin typeface="Roboto" panose="02000000000000000000" pitchFamily="2" charset="0"/>
+                <a:ea typeface="Roboto" panose="02000000000000000000" pitchFamily="2" charset="0"/>
               </a:rPr>
               <a:t>Dart is Case-sensitive</a:t>
             </a:r>
           </a:p>
           <a:p>
             <a:r>
-              <a:rPr lang="en-US"/>
+              <a:rPr lang="en-US" sz="1400" dirty="0">
+                <a:latin typeface="Roboto" panose="02000000000000000000" pitchFamily="2" charset="0"/>
+                <a:ea typeface="Roboto" panose="02000000000000000000" pitchFamily="2" charset="0"/>
+              </a:rPr>
               <a:t>Dart is case-sensitive. This means that Dart differentiates between uppercase and </a:t>
             </a:r>
           </a:p>
           <a:p>
             <a:r>
-              <a:rPr lang="en-US"/>
+              <a:rPr lang="en-US" sz="1400" dirty="0">
+                <a:latin typeface="Roboto" panose="02000000000000000000" pitchFamily="2" charset="0"/>
+                <a:ea typeface="Roboto" panose="02000000000000000000" pitchFamily="2" charset="0"/>
+              </a:rPr>
               <a:t>lowercase characters.</a:t>
             </a:r>
           </a:p>
           <a:p>
-            <a:endParaRPr lang="en-US" b="1">
+            <a:endParaRPr lang="en-US" sz="1400" b="1" dirty="0">
               <a:solidFill>
                 <a:srgbClr val="0070C0"/>
               </a:solidFill>
+              <a:latin typeface="Roboto" panose="02000000000000000000" pitchFamily="2" charset="0"/>
+              <a:ea typeface="Roboto" panose="02000000000000000000" pitchFamily="2" charset="0"/>
             </a:endParaRPr>
           </a:p>
           <a:p>
             <a:r>
-              <a:rPr lang="en-US" b="1">
+              <a:rPr lang="en-US" sz="1400" b="1" dirty="0">
                 <a:solidFill>
                   <a:srgbClr val="0070C0"/>
                 </a:solidFill>
+                <a:latin typeface="Roboto" panose="02000000000000000000" pitchFamily="2" charset="0"/>
+                <a:ea typeface="Roboto" panose="02000000000000000000" pitchFamily="2" charset="0"/>
               </a:rPr>
               <a:t>Statements end with a Semicolon</a:t>
             </a:r>
           </a:p>
           <a:p>
             <a:r>
-              <a:rPr lang="en-US"/>
+              <a:rPr lang="en-US" sz="1400" dirty="0">
+                <a:latin typeface="Roboto" panose="02000000000000000000" pitchFamily="2" charset="0"/>
+                <a:ea typeface="Roboto" panose="02000000000000000000" pitchFamily="2" charset="0"/>
+              </a:rPr>
               <a:t>Each line of instruction is called a statement. Each dart statement must </a:t>
             </a:r>
           </a:p>
           <a:p>
             <a:r>
-              <a:rPr lang="en-US"/>
+              <a:rPr lang="en-US" sz="1400" dirty="0">
+                <a:latin typeface="Roboto" panose="02000000000000000000" pitchFamily="2" charset="0"/>
+                <a:ea typeface="Roboto" panose="02000000000000000000" pitchFamily="2" charset="0"/>
+              </a:rPr>
               <a:t>end with a semicolon</a:t>
             </a:r>
           </a:p>
           <a:p>
-            <a:endParaRPr lang="en-US" b="1">
+            <a:endParaRPr lang="en-US" sz="1400" b="1" dirty="0">
               <a:solidFill>
                 <a:srgbClr val="0070C0"/>
               </a:solidFill>
+              <a:latin typeface="Roboto" panose="02000000000000000000" pitchFamily="2" charset="0"/>
+              <a:ea typeface="Roboto" panose="02000000000000000000" pitchFamily="2" charset="0"/>
             </a:endParaRPr>
           </a:p>
           <a:p>
             <a:r>
-              <a:rPr lang="en-US" b="1">
+              <a:rPr lang="en-US" sz="1400" b="1" dirty="0">
                 <a:solidFill>
                   <a:srgbClr val="0070C0"/>
                 </a:solidFill>
+                <a:latin typeface="Roboto" panose="02000000000000000000" pitchFamily="2" charset="0"/>
+                <a:ea typeface="Roboto" panose="02000000000000000000" pitchFamily="2" charset="0"/>
               </a:rPr>
               <a:t>Comments in Dart</a:t>
             </a:r>
           </a:p>
           <a:p>
             <a:r>
-              <a:rPr lang="en-US"/>
+              <a:rPr lang="en-US" sz="1400" dirty="0">
+                <a:latin typeface="Roboto" panose="02000000000000000000" pitchFamily="2" charset="0"/>
+                <a:ea typeface="Roboto" panose="02000000000000000000" pitchFamily="2" charset="0"/>
+              </a:rPr>
               <a:t>Single-line comments ( // ) Multi-line comments (/* */) </a:t>
             </a:r>
-          </a:p>
-          <a:p>
-            <a:endParaRPr lang="en-US" b="1" dirty="0">
-              <a:solidFill>
-                <a:srgbClr val="0070C0"/>
-              </a:solidFill>
-            </a:endParaRPr>
-          </a:p>
-          <a:p>
-            <a:endParaRPr lang="en-US" b="1" dirty="0">
-              <a:solidFill>
-                <a:srgbClr val="0070C0"/>
-              </a:solidFill>
-            </a:endParaRPr>
-          </a:p>
-          <a:p>
-            <a:endParaRPr lang="en-US" b="1" dirty="0">
-              <a:solidFill>
-                <a:srgbClr val="0070C0"/>
-              </a:solidFill>
-            </a:endParaRPr>
           </a:p>
           <a:p>
             <a:endParaRPr lang="en-US" b="1" dirty="0">
@@ -4313,6 +5100,13 @@
   <p:clrMapOvr>
     <a:masterClrMapping/>
   </p:clrMapOvr>
+  <p:timing>
+    <p:tnLst>
+      <p:par>
+        <p:cTn id="1" dur="indefinite" restart="never" nodeType="tmRoot"/>
+      </p:par>
+    </p:tnLst>
+  </p:timing>
 </p:sld>
 </file>
 

--- a/Classes/01/Slide.pptx
+++ b/Classes/01/Slide.pptx
@@ -6,17 +6,19 @@
   </p:sldMasterIdLst>
   <p:sldIdLst>
     <p:sldId id="256" r:id="rId2"/>
-    <p:sldId id="257" r:id="rId3"/>
-    <p:sldId id="259" r:id="rId4"/>
-    <p:sldId id="260" r:id="rId5"/>
-    <p:sldId id="261" r:id="rId6"/>
-    <p:sldId id="265" r:id="rId7"/>
-    <p:sldId id="263" r:id="rId8"/>
-    <p:sldId id="262" r:id="rId9"/>
-    <p:sldId id="264" r:id="rId10"/>
-    <p:sldId id="266" r:id="rId11"/>
-    <p:sldId id="267" r:id="rId12"/>
-    <p:sldId id="268" r:id="rId13"/>
+    <p:sldId id="270" r:id="rId3"/>
+    <p:sldId id="257" r:id="rId4"/>
+    <p:sldId id="259" r:id="rId5"/>
+    <p:sldId id="260" r:id="rId6"/>
+    <p:sldId id="263" r:id="rId7"/>
+    <p:sldId id="261" r:id="rId8"/>
+    <p:sldId id="265" r:id="rId9"/>
+    <p:sldId id="269" r:id="rId10"/>
+    <p:sldId id="262" r:id="rId11"/>
+    <p:sldId id="264" r:id="rId12"/>
+    <p:sldId id="266" r:id="rId13"/>
+    <p:sldId id="267" r:id="rId14"/>
+    <p:sldId id="268" r:id="rId15"/>
   </p:sldIdLst>
   <p:sldSz cx="9144000" cy="5143500" type="screen16x9"/>
   <p:notesSz cx="6858000" cy="9144000"/>
@@ -3076,43 +3078,32 @@
       </p:grpSpPr>
       <p:pic>
         <p:nvPicPr>
-          <p:cNvPr id="1026" name="Picture 2" descr="C:\Users\Rabbil\Desktop\Dart\dart-logo-for-shares.png"/>
+          <p:cNvPr id="2" name="Picture 1"/>
           <p:cNvPicPr>
-            <a:picLocks noChangeAspect="1" noChangeArrowheads="1"/>
+            <a:picLocks noChangeAspect="1"/>
           </p:cNvPicPr>
           <p:nvPr/>
         </p:nvPicPr>
         <p:blipFill>
-          <a:blip r:embed="rId2" cstate="print">
+          <a:blip r:embed="rId2">
             <a:extLst>
               <a:ext uri="{28A0092B-C50C-407E-A947-70E740481C1C}">
                 <a14:useLocalDpi xmlns:a14="http://schemas.microsoft.com/office/drawing/2010/main" val="0"/>
               </a:ext>
             </a:extLst>
           </a:blip>
-          <a:srcRect/>
           <a:stretch>
             <a:fillRect/>
           </a:stretch>
         </p:blipFill>
-        <p:spPr bwMode="auto">
+        <p:spPr>
           <a:xfrm>
-            <a:off x="2590800" y="1428750"/>
-            <a:ext cx="3702050" cy="2078736"/>
+            <a:off x="0" y="0"/>
+            <a:ext cx="9144000" cy="5143500"/>
           </a:xfrm>
           <a:prstGeom prst="rect">
             <a:avLst/>
           </a:prstGeom>
-          <a:noFill/>
-          <a:extLst>
-            <a:ext uri="{909E8E84-426E-40DD-AFC4-6F175D3DCCD1}">
-              <a14:hiddenFill xmlns:a14="http://schemas.microsoft.com/office/drawing/2010/main">
-                <a:solidFill>
-                  <a:srgbClr val="FFFFFF"/>
-                </a:solidFill>
-              </a14:hiddenFill>
-            </a:ext>
-          </a:extLst>
         </p:spPr>
       </p:pic>
     </p:spTree>
@@ -3136,6 +3127,464 @@
 </file>
 
 <file path=ppt/slides/slide10.xml><?xml version="1.0" encoding="utf-8"?>
+<p:sld xmlns:a="http://schemas.openxmlformats.org/drawingml/2006/main" xmlns:r="http://schemas.openxmlformats.org/officeDocument/2006/relationships" xmlns:p="http://schemas.openxmlformats.org/presentationml/2006/main">
+  <p:cSld>
+    <p:spTree>
+      <p:nvGrpSpPr>
+        <p:cNvPr id="1" name=""/>
+        <p:cNvGrpSpPr/>
+        <p:nvPr/>
+      </p:nvGrpSpPr>
+      <p:grpSpPr>
+        <a:xfrm>
+          <a:off x="0" y="0"/>
+          <a:ext cx="0" cy="0"/>
+          <a:chOff x="0" y="0"/>
+          <a:chExt cx="0" cy="0"/>
+        </a:xfrm>
+      </p:grpSpPr>
+      <p:sp>
+        <p:nvSpPr>
+          <p:cNvPr id="2" name="TextBox 1"/>
+          <p:cNvSpPr txBox="1"/>
+          <p:nvPr/>
+        </p:nvSpPr>
+        <p:spPr>
+          <a:xfrm>
+            <a:off x="685800" y="133350"/>
+            <a:ext cx="1580882" cy="400110"/>
+          </a:xfrm>
+          <a:prstGeom prst="rect">
+            <a:avLst/>
+          </a:prstGeom>
+          <a:noFill/>
+        </p:spPr>
+        <p:txBody>
+          <a:bodyPr wrap="none" rtlCol="0">
+            <a:spAutoFit/>
+          </a:bodyPr>
+          <a:lstStyle/>
+          <a:p>
+            <a:r>
+              <a:rPr lang="en-US" sz="2000" b="1" dirty="0">
+                <a:solidFill>
+                  <a:srgbClr val="0070C0"/>
+                </a:solidFill>
+                <a:latin typeface="Roboto" panose="02000000000000000000" pitchFamily="2" charset="0"/>
+                <a:ea typeface="Roboto" panose="02000000000000000000" pitchFamily="2" charset="0"/>
+              </a:rPr>
+              <a:t>Dart Syntax </a:t>
+            </a:r>
+          </a:p>
+        </p:txBody>
+      </p:sp>
+      <p:sp>
+        <p:nvSpPr>
+          <p:cNvPr id="3" name="TextBox 2"/>
+          <p:cNvSpPr txBox="1"/>
+          <p:nvPr/>
+        </p:nvSpPr>
+        <p:spPr>
+          <a:xfrm>
+            <a:off x="457200" y="1047750"/>
+            <a:ext cx="4921540" cy="2800767"/>
+          </a:xfrm>
+          <a:prstGeom prst="rect">
+            <a:avLst/>
+          </a:prstGeom>
+          <a:noFill/>
+        </p:spPr>
+        <p:txBody>
+          <a:bodyPr wrap="none" rtlCol="0">
+            <a:spAutoFit/>
+          </a:bodyPr>
+          <a:lstStyle/>
+          <a:p>
+            <a:r>
+              <a:rPr lang="en-US" sz="1400" dirty="0">
+                <a:latin typeface="Roboto" panose="02000000000000000000" pitchFamily="2" charset="0"/>
+                <a:ea typeface="Roboto" panose="02000000000000000000" pitchFamily="2" charset="0"/>
+              </a:rPr>
+              <a:t>Syntax is called set of rules for writing programs. </a:t>
+            </a:r>
+            <a:r>
+              <a:rPr lang="en-US" sz="1400" dirty="0" smtClean="0">
+                <a:latin typeface="Roboto" panose="02000000000000000000" pitchFamily="2" charset="0"/>
+                <a:ea typeface="Roboto" panose="02000000000000000000" pitchFamily="2" charset="0"/>
+              </a:rPr>
+              <a:t>Dart has-</a:t>
+            </a:r>
+          </a:p>
+          <a:p>
+            <a:endParaRPr lang="en-US" sz="1400" dirty="0">
+              <a:latin typeface="Roboto" panose="02000000000000000000" pitchFamily="2" charset="0"/>
+              <a:ea typeface="Roboto" panose="02000000000000000000" pitchFamily="2" charset="0"/>
+            </a:endParaRPr>
+          </a:p>
+          <a:p>
+            <a:pPr marL="285750" indent="-285750">
+              <a:buFont typeface="Wingdings" pitchFamily="2" charset="2"/>
+              <a:buChar char="ü"/>
+            </a:pPr>
+            <a:r>
+              <a:rPr lang="en-US" sz="1400" dirty="0">
+                <a:latin typeface="Roboto" panose="02000000000000000000" pitchFamily="2" charset="0"/>
+                <a:ea typeface="Roboto" panose="02000000000000000000" pitchFamily="2" charset="0"/>
+              </a:rPr>
+              <a:t>    Variables and Operators</a:t>
+            </a:r>
+          </a:p>
+          <a:p>
+            <a:pPr marL="285750" indent="-285750">
+              <a:buFont typeface="Wingdings" pitchFamily="2" charset="2"/>
+              <a:buChar char="ü"/>
+            </a:pPr>
+            <a:r>
+              <a:rPr lang="en-US" sz="1400" dirty="0">
+                <a:latin typeface="Roboto" panose="02000000000000000000" pitchFamily="2" charset="0"/>
+                <a:ea typeface="Roboto" panose="02000000000000000000" pitchFamily="2" charset="0"/>
+              </a:rPr>
+              <a:t>    Classes</a:t>
+            </a:r>
+          </a:p>
+          <a:p>
+            <a:pPr marL="285750" indent="-285750">
+              <a:buFont typeface="Wingdings" pitchFamily="2" charset="2"/>
+              <a:buChar char="ü"/>
+            </a:pPr>
+            <a:r>
+              <a:rPr lang="en-US" sz="1400" dirty="0">
+                <a:latin typeface="Roboto" panose="02000000000000000000" pitchFamily="2" charset="0"/>
+                <a:ea typeface="Roboto" panose="02000000000000000000" pitchFamily="2" charset="0"/>
+              </a:rPr>
+              <a:t>    Functions</a:t>
+            </a:r>
+          </a:p>
+          <a:p>
+            <a:pPr marL="285750" indent="-285750">
+              <a:buFont typeface="Wingdings" pitchFamily="2" charset="2"/>
+              <a:buChar char="ü"/>
+            </a:pPr>
+            <a:r>
+              <a:rPr lang="en-US" sz="1400" dirty="0">
+                <a:latin typeface="Roboto" panose="02000000000000000000" pitchFamily="2" charset="0"/>
+                <a:ea typeface="Roboto" panose="02000000000000000000" pitchFamily="2" charset="0"/>
+              </a:rPr>
+              <a:t>    Expressions and Programming Constructs</a:t>
+            </a:r>
+          </a:p>
+          <a:p>
+            <a:pPr marL="285750" indent="-285750">
+              <a:buFont typeface="Wingdings" pitchFamily="2" charset="2"/>
+              <a:buChar char="ü"/>
+            </a:pPr>
+            <a:r>
+              <a:rPr lang="en-US" sz="1400" dirty="0">
+                <a:latin typeface="Roboto" panose="02000000000000000000" pitchFamily="2" charset="0"/>
+                <a:ea typeface="Roboto" panose="02000000000000000000" pitchFamily="2" charset="0"/>
+              </a:rPr>
+              <a:t>    Decision Making and Looping Constructs</a:t>
+            </a:r>
+          </a:p>
+          <a:p>
+            <a:pPr marL="285750" indent="-285750">
+              <a:buFont typeface="Wingdings" pitchFamily="2" charset="2"/>
+              <a:buChar char="ü"/>
+            </a:pPr>
+            <a:r>
+              <a:rPr lang="en-US" sz="1400" dirty="0">
+                <a:latin typeface="Roboto" panose="02000000000000000000" pitchFamily="2" charset="0"/>
+                <a:ea typeface="Roboto" panose="02000000000000000000" pitchFamily="2" charset="0"/>
+              </a:rPr>
+              <a:t>    Comments</a:t>
+            </a:r>
+          </a:p>
+          <a:p>
+            <a:pPr marL="285750" indent="-285750">
+              <a:buFont typeface="Wingdings" pitchFamily="2" charset="2"/>
+              <a:buChar char="ü"/>
+            </a:pPr>
+            <a:r>
+              <a:rPr lang="en-US" sz="1400" dirty="0">
+                <a:latin typeface="Roboto" panose="02000000000000000000" pitchFamily="2" charset="0"/>
+                <a:ea typeface="Roboto" panose="02000000000000000000" pitchFamily="2" charset="0"/>
+              </a:rPr>
+              <a:t>    Libraries and Packages</a:t>
+            </a:r>
+          </a:p>
+          <a:p>
+            <a:pPr marL="285750" indent="-285750">
+              <a:buFont typeface="Wingdings" pitchFamily="2" charset="2"/>
+              <a:buChar char="ü"/>
+            </a:pPr>
+            <a:r>
+              <a:rPr lang="en-US" sz="1400" dirty="0">
+                <a:latin typeface="Roboto" panose="02000000000000000000" pitchFamily="2" charset="0"/>
+                <a:ea typeface="Roboto" panose="02000000000000000000" pitchFamily="2" charset="0"/>
+              </a:rPr>
+              <a:t>    Data structures represented as Collections / Generics</a:t>
+            </a:r>
+          </a:p>
+          <a:p>
+            <a:endParaRPr lang="en-US" dirty="0"/>
+          </a:p>
+          <a:p>
+            <a:endParaRPr lang="en-US" dirty="0"/>
+          </a:p>
+        </p:txBody>
+      </p:sp>
+    </p:spTree>
+    <p:extLst>
+      <p:ext uri="{BB962C8B-B14F-4D97-AF65-F5344CB8AC3E}">
+        <p14:creationId xmlns:p14="http://schemas.microsoft.com/office/powerpoint/2010/main" val="1426008028"/>
+      </p:ext>
+    </p:extLst>
+  </p:cSld>
+  <p:clrMapOvr>
+    <a:masterClrMapping/>
+  </p:clrMapOvr>
+  <p:timing>
+    <p:tnLst>
+      <p:par>
+        <p:cTn id="1" dur="indefinite" restart="never" nodeType="tmRoot"/>
+      </p:par>
+    </p:tnLst>
+  </p:timing>
+</p:sld>
+</file>
+
+<file path=ppt/slides/slide11.xml><?xml version="1.0" encoding="utf-8"?>
+<p:sld xmlns:a="http://schemas.openxmlformats.org/drawingml/2006/main" xmlns:r="http://schemas.openxmlformats.org/officeDocument/2006/relationships" xmlns:p="http://schemas.openxmlformats.org/presentationml/2006/main">
+  <p:cSld>
+    <p:spTree>
+      <p:nvGrpSpPr>
+        <p:cNvPr id="1" name=""/>
+        <p:cNvGrpSpPr/>
+        <p:nvPr/>
+      </p:nvGrpSpPr>
+      <p:grpSpPr>
+        <a:xfrm>
+          <a:off x="0" y="0"/>
+          <a:ext cx="0" cy="0"/>
+          <a:chOff x="0" y="0"/>
+          <a:chExt cx="0" cy="0"/>
+        </a:xfrm>
+      </p:grpSpPr>
+      <p:sp>
+        <p:nvSpPr>
+          <p:cNvPr id="2" name="TextBox 1"/>
+          <p:cNvSpPr txBox="1"/>
+          <p:nvPr/>
+        </p:nvSpPr>
+        <p:spPr>
+          <a:xfrm>
+            <a:off x="685800" y="128885"/>
+            <a:ext cx="1863011" cy="461665"/>
+          </a:xfrm>
+          <a:prstGeom prst="rect">
+            <a:avLst/>
+          </a:prstGeom>
+          <a:noFill/>
+        </p:spPr>
+        <p:txBody>
+          <a:bodyPr wrap="none" rtlCol="0">
+            <a:spAutoFit/>
+          </a:bodyPr>
+          <a:lstStyle/>
+          <a:p>
+            <a:r>
+              <a:rPr lang="en-US" sz="2400" b="1" dirty="0">
+                <a:solidFill>
+                  <a:srgbClr val="0070C0"/>
+                </a:solidFill>
+                <a:latin typeface="Roboto" panose="02000000000000000000" pitchFamily="2" charset="0"/>
+                <a:ea typeface="Roboto" panose="02000000000000000000" pitchFamily="2" charset="0"/>
+              </a:rPr>
+              <a:t>Dart Syntax </a:t>
+            </a:r>
+          </a:p>
+        </p:txBody>
+      </p:sp>
+      <p:sp>
+        <p:nvSpPr>
+          <p:cNvPr id="3" name="TextBox 2"/>
+          <p:cNvSpPr txBox="1"/>
+          <p:nvPr/>
+        </p:nvSpPr>
+        <p:spPr>
+          <a:xfrm>
+            <a:off x="304800" y="1047750"/>
+            <a:ext cx="6747360" cy="3170099"/>
+          </a:xfrm>
+          <a:prstGeom prst="rect">
+            <a:avLst/>
+          </a:prstGeom>
+          <a:noFill/>
+        </p:spPr>
+        <p:txBody>
+          <a:bodyPr wrap="none" rtlCol="0">
+            <a:spAutoFit/>
+          </a:bodyPr>
+          <a:lstStyle/>
+          <a:p>
+            <a:r>
+              <a:rPr lang="en-US" sz="1400" b="1" dirty="0">
+                <a:solidFill>
+                  <a:srgbClr val="0070C0"/>
+                </a:solidFill>
+                <a:latin typeface="Roboto" panose="02000000000000000000" pitchFamily="2" charset="0"/>
+                <a:ea typeface="Roboto" panose="02000000000000000000" pitchFamily="2" charset="0"/>
+              </a:rPr>
+              <a:t>Whitespace and Line Breaks</a:t>
+            </a:r>
+          </a:p>
+          <a:p>
+            <a:r>
+              <a:rPr lang="en-US" sz="1400" dirty="0">
+                <a:latin typeface="Roboto" panose="02000000000000000000" pitchFamily="2" charset="0"/>
+                <a:ea typeface="Roboto" panose="02000000000000000000" pitchFamily="2" charset="0"/>
+              </a:rPr>
+              <a:t>Dart ignores spaces, tabs, and newlines that appear in programs.</a:t>
+            </a:r>
+          </a:p>
+          <a:p>
+            <a:endParaRPr lang="en-US" sz="1400" b="1" dirty="0">
+              <a:solidFill>
+                <a:srgbClr val="0070C0"/>
+              </a:solidFill>
+              <a:latin typeface="Roboto" panose="02000000000000000000" pitchFamily="2" charset="0"/>
+              <a:ea typeface="Roboto" panose="02000000000000000000" pitchFamily="2" charset="0"/>
+            </a:endParaRPr>
+          </a:p>
+          <a:p>
+            <a:r>
+              <a:rPr lang="en-US" sz="1400" b="1" dirty="0">
+                <a:solidFill>
+                  <a:srgbClr val="0070C0"/>
+                </a:solidFill>
+                <a:latin typeface="Roboto" panose="02000000000000000000" pitchFamily="2" charset="0"/>
+                <a:ea typeface="Roboto" panose="02000000000000000000" pitchFamily="2" charset="0"/>
+              </a:rPr>
+              <a:t>Dart is Case-sensitive</a:t>
+            </a:r>
+          </a:p>
+          <a:p>
+            <a:r>
+              <a:rPr lang="en-US" sz="1400" dirty="0">
+                <a:latin typeface="Roboto" panose="02000000000000000000" pitchFamily="2" charset="0"/>
+                <a:ea typeface="Roboto" panose="02000000000000000000" pitchFamily="2" charset="0"/>
+              </a:rPr>
+              <a:t>Dart is case-sensitive. This means that Dart differentiates between uppercase and </a:t>
+            </a:r>
+          </a:p>
+          <a:p>
+            <a:r>
+              <a:rPr lang="en-US" sz="1400" dirty="0">
+                <a:latin typeface="Roboto" panose="02000000000000000000" pitchFamily="2" charset="0"/>
+                <a:ea typeface="Roboto" panose="02000000000000000000" pitchFamily="2" charset="0"/>
+              </a:rPr>
+              <a:t>lowercase characters.</a:t>
+            </a:r>
+          </a:p>
+          <a:p>
+            <a:endParaRPr lang="en-US" sz="1400" b="1" dirty="0">
+              <a:solidFill>
+                <a:srgbClr val="0070C0"/>
+              </a:solidFill>
+              <a:latin typeface="Roboto" panose="02000000000000000000" pitchFamily="2" charset="0"/>
+              <a:ea typeface="Roboto" panose="02000000000000000000" pitchFamily="2" charset="0"/>
+            </a:endParaRPr>
+          </a:p>
+          <a:p>
+            <a:r>
+              <a:rPr lang="en-US" sz="1400" b="1" dirty="0">
+                <a:solidFill>
+                  <a:srgbClr val="0070C0"/>
+                </a:solidFill>
+                <a:latin typeface="Roboto" panose="02000000000000000000" pitchFamily="2" charset="0"/>
+                <a:ea typeface="Roboto" panose="02000000000000000000" pitchFamily="2" charset="0"/>
+              </a:rPr>
+              <a:t>Statements end with a Semicolon</a:t>
+            </a:r>
+          </a:p>
+          <a:p>
+            <a:r>
+              <a:rPr lang="en-US" sz="1400" dirty="0">
+                <a:latin typeface="Roboto" panose="02000000000000000000" pitchFamily="2" charset="0"/>
+                <a:ea typeface="Roboto" panose="02000000000000000000" pitchFamily="2" charset="0"/>
+              </a:rPr>
+              <a:t>Each line of instruction is called a statement. Each dart statement must </a:t>
+            </a:r>
+          </a:p>
+          <a:p>
+            <a:r>
+              <a:rPr lang="en-US" sz="1400" dirty="0">
+                <a:latin typeface="Roboto" panose="02000000000000000000" pitchFamily="2" charset="0"/>
+                <a:ea typeface="Roboto" panose="02000000000000000000" pitchFamily="2" charset="0"/>
+              </a:rPr>
+              <a:t>end with a semicolon</a:t>
+            </a:r>
+          </a:p>
+          <a:p>
+            <a:endParaRPr lang="en-US" sz="1400" b="1" dirty="0">
+              <a:solidFill>
+                <a:srgbClr val="0070C0"/>
+              </a:solidFill>
+              <a:latin typeface="Roboto" panose="02000000000000000000" pitchFamily="2" charset="0"/>
+              <a:ea typeface="Roboto" panose="02000000000000000000" pitchFamily="2" charset="0"/>
+            </a:endParaRPr>
+          </a:p>
+          <a:p>
+            <a:r>
+              <a:rPr lang="en-US" sz="1400" b="1" dirty="0">
+                <a:solidFill>
+                  <a:srgbClr val="0070C0"/>
+                </a:solidFill>
+                <a:latin typeface="Roboto" panose="02000000000000000000" pitchFamily="2" charset="0"/>
+                <a:ea typeface="Roboto" panose="02000000000000000000" pitchFamily="2" charset="0"/>
+              </a:rPr>
+              <a:t>Comments in Dart</a:t>
+            </a:r>
+          </a:p>
+          <a:p>
+            <a:r>
+              <a:rPr lang="en-US" sz="1400" dirty="0">
+                <a:latin typeface="Roboto" panose="02000000000000000000" pitchFamily="2" charset="0"/>
+                <a:ea typeface="Roboto" panose="02000000000000000000" pitchFamily="2" charset="0"/>
+              </a:rPr>
+              <a:t>Single-line comments ( // ) Multi-line comments (/* */) </a:t>
+            </a:r>
+          </a:p>
+          <a:p>
+            <a:endParaRPr lang="en-US" b="1" dirty="0">
+              <a:solidFill>
+                <a:srgbClr val="0070C0"/>
+              </a:solidFill>
+            </a:endParaRPr>
+          </a:p>
+        </p:txBody>
+      </p:sp>
+    </p:spTree>
+    <p:extLst>
+      <p:ext uri="{BB962C8B-B14F-4D97-AF65-F5344CB8AC3E}">
+        <p14:creationId xmlns:p14="http://schemas.microsoft.com/office/powerpoint/2010/main" val="2104344801"/>
+      </p:ext>
+    </p:extLst>
+  </p:cSld>
+  <p:clrMapOvr>
+    <a:masterClrMapping/>
+  </p:clrMapOvr>
+  <p:timing>
+    <p:tnLst>
+      <p:par>
+        <p:cTn id="1" dur="indefinite" restart="never" nodeType="tmRoot"/>
+      </p:par>
+    </p:tnLst>
+  </p:timing>
+</p:sld>
+</file>
+
+<file path=ppt/slides/slide12.xml><?xml version="1.0" encoding="utf-8"?>
 <p:sld xmlns:a="http://schemas.openxmlformats.org/drawingml/2006/main" xmlns:r="http://schemas.openxmlformats.org/officeDocument/2006/relationships" xmlns:p="http://schemas.openxmlformats.org/presentationml/2006/main">
   <p:cSld>
     <p:spTree>
@@ -3238,7 +3687,7 @@
 </p:sld>
 </file>
 
-<file path=ppt/slides/slide11.xml><?xml version="1.0" encoding="utf-8"?>
+<file path=ppt/slides/slide13.xml><?xml version="1.0" encoding="utf-8"?>
 <p:sld xmlns:a="http://schemas.openxmlformats.org/drawingml/2006/main" xmlns:r="http://schemas.openxmlformats.org/officeDocument/2006/relationships" xmlns:p="http://schemas.openxmlformats.org/presentationml/2006/main">
   <p:cSld>
     <p:spTree>
@@ -3341,7 +3790,7 @@
 </p:sld>
 </file>
 
-<file path=ppt/slides/slide12.xml><?xml version="1.0" encoding="utf-8"?>
+<file path=ppt/slides/slide14.xml><?xml version="1.0" encoding="utf-8"?>
 <p:sld xmlns:a="http://schemas.openxmlformats.org/drawingml/2006/main" xmlns:r="http://schemas.openxmlformats.org/officeDocument/2006/relationships" xmlns:p="http://schemas.openxmlformats.org/presentationml/2006/main">
   <p:cSld>
     <p:spTree>
@@ -3599,119 +4048,51 @@
           <a:chExt cx="0" cy="0"/>
         </a:xfrm>
       </p:grpSpPr>
-      <p:sp>
-        <p:nvSpPr>
-          <p:cNvPr id="2" name="TextBox 1"/>
-          <p:cNvSpPr txBox="1"/>
+      <p:pic>
+        <p:nvPicPr>
+          <p:cNvPr id="1026" name="Picture 2" descr="C:\Users\Rabbil\Desktop\Dart\dart-logo-for-shares.png"/>
+          <p:cNvPicPr>
+            <a:picLocks noChangeAspect="1" noChangeArrowheads="1"/>
+          </p:cNvPicPr>
           <p:nvPr/>
-        </p:nvSpPr>
-        <p:spPr>
+        </p:nvPicPr>
+        <p:blipFill>
+          <a:blip r:embed="rId2" cstate="print">
+            <a:extLst>
+              <a:ext uri="{28A0092B-C50C-407E-A947-70E740481C1C}">
+                <a14:useLocalDpi xmlns:a14="http://schemas.microsoft.com/office/drawing/2010/main" val="0"/>
+              </a:ext>
+            </a:extLst>
+          </a:blip>
+          <a:srcRect/>
+          <a:stretch>
+            <a:fillRect/>
+          </a:stretch>
+        </p:blipFill>
+        <p:spPr bwMode="auto">
           <a:xfrm>
-            <a:off x="685800" y="133350"/>
-            <a:ext cx="1603324" cy="369332"/>
+            <a:off x="2590800" y="1428750"/>
+            <a:ext cx="3702050" cy="2078736"/>
           </a:xfrm>
           <a:prstGeom prst="rect">
             <a:avLst/>
           </a:prstGeom>
           <a:noFill/>
+          <a:extLst>
+            <a:ext uri="{909E8E84-426E-40DD-AFC4-6F175D3DCCD1}">
+              <a14:hiddenFill xmlns:a14="http://schemas.microsoft.com/office/drawing/2010/main">
+                <a:solidFill>
+                  <a:srgbClr val="FFFFFF"/>
+                </a:solidFill>
+              </a14:hiddenFill>
+            </a:ext>
+          </a:extLst>
         </p:spPr>
-        <p:txBody>
-          <a:bodyPr wrap="none" rtlCol="0">
-            <a:spAutoFit/>
-          </a:bodyPr>
-          <a:lstStyle/>
-          <a:p>
-            <a:r>
-              <a:rPr lang="en-US" b="1" dirty="0">
-                <a:solidFill>
-                  <a:srgbClr val="0070C0"/>
-                </a:solidFill>
-                <a:latin typeface="Roboto" panose="02000000000000000000" pitchFamily="2" charset="0"/>
-                <a:ea typeface="Roboto" panose="02000000000000000000" pitchFamily="2" charset="0"/>
-              </a:rPr>
-              <a:t>What is dart ?</a:t>
-            </a:r>
-          </a:p>
-        </p:txBody>
-      </p:sp>
-      <p:sp>
-        <p:nvSpPr>
-          <p:cNvPr id="3" name="TextBox 2"/>
-          <p:cNvSpPr txBox="1"/>
-          <p:nvPr/>
-        </p:nvSpPr>
-        <p:spPr>
-          <a:xfrm>
-            <a:off x="304800" y="895350"/>
-            <a:ext cx="3262432" cy="584775"/>
-          </a:xfrm>
-          <a:prstGeom prst="rect">
-            <a:avLst/>
-          </a:prstGeom>
-          <a:noFill/>
-        </p:spPr>
-        <p:txBody>
-          <a:bodyPr wrap="none" rtlCol="0">
-            <a:spAutoFit/>
-          </a:bodyPr>
-          <a:lstStyle/>
-          <a:p>
-            <a:pPr marL="457200" indent="-457200">
-              <a:buFont typeface="Wingdings" pitchFamily="2" charset="2"/>
-              <a:buChar char="ü"/>
-            </a:pPr>
-            <a:r>
-              <a:rPr lang="en-US" sz="1600" dirty="0" smtClean="0">
-                <a:latin typeface="Roboto" panose="02000000000000000000" pitchFamily="2" charset="0"/>
-                <a:ea typeface="Roboto" panose="02000000000000000000" pitchFamily="2" charset="0"/>
-              </a:rPr>
-              <a:t>Core </a:t>
-            </a:r>
-            <a:r>
-              <a:rPr lang="en-US" sz="1600" dirty="0">
-                <a:latin typeface="Roboto" panose="02000000000000000000" pitchFamily="2" charset="0"/>
-                <a:ea typeface="Roboto" panose="02000000000000000000" pitchFamily="2" charset="0"/>
-              </a:rPr>
-              <a:t>Of Flutter </a:t>
-            </a:r>
-            <a:r>
-              <a:rPr lang="en-US" sz="1600" dirty="0" smtClean="0">
-                <a:latin typeface="Roboto" panose="02000000000000000000" pitchFamily="2" charset="0"/>
-                <a:ea typeface="Roboto" panose="02000000000000000000" pitchFamily="2" charset="0"/>
-              </a:rPr>
-              <a:t>Framework</a:t>
-            </a:r>
-          </a:p>
-          <a:p>
-            <a:pPr marL="457200" indent="-457200">
-              <a:buFont typeface="Wingdings" pitchFamily="2" charset="2"/>
-              <a:buChar char="ü"/>
-            </a:pPr>
-            <a:r>
-              <a:rPr lang="en-US" sz="1600" dirty="0" smtClean="0">
-                <a:latin typeface="Roboto" panose="02000000000000000000" pitchFamily="2" charset="0"/>
-                <a:ea typeface="Roboto" panose="02000000000000000000" pitchFamily="2" charset="0"/>
-              </a:rPr>
-              <a:t>Language like Java ,C# ,C++</a:t>
-            </a:r>
-            <a:r>
-              <a:rPr lang="en-US" sz="1600" dirty="0" smtClean="0">
-                <a:latin typeface="Roboto" panose="02000000000000000000" pitchFamily="2" charset="0"/>
-                <a:ea typeface="Roboto" panose="02000000000000000000" pitchFamily="2" charset="0"/>
-              </a:rPr>
-              <a:t> </a:t>
-            </a:r>
-            <a:endParaRPr lang="en-US" sz="1600" dirty="0">
-              <a:latin typeface="Roboto" panose="02000000000000000000" pitchFamily="2" charset="0"/>
-              <a:ea typeface="Roboto" panose="02000000000000000000" pitchFamily="2" charset="0"/>
-            </a:endParaRPr>
-          </a:p>
-        </p:txBody>
-      </p:sp>
+      </p:pic>
     </p:spTree>
     <p:extLst>
       <p:ext uri="{BB962C8B-B14F-4D97-AF65-F5344CB8AC3E}">
-        <p14:creationId xmlns:p14="http://schemas.microsoft.com/office/powerpoint/2010/main" val="4128707925"/>
+        <p14:creationId xmlns:p14="http://schemas.microsoft.com/office/powerpoint/2010/main" val="3961623682"/>
       </p:ext>
     </p:extLst>
   </p:cSld>
@@ -3753,8 +4134,8 @@
         </p:nvSpPr>
         <p:spPr>
           <a:xfrm>
-            <a:off x="762000" y="133350"/>
-            <a:ext cx="2255746" cy="400110"/>
+            <a:off x="685800" y="133350"/>
+            <a:ext cx="1603324" cy="369332"/>
           </a:xfrm>
           <a:prstGeom prst="rect">
             <a:avLst/>
@@ -3768,14 +4149,14 @@
           <a:lstStyle/>
           <a:p>
             <a:r>
-              <a:rPr lang="en-US" sz="2000" b="1" dirty="0">
+              <a:rPr lang="en-US" b="1" dirty="0">
                 <a:solidFill>
                   <a:srgbClr val="0070C0"/>
                 </a:solidFill>
                 <a:latin typeface="Roboto" panose="02000000000000000000" pitchFamily="2" charset="0"/>
                 <a:ea typeface="Roboto" panose="02000000000000000000" pitchFamily="2" charset="0"/>
               </a:rPr>
-              <a:t>Dart Environment </a:t>
+              <a:t>What is dart ?</a:t>
             </a:r>
           </a:p>
         </p:txBody>
@@ -3788,8 +4169,8 @@
         </p:nvSpPr>
         <p:spPr>
           <a:xfrm>
-            <a:off x="335365" y="1123950"/>
-            <a:ext cx="3207929" cy="338554"/>
+            <a:off x="304800" y="895350"/>
+            <a:ext cx="3262432" cy="584775"/>
           </a:xfrm>
           <a:prstGeom prst="rect">
             <a:avLst/>
@@ -3807,118 +4188,57 @@
               <a:buChar char="ü"/>
             </a:pPr>
             <a:r>
+              <a:rPr lang="en-US" sz="1600" dirty="0" smtClean="0">
+                <a:latin typeface="Roboto" panose="02000000000000000000" pitchFamily="2" charset="0"/>
+                <a:ea typeface="Roboto" panose="02000000000000000000" pitchFamily="2" charset="0"/>
+              </a:rPr>
+              <a:t>Core </a:t>
+            </a:r>
+            <a:r>
               <a:rPr lang="en-US" sz="1600" dirty="0">
                 <a:latin typeface="Roboto" panose="02000000000000000000" pitchFamily="2" charset="0"/>
                 <a:ea typeface="Roboto" panose="02000000000000000000" pitchFamily="2" charset="0"/>
               </a:rPr>
-              <a:t>https://dartpad.dartlang.org</a:t>
-            </a:r>
-          </a:p>
-        </p:txBody>
-      </p:sp>
-      <p:sp>
-        <p:nvSpPr>
-          <p:cNvPr id="4" name="TextBox 3"/>
-          <p:cNvSpPr txBox="1"/>
-          <p:nvPr/>
-        </p:nvSpPr>
-        <p:spPr>
-          <a:xfrm>
-            <a:off x="381000" y="1657350"/>
-            <a:ext cx="3943708" cy="1723549"/>
-          </a:xfrm>
-          <a:prstGeom prst="rect">
-            <a:avLst/>
-          </a:prstGeom>
-          <a:noFill/>
-        </p:spPr>
-        <p:txBody>
-          <a:bodyPr wrap="none" rtlCol="0">
-            <a:spAutoFit/>
-          </a:bodyPr>
-          <a:lstStyle/>
-          <a:p>
-            <a:r>
-              <a:rPr lang="en-US" sz="1400" b="1" dirty="0">
-                <a:latin typeface="Roboto" panose="02000000000000000000" pitchFamily="2" charset="0"/>
-                <a:ea typeface="Roboto" panose="02000000000000000000" pitchFamily="2" charset="0"/>
-              </a:rPr>
-              <a:t>Local </a:t>
-            </a:r>
-            <a:r>
-              <a:rPr lang="en-US" sz="1400" b="1" dirty="0" smtClean="0">
-                <a:latin typeface="Roboto" panose="02000000000000000000" pitchFamily="2" charset="0"/>
-                <a:ea typeface="Roboto" panose="02000000000000000000" pitchFamily="2" charset="0"/>
-              </a:rPr>
-              <a:t>Environment</a:t>
-            </a:r>
-          </a:p>
-          <a:p>
-            <a:endParaRPr lang="en-US" sz="1600" b="1" dirty="0">
+              <a:t>Of Flutter </a:t>
+            </a:r>
+            <a:r>
+              <a:rPr lang="en-US" sz="1600" dirty="0" smtClean="0">
+                <a:latin typeface="Roboto" panose="02000000000000000000" pitchFamily="2" charset="0"/>
+                <a:ea typeface="Roboto" panose="02000000000000000000" pitchFamily="2" charset="0"/>
+              </a:rPr>
+              <a:t>Framework</a:t>
+            </a:r>
+          </a:p>
+          <a:p>
+            <a:pPr marL="457200" indent="-457200">
+              <a:buFont typeface="Wingdings" pitchFamily="2" charset="2"/>
+              <a:buChar char="ü"/>
+            </a:pPr>
+            <a:r>
+              <a:rPr lang="en-US" sz="1600" dirty="0" smtClean="0">
+                <a:latin typeface="Roboto" panose="02000000000000000000" pitchFamily="2" charset="0"/>
+                <a:ea typeface="Roboto" panose="02000000000000000000" pitchFamily="2" charset="0"/>
+              </a:rPr>
+              <a:t>Language like Java ,C# ,C++</a:t>
+            </a:r>
+            <a:r>
+              <a:rPr lang="en-US" sz="1600" dirty="0" smtClean="0">
+                <a:latin typeface="Roboto" panose="02000000000000000000" pitchFamily="2" charset="0"/>
+                <a:ea typeface="Roboto" panose="02000000000000000000" pitchFamily="2" charset="0"/>
+              </a:rPr>
+              <a:t> </a:t>
+            </a:r>
+            <a:endParaRPr lang="en-US" sz="1600" dirty="0">
               <a:latin typeface="Roboto" panose="02000000000000000000" pitchFamily="2" charset="0"/>
               <a:ea typeface="Roboto" panose="02000000000000000000" pitchFamily="2" charset="0"/>
             </a:endParaRPr>
           </a:p>
-          <a:p>
-            <a:pPr marL="342900" indent="-342900">
-              <a:buFont typeface="Wingdings" pitchFamily="2" charset="2"/>
-              <a:buChar char="ü"/>
-            </a:pPr>
-            <a:r>
-              <a:rPr lang="en-US" sz="1400" dirty="0">
-                <a:latin typeface="Roboto" panose="02000000000000000000" pitchFamily="2" charset="0"/>
-                <a:ea typeface="Roboto" panose="02000000000000000000" pitchFamily="2" charset="0"/>
-                <a:hlinkClick r:id="rId2"/>
-              </a:rPr>
-              <a:t>https://gekorm.com/dart-windows</a:t>
-            </a:r>
-            <a:endParaRPr lang="en-US" sz="1400" dirty="0">
-              <a:latin typeface="Roboto" panose="02000000000000000000" pitchFamily="2" charset="0"/>
-              <a:ea typeface="Roboto" panose="02000000000000000000" pitchFamily="2" charset="0"/>
-            </a:endParaRPr>
-          </a:p>
-          <a:p>
-            <a:pPr marL="342900" indent="-342900">
-              <a:buFont typeface="Wingdings" pitchFamily="2" charset="2"/>
-              <a:buChar char="ü"/>
-            </a:pPr>
-            <a:r>
-              <a:rPr lang="en-US" sz="1400" dirty="0">
-                <a:latin typeface="Roboto" panose="02000000000000000000" pitchFamily="2" charset="0"/>
-                <a:ea typeface="Roboto" panose="02000000000000000000" pitchFamily="2" charset="0"/>
-                <a:hlinkClick r:id="rId3"/>
-              </a:rPr>
-              <a:t>https://www.jetbrains.com/idea/download</a:t>
-            </a:r>
-            <a:endParaRPr lang="en-US" sz="1400" dirty="0">
-              <a:latin typeface="Roboto" panose="02000000000000000000" pitchFamily="2" charset="0"/>
-              <a:ea typeface="Roboto" panose="02000000000000000000" pitchFamily="2" charset="0"/>
-            </a:endParaRPr>
-          </a:p>
-          <a:p>
-            <a:pPr marL="342900" indent="-342900">
-              <a:buFont typeface="Wingdings" pitchFamily="2" charset="2"/>
-              <a:buChar char="ü"/>
-            </a:pPr>
-            <a:endParaRPr lang="en-US" sz="2400" dirty="0">
-              <a:latin typeface="Montserrat" pitchFamily="50" charset="0"/>
-            </a:endParaRPr>
-          </a:p>
-          <a:p>
-            <a:pPr marL="342900" indent="-342900">
-              <a:buFont typeface="Wingdings" pitchFamily="2" charset="2"/>
-              <a:buChar char="ü"/>
-            </a:pPr>
-            <a:endParaRPr lang="en-US" sz="2400" dirty="0">
-              <a:latin typeface="Montserrat" pitchFamily="50" charset="0"/>
-            </a:endParaRPr>
-          </a:p>
         </p:txBody>
       </p:sp>
     </p:spTree>
     <p:extLst>
       <p:ext uri="{BB962C8B-B14F-4D97-AF65-F5344CB8AC3E}">
-        <p14:creationId xmlns:p14="http://schemas.microsoft.com/office/powerpoint/2010/main" val="1768510370"/>
+        <p14:creationId xmlns:p14="http://schemas.microsoft.com/office/powerpoint/2010/main" val="4128707925"/>
       </p:ext>
     </p:extLst>
   </p:cSld>
@@ -3960,6 +4280,213 @@
         </p:nvSpPr>
         <p:spPr>
           <a:xfrm>
+            <a:off x="762000" y="133350"/>
+            <a:ext cx="2255746" cy="400110"/>
+          </a:xfrm>
+          <a:prstGeom prst="rect">
+            <a:avLst/>
+          </a:prstGeom>
+          <a:noFill/>
+        </p:spPr>
+        <p:txBody>
+          <a:bodyPr wrap="none" rtlCol="0">
+            <a:spAutoFit/>
+          </a:bodyPr>
+          <a:lstStyle/>
+          <a:p>
+            <a:r>
+              <a:rPr lang="en-US" sz="2000" b="1" dirty="0">
+                <a:solidFill>
+                  <a:srgbClr val="0070C0"/>
+                </a:solidFill>
+                <a:latin typeface="Roboto" panose="02000000000000000000" pitchFamily="2" charset="0"/>
+                <a:ea typeface="Roboto" panose="02000000000000000000" pitchFamily="2" charset="0"/>
+              </a:rPr>
+              <a:t>Dart Environment </a:t>
+            </a:r>
+          </a:p>
+        </p:txBody>
+      </p:sp>
+      <p:sp>
+        <p:nvSpPr>
+          <p:cNvPr id="3" name="TextBox 2"/>
+          <p:cNvSpPr txBox="1"/>
+          <p:nvPr/>
+        </p:nvSpPr>
+        <p:spPr>
+          <a:xfrm>
+            <a:off x="335365" y="1123950"/>
+            <a:ext cx="3207929" cy="338554"/>
+          </a:xfrm>
+          <a:prstGeom prst="rect">
+            <a:avLst/>
+          </a:prstGeom>
+          <a:noFill/>
+        </p:spPr>
+        <p:txBody>
+          <a:bodyPr wrap="none" rtlCol="0">
+            <a:spAutoFit/>
+          </a:bodyPr>
+          <a:lstStyle/>
+          <a:p>
+            <a:pPr marL="457200" indent="-457200">
+              <a:buFont typeface="Wingdings" pitchFamily="2" charset="2"/>
+              <a:buChar char="ü"/>
+            </a:pPr>
+            <a:r>
+              <a:rPr lang="en-US" sz="1600" dirty="0">
+                <a:latin typeface="Roboto" panose="02000000000000000000" pitchFamily="2" charset="0"/>
+                <a:ea typeface="Roboto" panose="02000000000000000000" pitchFamily="2" charset="0"/>
+              </a:rPr>
+              <a:t>https://dartpad.dartlang.org</a:t>
+            </a:r>
+          </a:p>
+        </p:txBody>
+      </p:sp>
+      <p:sp>
+        <p:nvSpPr>
+          <p:cNvPr id="4" name="TextBox 3"/>
+          <p:cNvSpPr txBox="1"/>
+          <p:nvPr/>
+        </p:nvSpPr>
+        <p:spPr>
+          <a:xfrm>
+            <a:off x="381000" y="1657350"/>
+            <a:ext cx="3943708" cy="1723549"/>
+          </a:xfrm>
+          <a:prstGeom prst="rect">
+            <a:avLst/>
+          </a:prstGeom>
+          <a:noFill/>
+        </p:spPr>
+        <p:txBody>
+          <a:bodyPr wrap="none" rtlCol="0">
+            <a:spAutoFit/>
+          </a:bodyPr>
+          <a:lstStyle/>
+          <a:p>
+            <a:r>
+              <a:rPr lang="en-US" sz="1400" b="1" dirty="0">
+                <a:latin typeface="Roboto" panose="02000000000000000000" pitchFamily="2" charset="0"/>
+                <a:ea typeface="Roboto" panose="02000000000000000000" pitchFamily="2" charset="0"/>
+              </a:rPr>
+              <a:t>Local </a:t>
+            </a:r>
+            <a:r>
+              <a:rPr lang="en-US" sz="1400" b="1" dirty="0" smtClean="0">
+                <a:latin typeface="Roboto" panose="02000000000000000000" pitchFamily="2" charset="0"/>
+                <a:ea typeface="Roboto" panose="02000000000000000000" pitchFamily="2" charset="0"/>
+              </a:rPr>
+              <a:t>Environment</a:t>
+            </a:r>
+          </a:p>
+          <a:p>
+            <a:endParaRPr lang="en-US" sz="1600" b="1" dirty="0">
+              <a:latin typeface="Roboto" panose="02000000000000000000" pitchFamily="2" charset="0"/>
+              <a:ea typeface="Roboto" panose="02000000000000000000" pitchFamily="2" charset="0"/>
+            </a:endParaRPr>
+          </a:p>
+          <a:p>
+            <a:pPr marL="342900" indent="-342900">
+              <a:buFont typeface="Wingdings" pitchFamily="2" charset="2"/>
+              <a:buChar char="ü"/>
+            </a:pPr>
+            <a:r>
+              <a:rPr lang="en-US" sz="1400" dirty="0">
+                <a:latin typeface="Roboto" panose="02000000000000000000" pitchFamily="2" charset="0"/>
+                <a:ea typeface="Roboto" panose="02000000000000000000" pitchFamily="2" charset="0"/>
+                <a:hlinkClick r:id="rId2"/>
+              </a:rPr>
+              <a:t>https://gekorm.com/dart-windows</a:t>
+            </a:r>
+            <a:endParaRPr lang="en-US" sz="1400" dirty="0">
+              <a:latin typeface="Roboto" panose="02000000000000000000" pitchFamily="2" charset="0"/>
+              <a:ea typeface="Roboto" panose="02000000000000000000" pitchFamily="2" charset="0"/>
+            </a:endParaRPr>
+          </a:p>
+          <a:p>
+            <a:pPr marL="342900" indent="-342900">
+              <a:buFont typeface="Wingdings" pitchFamily="2" charset="2"/>
+              <a:buChar char="ü"/>
+            </a:pPr>
+            <a:r>
+              <a:rPr lang="en-US" sz="1400" dirty="0">
+                <a:latin typeface="Roboto" panose="02000000000000000000" pitchFamily="2" charset="0"/>
+                <a:ea typeface="Roboto" panose="02000000000000000000" pitchFamily="2" charset="0"/>
+                <a:hlinkClick r:id="rId3"/>
+              </a:rPr>
+              <a:t>https://www.jetbrains.com/idea/download</a:t>
+            </a:r>
+            <a:endParaRPr lang="en-US" sz="1400" dirty="0">
+              <a:latin typeface="Roboto" panose="02000000000000000000" pitchFamily="2" charset="0"/>
+              <a:ea typeface="Roboto" panose="02000000000000000000" pitchFamily="2" charset="0"/>
+            </a:endParaRPr>
+          </a:p>
+          <a:p>
+            <a:pPr marL="342900" indent="-342900">
+              <a:buFont typeface="Wingdings" pitchFamily="2" charset="2"/>
+              <a:buChar char="ü"/>
+            </a:pPr>
+            <a:endParaRPr lang="en-US" sz="2400" dirty="0">
+              <a:latin typeface="Montserrat" pitchFamily="50" charset="0"/>
+            </a:endParaRPr>
+          </a:p>
+          <a:p>
+            <a:pPr marL="342900" indent="-342900">
+              <a:buFont typeface="Wingdings" pitchFamily="2" charset="2"/>
+              <a:buChar char="ü"/>
+            </a:pPr>
+            <a:endParaRPr lang="en-US" sz="2400" dirty="0">
+              <a:latin typeface="Montserrat" pitchFamily="50" charset="0"/>
+            </a:endParaRPr>
+          </a:p>
+        </p:txBody>
+      </p:sp>
+    </p:spTree>
+    <p:extLst>
+      <p:ext uri="{BB962C8B-B14F-4D97-AF65-F5344CB8AC3E}">
+        <p14:creationId xmlns:p14="http://schemas.microsoft.com/office/powerpoint/2010/main" val="1768510370"/>
+      </p:ext>
+    </p:extLst>
+  </p:cSld>
+  <p:clrMapOvr>
+    <a:masterClrMapping/>
+  </p:clrMapOvr>
+  <p:timing>
+    <p:tnLst>
+      <p:par>
+        <p:cTn id="1" dur="indefinite" restart="never" nodeType="tmRoot"/>
+      </p:par>
+    </p:tnLst>
+  </p:timing>
+</p:sld>
+</file>
+
+<file path=ppt/slides/slide5.xml><?xml version="1.0" encoding="utf-8"?>
+<p:sld xmlns:a="http://schemas.openxmlformats.org/drawingml/2006/main" xmlns:r="http://schemas.openxmlformats.org/officeDocument/2006/relationships" xmlns:p="http://schemas.openxmlformats.org/presentationml/2006/main">
+  <p:cSld>
+    <p:spTree>
+      <p:nvGrpSpPr>
+        <p:cNvPr id="1" name=""/>
+        <p:cNvGrpSpPr/>
+        <p:nvPr/>
+      </p:nvGrpSpPr>
+      <p:grpSpPr>
+        <a:xfrm>
+          <a:off x="0" y="0"/>
+          <a:ext cx="0" cy="0"/>
+          <a:chOff x="0" y="0"/>
+          <a:chExt cx="0" cy="0"/>
+        </a:xfrm>
+      </p:grpSpPr>
+      <p:sp>
+        <p:nvSpPr>
+          <p:cNvPr id="2" name="TextBox 1"/>
+          <p:cNvSpPr txBox="1"/>
+          <p:nvPr/>
+        </p:nvSpPr>
+        <p:spPr>
+          <a:xfrm>
             <a:off x="685800" y="133350"/>
             <a:ext cx="1564852" cy="400110"/>
           </a:xfrm>
@@ -4051,7 +4578,21 @@
                 <a:latin typeface="Roboto" panose="02000000000000000000" pitchFamily="2" charset="0"/>
                 <a:ea typeface="Roboto" panose="02000000000000000000" pitchFamily="2" charset="0"/>
               </a:rPr>
-              <a:t>appeared: October 10, 2011; 8 years ago</a:t>
+              <a:t>appeared: October 10, 2011; </a:t>
+            </a:r>
+            <a:r>
+              <a:rPr lang="en-US" sz="1200" dirty="0" smtClean="0">
+                <a:latin typeface="Roboto" panose="02000000000000000000" pitchFamily="2" charset="0"/>
+                <a:ea typeface="Roboto" panose="02000000000000000000" pitchFamily="2" charset="0"/>
+              </a:rPr>
+              <a:t>11 </a:t>
+            </a:r>
+            <a:r>
+              <a:rPr lang="en-US" sz="1200" dirty="0">
+                <a:latin typeface="Roboto" panose="02000000000000000000" pitchFamily="2" charset="0"/>
+                <a:ea typeface="Roboto" panose="02000000000000000000" pitchFamily="2" charset="0"/>
+              </a:rPr>
+              <a:t>years ago</a:t>
             </a:r>
           </a:p>
           <a:p>
@@ -4153,305 +4694,7 @@
 </p:sld>
 </file>
 
-<file path=ppt/slides/slide5.xml><?xml version="1.0" encoding="utf-8"?>
-<p:sld xmlns:a="http://schemas.openxmlformats.org/drawingml/2006/main" xmlns:r="http://schemas.openxmlformats.org/officeDocument/2006/relationships" xmlns:p="http://schemas.openxmlformats.org/presentationml/2006/main">
-  <p:cSld>
-    <p:spTree>
-      <p:nvGrpSpPr>
-        <p:cNvPr id="1" name=""/>
-        <p:cNvGrpSpPr/>
-        <p:nvPr/>
-      </p:nvGrpSpPr>
-      <p:grpSpPr>
-        <a:xfrm>
-          <a:off x="0" y="0"/>
-          <a:ext cx="0" cy="0"/>
-          <a:chOff x="0" y="0"/>
-          <a:chExt cx="0" cy="0"/>
-        </a:xfrm>
-      </p:grpSpPr>
-      <p:sp>
-        <p:nvSpPr>
-          <p:cNvPr id="2" name="TextBox 1"/>
-          <p:cNvSpPr txBox="1"/>
-          <p:nvPr/>
-        </p:nvSpPr>
-        <p:spPr>
-          <a:xfrm>
-            <a:off x="685800" y="133350"/>
-            <a:ext cx="2061783" cy="400110"/>
-          </a:xfrm>
-          <a:prstGeom prst="rect">
-            <a:avLst/>
-          </a:prstGeom>
-          <a:noFill/>
-        </p:spPr>
-        <p:txBody>
-          <a:bodyPr wrap="none" rtlCol="0">
-            <a:spAutoFit/>
-          </a:bodyPr>
-          <a:lstStyle/>
-          <a:p>
-            <a:r>
-              <a:rPr lang="en-US" sz="2000" b="1" dirty="0">
-                <a:solidFill>
-                  <a:srgbClr val="0070C0"/>
-                </a:solidFill>
-                <a:latin typeface="Roboto" panose="02000000000000000000" pitchFamily="2" charset="0"/>
-                <a:ea typeface="Roboto" panose="02000000000000000000" pitchFamily="2" charset="0"/>
-              </a:rPr>
-              <a:t>Dart In VS CODE</a:t>
-            </a:r>
-          </a:p>
-        </p:txBody>
-      </p:sp>
-      <p:pic>
-        <p:nvPicPr>
-          <p:cNvPr id="2050" name="Picture 2" descr="C:\Users\Rabbil\Desktop\Dart\1200px-Visual_Studio_Code_1.35_icon.svg.png"/>
-          <p:cNvPicPr>
-            <a:picLocks noChangeAspect="1" noChangeArrowheads="1"/>
-          </p:cNvPicPr>
-          <p:nvPr/>
-        </p:nvPicPr>
-        <p:blipFill>
-          <a:blip r:embed="rId2" cstate="print">
-            <a:extLst>
-              <a:ext uri="{28A0092B-C50C-407E-A947-70E740481C1C}">
-                <a14:useLocalDpi xmlns:a14="http://schemas.microsoft.com/office/drawing/2010/main" val="0"/>
-              </a:ext>
-            </a:extLst>
-          </a:blip>
-          <a:srcRect/>
-          <a:stretch>
-            <a:fillRect/>
-          </a:stretch>
-        </p:blipFill>
-        <p:spPr bwMode="auto">
-          <a:xfrm>
-            <a:off x="3810000" y="1885950"/>
-            <a:ext cx="1524000" cy="1524000"/>
-          </a:xfrm>
-          <a:prstGeom prst="rect">
-            <a:avLst/>
-          </a:prstGeom>
-          <a:noFill/>
-          <a:extLst>
-            <a:ext uri="{909E8E84-426E-40DD-AFC4-6F175D3DCCD1}">
-              <a14:hiddenFill xmlns:a14="http://schemas.microsoft.com/office/drawing/2010/main">
-                <a:solidFill>
-                  <a:srgbClr val="FFFFFF"/>
-                </a:solidFill>
-              </a14:hiddenFill>
-            </a:ext>
-          </a:extLst>
-        </p:spPr>
-      </p:pic>
-    </p:spTree>
-    <p:extLst>
-      <p:ext uri="{BB962C8B-B14F-4D97-AF65-F5344CB8AC3E}">
-        <p14:creationId xmlns:p14="http://schemas.microsoft.com/office/powerpoint/2010/main" val="943107589"/>
-      </p:ext>
-    </p:extLst>
-  </p:cSld>
-  <p:clrMapOvr>
-    <a:masterClrMapping/>
-  </p:clrMapOvr>
-  <p:timing>
-    <p:tnLst>
-      <p:par>
-        <p:cTn id="1" dur="indefinite" restart="never" nodeType="tmRoot"/>
-      </p:par>
-    </p:tnLst>
-  </p:timing>
-</p:sld>
-</file>
-
 <file path=ppt/slides/slide6.xml><?xml version="1.0" encoding="utf-8"?>
-<p:sld xmlns:a="http://schemas.openxmlformats.org/drawingml/2006/main" xmlns:r="http://schemas.openxmlformats.org/officeDocument/2006/relationships" xmlns:p="http://schemas.openxmlformats.org/presentationml/2006/main">
-  <p:cSld>
-    <p:spTree>
-      <p:nvGrpSpPr>
-        <p:cNvPr id="1" name=""/>
-        <p:cNvGrpSpPr/>
-        <p:nvPr/>
-      </p:nvGrpSpPr>
-      <p:grpSpPr>
-        <a:xfrm>
-          <a:off x="0" y="0"/>
-          <a:ext cx="0" cy="0"/>
-          <a:chOff x="0" y="0"/>
-          <a:chExt cx="0" cy="0"/>
-        </a:xfrm>
-      </p:grpSpPr>
-      <p:sp>
-        <p:nvSpPr>
-          <p:cNvPr id="2" name="TextBox 1"/>
-          <p:cNvSpPr txBox="1"/>
-          <p:nvPr/>
-        </p:nvSpPr>
-        <p:spPr>
-          <a:xfrm>
-            <a:off x="685800" y="133350"/>
-            <a:ext cx="3387466" cy="400110"/>
-          </a:xfrm>
-          <a:prstGeom prst="rect">
-            <a:avLst/>
-          </a:prstGeom>
-          <a:noFill/>
-        </p:spPr>
-        <p:txBody>
-          <a:bodyPr wrap="none" rtlCol="0">
-            <a:spAutoFit/>
-          </a:bodyPr>
-          <a:lstStyle/>
-          <a:p>
-            <a:r>
-              <a:rPr lang="en-US" sz="2000" b="1" dirty="0">
-                <a:solidFill>
-                  <a:srgbClr val="0070C0"/>
-                </a:solidFill>
-                <a:latin typeface="Roboto" panose="02000000000000000000" pitchFamily="2" charset="0"/>
-                <a:ea typeface="Roboto" panose="02000000000000000000" pitchFamily="2" charset="0"/>
-              </a:rPr>
-              <a:t>Dart In VS </a:t>
-            </a:r>
-            <a:r>
-              <a:rPr lang="en-US" sz="2000" b="1" dirty="0" smtClean="0">
-                <a:solidFill>
-                  <a:srgbClr val="0070C0"/>
-                </a:solidFill>
-                <a:latin typeface="Roboto" panose="02000000000000000000" pitchFamily="2" charset="0"/>
-                <a:ea typeface="Roboto" panose="02000000000000000000" pitchFamily="2" charset="0"/>
-              </a:rPr>
-              <a:t>CODE Extensions</a:t>
-            </a:r>
-            <a:endParaRPr lang="en-US" sz="2000" b="1" dirty="0">
-              <a:solidFill>
-                <a:srgbClr val="0070C0"/>
-              </a:solidFill>
-              <a:latin typeface="Roboto" panose="02000000000000000000" pitchFamily="2" charset="0"/>
-              <a:ea typeface="Roboto" panose="02000000000000000000" pitchFamily="2" charset="0"/>
-            </a:endParaRPr>
-          </a:p>
-        </p:txBody>
-      </p:sp>
-      <p:sp>
-        <p:nvSpPr>
-          <p:cNvPr id="4" name="TextBox 3"/>
-          <p:cNvSpPr txBox="1"/>
-          <p:nvPr/>
-        </p:nvSpPr>
-        <p:spPr>
-          <a:xfrm>
-            <a:off x="457200" y="1047750"/>
-            <a:ext cx="3392275" cy="1231106"/>
-          </a:xfrm>
-          <a:prstGeom prst="rect">
-            <a:avLst/>
-          </a:prstGeom>
-          <a:noFill/>
-        </p:spPr>
-        <p:txBody>
-          <a:bodyPr wrap="none" rtlCol="0">
-            <a:spAutoFit/>
-          </a:bodyPr>
-          <a:lstStyle/>
-          <a:p>
-            <a:r>
-              <a:rPr lang="en-US" sz="1400" b="1" dirty="0" smtClean="0">
-                <a:latin typeface="Roboto" panose="02000000000000000000" pitchFamily="2" charset="0"/>
-                <a:ea typeface="Roboto" panose="02000000000000000000" pitchFamily="2" charset="0"/>
-              </a:rPr>
-              <a:t>Search Google: </a:t>
-            </a:r>
-            <a:endParaRPr lang="en-US" sz="1400" b="1" dirty="0">
-              <a:latin typeface="Roboto" panose="02000000000000000000" pitchFamily="2" charset="0"/>
-              <a:ea typeface="Roboto" panose="02000000000000000000" pitchFamily="2" charset="0"/>
-            </a:endParaRPr>
-          </a:p>
-          <a:p>
-            <a:pPr marL="285750" indent="-285750">
-              <a:buFont typeface="Wingdings" pitchFamily="2" charset="2"/>
-              <a:buChar char="ü"/>
-            </a:pPr>
-            <a:r>
-              <a:rPr lang="en-US" sz="1400" dirty="0" smtClean="0">
-                <a:latin typeface="Roboto" panose="02000000000000000000" pitchFamily="2" charset="0"/>
-                <a:ea typeface="Roboto" panose="02000000000000000000" pitchFamily="2" charset="0"/>
-              </a:rPr>
-              <a:t>VS </a:t>
-            </a:r>
-            <a:r>
-              <a:rPr lang="en-US" sz="1400" dirty="0">
-                <a:latin typeface="Roboto" panose="02000000000000000000" pitchFamily="2" charset="0"/>
-                <a:ea typeface="Roboto" panose="02000000000000000000" pitchFamily="2" charset="0"/>
-              </a:rPr>
-              <a:t>code dart </a:t>
-            </a:r>
-            <a:r>
-              <a:rPr lang="en-US" sz="1400" dirty="0" smtClean="0">
-                <a:latin typeface="Roboto" panose="02000000000000000000" pitchFamily="2" charset="0"/>
-                <a:ea typeface="Roboto" panose="02000000000000000000" pitchFamily="2" charset="0"/>
-              </a:rPr>
-              <a:t>extension</a:t>
-            </a:r>
-          </a:p>
-          <a:p>
-            <a:pPr marL="285750" indent="-285750">
-              <a:buFont typeface="Wingdings" pitchFamily="2" charset="2"/>
-              <a:buChar char="ü"/>
-            </a:pPr>
-            <a:r>
-              <a:rPr lang="en-US" sz="1400" dirty="0" smtClean="0">
-                <a:latin typeface="Roboto" panose="02000000000000000000" pitchFamily="2" charset="0"/>
-                <a:ea typeface="Roboto" panose="02000000000000000000" pitchFamily="2" charset="0"/>
-              </a:rPr>
-              <a:t>Dart Extensions for VS Code </a:t>
-            </a:r>
-          </a:p>
-          <a:p>
-            <a:pPr marL="285750" indent="-285750">
-              <a:buFont typeface="Wingdings" pitchFamily="2" charset="2"/>
-              <a:buChar char="ü"/>
-            </a:pPr>
-            <a:r>
-              <a:rPr lang="en-US" sz="1400" dirty="0" smtClean="0">
-                <a:latin typeface="Roboto" panose="02000000000000000000" pitchFamily="2" charset="0"/>
-                <a:ea typeface="Roboto" panose="02000000000000000000" pitchFamily="2" charset="0"/>
-              </a:rPr>
-              <a:t>Best VS Code Extensions For Flutter </a:t>
-            </a:r>
-            <a:endParaRPr lang="en-US" sz="1400" dirty="0">
-              <a:latin typeface="Roboto" panose="02000000000000000000" pitchFamily="2" charset="0"/>
-              <a:ea typeface="Roboto" panose="02000000000000000000" pitchFamily="2" charset="0"/>
-            </a:endParaRPr>
-          </a:p>
-          <a:p>
-            <a:endParaRPr lang="en-US" dirty="0"/>
-          </a:p>
-        </p:txBody>
-      </p:sp>
-    </p:spTree>
-    <p:extLst>
-      <p:ext uri="{BB962C8B-B14F-4D97-AF65-F5344CB8AC3E}">
-        <p14:creationId xmlns:p14="http://schemas.microsoft.com/office/powerpoint/2010/main" val="2488723766"/>
-      </p:ext>
-    </p:extLst>
-  </p:cSld>
-  <p:clrMapOvr>
-    <a:masterClrMapping/>
-  </p:clrMapOvr>
-  <p:timing>
-    <p:tnLst>
-      <p:par>
-        <p:cTn id="1" dur="indefinite" restart="never" nodeType="tmRoot"/>
-      </p:par>
-    </p:tnLst>
-  </p:timing>
-</p:sld>
-</file>
-
-<file path=ppt/slides/slide7.xml><?xml version="1.0" encoding="utf-8"?>
 <p:sld xmlns:a="http://schemas.openxmlformats.org/drawingml/2006/main" xmlns:r="http://schemas.openxmlformats.org/officeDocument/2006/relationships" xmlns:p="http://schemas.openxmlformats.org/presentationml/2006/main">
   <p:cSld>
     <p:spTree>
@@ -4652,6 +4895,119 @@
 </p:sld>
 </file>
 
+<file path=ppt/slides/slide7.xml><?xml version="1.0" encoding="utf-8"?>
+<p:sld xmlns:a="http://schemas.openxmlformats.org/drawingml/2006/main" xmlns:r="http://schemas.openxmlformats.org/officeDocument/2006/relationships" xmlns:p="http://schemas.openxmlformats.org/presentationml/2006/main">
+  <p:cSld>
+    <p:spTree>
+      <p:nvGrpSpPr>
+        <p:cNvPr id="1" name=""/>
+        <p:cNvGrpSpPr/>
+        <p:nvPr/>
+      </p:nvGrpSpPr>
+      <p:grpSpPr>
+        <a:xfrm>
+          <a:off x="0" y="0"/>
+          <a:ext cx="0" cy="0"/>
+          <a:chOff x="0" y="0"/>
+          <a:chExt cx="0" cy="0"/>
+        </a:xfrm>
+      </p:grpSpPr>
+      <p:sp>
+        <p:nvSpPr>
+          <p:cNvPr id="2" name="TextBox 1"/>
+          <p:cNvSpPr txBox="1"/>
+          <p:nvPr/>
+        </p:nvSpPr>
+        <p:spPr>
+          <a:xfrm>
+            <a:off x="685800" y="133350"/>
+            <a:ext cx="2061783" cy="400110"/>
+          </a:xfrm>
+          <a:prstGeom prst="rect">
+            <a:avLst/>
+          </a:prstGeom>
+          <a:noFill/>
+        </p:spPr>
+        <p:txBody>
+          <a:bodyPr wrap="none" rtlCol="0">
+            <a:spAutoFit/>
+          </a:bodyPr>
+          <a:lstStyle/>
+          <a:p>
+            <a:r>
+              <a:rPr lang="en-US" sz="2000" b="1" dirty="0">
+                <a:solidFill>
+                  <a:srgbClr val="0070C0"/>
+                </a:solidFill>
+                <a:latin typeface="Roboto" panose="02000000000000000000" pitchFamily="2" charset="0"/>
+                <a:ea typeface="Roboto" panose="02000000000000000000" pitchFamily="2" charset="0"/>
+              </a:rPr>
+              <a:t>Dart In VS CODE</a:t>
+            </a:r>
+          </a:p>
+        </p:txBody>
+      </p:sp>
+      <p:pic>
+        <p:nvPicPr>
+          <p:cNvPr id="2050" name="Picture 2" descr="C:\Users\Rabbil\Desktop\Dart\1200px-Visual_Studio_Code_1.35_icon.svg.png"/>
+          <p:cNvPicPr>
+            <a:picLocks noChangeAspect="1" noChangeArrowheads="1"/>
+          </p:cNvPicPr>
+          <p:nvPr/>
+        </p:nvPicPr>
+        <p:blipFill>
+          <a:blip r:embed="rId2" cstate="print">
+            <a:extLst>
+              <a:ext uri="{28A0092B-C50C-407E-A947-70E740481C1C}">
+                <a14:useLocalDpi xmlns:a14="http://schemas.microsoft.com/office/drawing/2010/main" val="0"/>
+              </a:ext>
+            </a:extLst>
+          </a:blip>
+          <a:srcRect/>
+          <a:stretch>
+            <a:fillRect/>
+          </a:stretch>
+        </p:blipFill>
+        <p:spPr bwMode="auto">
+          <a:xfrm>
+            <a:off x="3810000" y="1885950"/>
+            <a:ext cx="1524000" cy="1524000"/>
+          </a:xfrm>
+          <a:prstGeom prst="rect">
+            <a:avLst/>
+          </a:prstGeom>
+          <a:noFill/>
+          <a:extLst>
+            <a:ext uri="{909E8E84-426E-40DD-AFC4-6F175D3DCCD1}">
+              <a14:hiddenFill xmlns:a14="http://schemas.microsoft.com/office/drawing/2010/main">
+                <a:solidFill>
+                  <a:srgbClr val="FFFFFF"/>
+                </a:solidFill>
+              </a14:hiddenFill>
+            </a:ext>
+          </a:extLst>
+        </p:spPr>
+      </p:pic>
+    </p:spTree>
+    <p:extLst>
+      <p:ext uri="{BB962C8B-B14F-4D97-AF65-F5344CB8AC3E}">
+        <p14:creationId xmlns:p14="http://schemas.microsoft.com/office/powerpoint/2010/main" val="943107589"/>
+      </p:ext>
+    </p:extLst>
+  </p:cSld>
+  <p:clrMapOvr>
+    <a:masterClrMapping/>
+  </p:clrMapOvr>
+  <p:timing>
+    <p:tnLst>
+      <p:par>
+        <p:cTn id="1" dur="indefinite" restart="never" nodeType="tmRoot"/>
+      </p:par>
+    </p:tnLst>
+  </p:timing>
+</p:sld>
+</file>
+
 <file path=ppt/slides/slide8.xml><?xml version="1.0" encoding="utf-8"?>
 <p:sld xmlns:a="http://schemas.openxmlformats.org/drawingml/2006/main" xmlns:r="http://schemas.openxmlformats.org/officeDocument/2006/relationships" xmlns:p="http://schemas.openxmlformats.org/presentationml/2006/main">
   <p:cSld>
@@ -4678,7 +5034,7 @@
         <p:spPr>
           <a:xfrm>
             <a:off x="685800" y="133350"/>
-            <a:ext cx="1580882" cy="400110"/>
+            <a:ext cx="3387466" cy="400110"/>
           </a:xfrm>
           <a:prstGeom prst="rect">
             <a:avLst/>
@@ -4699,21 +5055,38 @@
                 <a:latin typeface="Roboto" panose="02000000000000000000" pitchFamily="2" charset="0"/>
                 <a:ea typeface="Roboto" panose="02000000000000000000" pitchFamily="2" charset="0"/>
               </a:rPr>
-              <a:t>Dart Syntax </a:t>
-            </a:r>
-          </a:p>
-        </p:txBody>
-      </p:sp>
-      <p:sp>
-        <p:nvSpPr>
-          <p:cNvPr id="3" name="TextBox 2"/>
+              <a:t>Dart In VS </a:t>
+            </a:r>
+            <a:r>
+              <a:rPr lang="en-US" sz="2000" b="1" dirty="0" smtClean="0">
+                <a:solidFill>
+                  <a:srgbClr val="0070C0"/>
+                </a:solidFill>
+                <a:latin typeface="Roboto" panose="02000000000000000000" pitchFamily="2" charset="0"/>
+                <a:ea typeface="Roboto" panose="02000000000000000000" pitchFamily="2" charset="0"/>
+              </a:rPr>
+              <a:t>CODE Extensions</a:t>
+            </a:r>
+            <a:endParaRPr lang="en-US" sz="2000" b="1" dirty="0">
+              <a:solidFill>
+                <a:srgbClr val="0070C0"/>
+              </a:solidFill>
+              <a:latin typeface="Roboto" panose="02000000000000000000" pitchFamily="2" charset="0"/>
+              <a:ea typeface="Roboto" panose="02000000000000000000" pitchFamily="2" charset="0"/>
+            </a:endParaRPr>
+          </a:p>
+        </p:txBody>
+      </p:sp>
+      <p:sp>
+        <p:nvSpPr>
+          <p:cNvPr id="4" name="TextBox 3"/>
           <p:cNvSpPr txBox="1"/>
           <p:nvPr/>
         </p:nvSpPr>
         <p:spPr>
           <a:xfrm>
             <a:off x="457200" y="1047750"/>
-            <a:ext cx="4921540" cy="2800767"/>
+            <a:ext cx="3392275" cy="1231106"/>
           </a:xfrm>
           <a:prstGeom prst="rect">
             <a:avLst/>
@@ -4727,132 +5100,129 @@
           <a:lstStyle/>
           <a:p>
             <a:r>
+              <a:rPr lang="en-US" sz="1400" b="1" dirty="0" smtClean="0">
+                <a:latin typeface="Roboto" panose="02000000000000000000" pitchFamily="2" charset="0"/>
+                <a:ea typeface="Roboto" panose="02000000000000000000" pitchFamily="2" charset="0"/>
+              </a:rPr>
+              <a:t>Search Google: </a:t>
+            </a:r>
+            <a:endParaRPr lang="en-US" sz="1400" b="1" dirty="0">
+              <a:latin typeface="Roboto" panose="02000000000000000000" pitchFamily="2" charset="0"/>
+              <a:ea typeface="Roboto" panose="02000000000000000000" pitchFamily="2" charset="0"/>
+            </a:endParaRPr>
+          </a:p>
+          <a:p>
+            <a:pPr marL="285750" indent="-285750">
+              <a:buFont typeface="Wingdings" pitchFamily="2" charset="2"/>
+              <a:buChar char="ü"/>
+            </a:pPr>
+            <a:r>
+              <a:rPr lang="en-US" sz="1400" dirty="0" smtClean="0">
+                <a:latin typeface="Roboto" panose="02000000000000000000" pitchFamily="2" charset="0"/>
+                <a:ea typeface="Roboto" panose="02000000000000000000" pitchFamily="2" charset="0"/>
+              </a:rPr>
+              <a:t>VS </a:t>
+            </a:r>
+            <a:r>
               <a:rPr lang="en-US" sz="1400" dirty="0">
                 <a:latin typeface="Roboto" panose="02000000000000000000" pitchFamily="2" charset="0"/>
                 <a:ea typeface="Roboto" panose="02000000000000000000" pitchFamily="2" charset="0"/>
               </a:rPr>
-              <a:t>Syntax is called set of rules for writing programs. </a:t>
+              <a:t>code dart </a:t>
             </a:r>
             <a:r>
               <a:rPr lang="en-US" sz="1400" dirty="0" smtClean="0">
                 <a:latin typeface="Roboto" panose="02000000000000000000" pitchFamily="2" charset="0"/>
                 <a:ea typeface="Roboto" panose="02000000000000000000" pitchFamily="2" charset="0"/>
               </a:rPr>
-              <a:t>Dart has-</a:t>
-            </a:r>
-          </a:p>
-          <a:p>
+              <a:t>extension</a:t>
+            </a:r>
+          </a:p>
+          <a:p>
+            <a:pPr marL="285750" indent="-285750">
+              <a:buFont typeface="Wingdings" pitchFamily="2" charset="2"/>
+              <a:buChar char="ü"/>
+            </a:pPr>
+            <a:r>
+              <a:rPr lang="en-US" sz="1400" dirty="0" smtClean="0">
+                <a:latin typeface="Roboto" panose="02000000000000000000" pitchFamily="2" charset="0"/>
+                <a:ea typeface="Roboto" panose="02000000000000000000" pitchFamily="2" charset="0"/>
+              </a:rPr>
+              <a:t>Dart Extensions for VS Code </a:t>
+            </a:r>
+          </a:p>
+          <a:p>
+            <a:pPr marL="285750" indent="-285750">
+              <a:buFont typeface="Wingdings" pitchFamily="2" charset="2"/>
+              <a:buChar char="ü"/>
+            </a:pPr>
+            <a:r>
+              <a:rPr lang="en-US" sz="1400" dirty="0" smtClean="0">
+                <a:latin typeface="Roboto" panose="02000000000000000000" pitchFamily="2" charset="0"/>
+                <a:ea typeface="Roboto" panose="02000000000000000000" pitchFamily="2" charset="0"/>
+              </a:rPr>
+              <a:t>Best VS Code Extensions For Flutter </a:t>
+            </a:r>
             <a:endParaRPr lang="en-US" sz="1400" dirty="0">
               <a:latin typeface="Roboto" panose="02000000000000000000" pitchFamily="2" charset="0"/>
               <a:ea typeface="Roboto" panose="02000000000000000000" pitchFamily="2" charset="0"/>
             </a:endParaRPr>
           </a:p>
           <a:p>
+            <a:endParaRPr lang="en-US" dirty="0"/>
+          </a:p>
+        </p:txBody>
+      </p:sp>
+      <p:sp>
+        <p:nvSpPr>
+          <p:cNvPr id="5" name="TextBox 4"/>
+          <p:cNvSpPr txBox="1"/>
+          <p:nvPr/>
+        </p:nvSpPr>
+        <p:spPr>
+          <a:xfrm>
+            <a:off x="533400" y="2287288"/>
+            <a:ext cx="2626040" cy="800219"/>
+          </a:xfrm>
+          <a:prstGeom prst="rect">
+            <a:avLst/>
+          </a:prstGeom>
+          <a:noFill/>
+        </p:spPr>
+        <p:txBody>
+          <a:bodyPr wrap="none" rtlCol="0">
+            <a:spAutoFit/>
+          </a:bodyPr>
+          <a:lstStyle/>
+          <a:p>
+            <a:r>
+              <a:rPr lang="en-US" sz="1400" b="1" dirty="0" smtClean="0">
+                <a:latin typeface="Roboto" panose="02000000000000000000" pitchFamily="2" charset="0"/>
+                <a:ea typeface="Roboto" panose="02000000000000000000" pitchFamily="2" charset="0"/>
+              </a:rPr>
+              <a:t>Search YouTube: </a:t>
+            </a:r>
+            <a:endParaRPr lang="en-US" sz="1400" b="1" dirty="0">
+              <a:latin typeface="Roboto" panose="02000000000000000000" pitchFamily="2" charset="0"/>
+              <a:ea typeface="Roboto" panose="02000000000000000000" pitchFamily="2" charset="0"/>
+            </a:endParaRPr>
+          </a:p>
+          <a:p>
             <a:pPr marL="285750" indent="-285750">
               <a:buFont typeface="Wingdings" pitchFamily="2" charset="2"/>
               <a:buChar char="ü"/>
             </a:pPr>
             <a:r>
-              <a:rPr lang="en-US" sz="1400" dirty="0">
-                <a:latin typeface="Roboto" panose="02000000000000000000" pitchFamily="2" charset="0"/>
-                <a:ea typeface="Roboto" panose="02000000000000000000" pitchFamily="2" charset="0"/>
-              </a:rPr>
-              <a:t>    Variables and Operators</a:t>
-            </a:r>
-          </a:p>
-          <a:p>
-            <a:pPr marL="285750" indent="-285750">
-              <a:buFont typeface="Wingdings" pitchFamily="2" charset="2"/>
-              <a:buChar char="ü"/>
-            </a:pPr>
-            <a:r>
-              <a:rPr lang="en-US" sz="1400" dirty="0">
-                <a:latin typeface="Roboto" panose="02000000000000000000" pitchFamily="2" charset="0"/>
-                <a:ea typeface="Roboto" panose="02000000000000000000" pitchFamily="2" charset="0"/>
-              </a:rPr>
-              <a:t>    Classes</a:t>
-            </a:r>
-          </a:p>
-          <a:p>
-            <a:pPr marL="285750" indent="-285750">
-              <a:buFont typeface="Wingdings" pitchFamily="2" charset="2"/>
-              <a:buChar char="ü"/>
-            </a:pPr>
-            <a:r>
-              <a:rPr lang="en-US" sz="1400" dirty="0">
-                <a:latin typeface="Roboto" panose="02000000000000000000" pitchFamily="2" charset="0"/>
-                <a:ea typeface="Roboto" panose="02000000000000000000" pitchFamily="2" charset="0"/>
-              </a:rPr>
-              <a:t>    Functions</a:t>
-            </a:r>
-          </a:p>
-          <a:p>
-            <a:pPr marL="285750" indent="-285750">
-              <a:buFont typeface="Wingdings" pitchFamily="2" charset="2"/>
-              <a:buChar char="ü"/>
-            </a:pPr>
-            <a:r>
-              <a:rPr lang="en-US" sz="1400" dirty="0">
-                <a:latin typeface="Roboto" panose="02000000000000000000" pitchFamily="2" charset="0"/>
-                <a:ea typeface="Roboto" panose="02000000000000000000" pitchFamily="2" charset="0"/>
-              </a:rPr>
-              <a:t>    Expressions and Programming Constructs</a:t>
-            </a:r>
-          </a:p>
-          <a:p>
-            <a:pPr marL="285750" indent="-285750">
-              <a:buFont typeface="Wingdings" pitchFamily="2" charset="2"/>
-              <a:buChar char="ü"/>
-            </a:pPr>
-            <a:r>
-              <a:rPr lang="en-US" sz="1400" dirty="0">
-                <a:latin typeface="Roboto" panose="02000000000000000000" pitchFamily="2" charset="0"/>
-                <a:ea typeface="Roboto" panose="02000000000000000000" pitchFamily="2" charset="0"/>
-              </a:rPr>
-              <a:t>    Decision Making and Looping Constructs</a:t>
-            </a:r>
-          </a:p>
-          <a:p>
-            <a:pPr marL="285750" indent="-285750">
-              <a:buFont typeface="Wingdings" pitchFamily="2" charset="2"/>
-              <a:buChar char="ü"/>
-            </a:pPr>
-            <a:r>
-              <a:rPr lang="en-US" sz="1400" dirty="0">
-                <a:latin typeface="Roboto" panose="02000000000000000000" pitchFamily="2" charset="0"/>
-                <a:ea typeface="Roboto" panose="02000000000000000000" pitchFamily="2" charset="0"/>
-              </a:rPr>
-              <a:t>    Comments</a:t>
-            </a:r>
-          </a:p>
-          <a:p>
-            <a:pPr marL="285750" indent="-285750">
-              <a:buFont typeface="Wingdings" pitchFamily="2" charset="2"/>
-              <a:buChar char="ü"/>
-            </a:pPr>
-            <a:r>
-              <a:rPr lang="en-US" sz="1400" dirty="0">
-                <a:latin typeface="Roboto" panose="02000000000000000000" pitchFamily="2" charset="0"/>
-                <a:ea typeface="Roboto" panose="02000000000000000000" pitchFamily="2" charset="0"/>
-              </a:rPr>
-              <a:t>    Libraries and Packages</a:t>
-            </a:r>
-          </a:p>
-          <a:p>
-            <a:pPr marL="285750" indent="-285750">
-              <a:buFont typeface="Wingdings" pitchFamily="2" charset="2"/>
-              <a:buChar char="ü"/>
-            </a:pPr>
-            <a:r>
-              <a:rPr lang="en-US" sz="1400" dirty="0">
-                <a:latin typeface="Roboto" panose="02000000000000000000" pitchFamily="2" charset="0"/>
-                <a:ea typeface="Roboto" panose="02000000000000000000" pitchFamily="2" charset="0"/>
-              </a:rPr>
-              <a:t>    Data structures represented as Collections / Generics</a:t>
-            </a:r>
-          </a:p>
-          <a:p>
-            <a:endParaRPr lang="en-US" dirty="0"/>
+              <a:rPr lang="en-US" sz="1400" dirty="0" smtClean="0">
+                <a:latin typeface="Roboto" panose="02000000000000000000" pitchFamily="2" charset="0"/>
+                <a:ea typeface="Roboto" panose="02000000000000000000" pitchFamily="2" charset="0"/>
+              </a:rPr>
+              <a:t>How to run dart in VS Code</a:t>
+            </a:r>
+            <a:endParaRPr lang="en-US" sz="1400" dirty="0">
+              <a:latin typeface="Roboto" panose="02000000000000000000" pitchFamily="2" charset="0"/>
+              <a:ea typeface="Roboto" panose="02000000000000000000" pitchFamily="2" charset="0"/>
+            </a:endParaRPr>
           </a:p>
           <a:p>
             <a:endParaRPr lang="en-US" dirty="0"/>
@@ -4862,7 +5232,7 @@
     </p:spTree>
     <p:extLst>
       <p:ext uri="{BB962C8B-B14F-4D97-AF65-F5344CB8AC3E}">
-        <p14:creationId xmlns:p14="http://schemas.microsoft.com/office/powerpoint/2010/main" val="1426008028"/>
+        <p14:creationId xmlns:p14="http://schemas.microsoft.com/office/powerpoint/2010/main" val="2488723766"/>
       </p:ext>
     </p:extLst>
   </p:cSld>
@@ -4904,8 +5274,8 @@
         </p:nvSpPr>
         <p:spPr>
           <a:xfrm>
-            <a:off x="685800" y="128885"/>
-            <a:ext cx="1863011" cy="461665"/>
+            <a:off x="685800" y="133350"/>
+            <a:ext cx="2353529" cy="400110"/>
           </a:xfrm>
           <a:prstGeom prst="rect">
             <a:avLst/>
@@ -4919,62 +5289,36 @@
           <a:lstStyle/>
           <a:p>
             <a:r>
-              <a:rPr lang="en-US" sz="2400" b="1" dirty="0">
+              <a:rPr lang="en-US" sz="2000" b="1" dirty="0">
                 <a:solidFill>
                   <a:srgbClr val="0070C0"/>
                 </a:solidFill>
                 <a:latin typeface="Roboto" panose="02000000000000000000" pitchFamily="2" charset="0"/>
                 <a:ea typeface="Roboto" panose="02000000000000000000" pitchFamily="2" charset="0"/>
               </a:rPr>
-              <a:t>Dart Syntax </a:t>
-            </a:r>
-          </a:p>
-        </p:txBody>
-      </p:sp>
-      <p:sp>
-        <p:nvSpPr>
-          <p:cNvPr id="3" name="TextBox 2"/>
-          <p:cNvSpPr txBox="1"/>
-          <p:nvPr/>
-        </p:nvSpPr>
-        <p:spPr>
-          <a:xfrm>
-            <a:off x="304800" y="1047750"/>
-            <a:ext cx="6747360" cy="3170099"/>
-          </a:xfrm>
-          <a:prstGeom prst="rect">
-            <a:avLst/>
-          </a:prstGeom>
-          <a:noFill/>
-        </p:spPr>
-        <p:txBody>
-          <a:bodyPr wrap="none" rtlCol="0">
-            <a:spAutoFit/>
-          </a:bodyPr>
-          <a:lstStyle/>
-          <a:p>
-            <a:r>
-              <a:rPr lang="en-US" sz="1400" b="1" dirty="0">
+              <a:t>Dart In </a:t>
+            </a:r>
+            <a:r>
+              <a:rPr lang="en-US" sz="2000" b="1" dirty="0" err="1">
                 <a:solidFill>
                   <a:srgbClr val="0070C0"/>
                 </a:solidFill>
                 <a:latin typeface="Roboto" panose="02000000000000000000" pitchFamily="2" charset="0"/>
                 <a:ea typeface="Roboto" panose="02000000000000000000" pitchFamily="2" charset="0"/>
               </a:rPr>
-              <a:t>Whitespace and Line Breaks</a:t>
-            </a:r>
-          </a:p>
-          <a:p>
-            <a:r>
-              <a:rPr lang="en-US" sz="1400" dirty="0">
-                <a:latin typeface="Roboto" panose="02000000000000000000" pitchFamily="2" charset="0"/>
-                <a:ea typeface="Roboto" panose="02000000000000000000" pitchFamily="2" charset="0"/>
-              </a:rPr>
-              <a:t>Dart ignores spaces, tabs, and newlines that appear in programs.</a:t>
-            </a:r>
-          </a:p>
-          <a:p>
-            <a:endParaRPr lang="en-US" sz="1400" b="1" dirty="0">
+              <a:t>Intellij</a:t>
+            </a:r>
+            <a:r>
+              <a:rPr lang="en-US" sz="2000" b="1" dirty="0">
+                <a:solidFill>
+                  <a:srgbClr val="0070C0"/>
+                </a:solidFill>
+                <a:latin typeface="Roboto" panose="02000000000000000000" pitchFamily="2" charset="0"/>
+                <a:ea typeface="Roboto" panose="02000000000000000000" pitchFamily="2" charset="0"/>
+              </a:rPr>
+              <a:t> IDEA</a:t>
+            </a:r>
+            <a:endParaRPr lang="en-US" sz="2000" b="1" dirty="0">
               <a:solidFill>
                 <a:srgbClr val="0070C0"/>
               </a:solidFill>
@@ -4982,118 +5326,42 @@
               <a:ea typeface="Roboto" panose="02000000000000000000" pitchFamily="2" charset="0"/>
             </a:endParaRPr>
           </a:p>
-          <a:p>
-            <a:r>
-              <a:rPr lang="en-US" sz="1400" b="1" dirty="0">
-                <a:solidFill>
-                  <a:srgbClr val="0070C0"/>
-                </a:solidFill>
-                <a:latin typeface="Roboto" panose="02000000000000000000" pitchFamily="2" charset="0"/>
-                <a:ea typeface="Roboto" panose="02000000000000000000" pitchFamily="2" charset="0"/>
-              </a:rPr>
-              <a:t>Dart is Case-sensitive</a:t>
-            </a:r>
-          </a:p>
-          <a:p>
-            <a:r>
-              <a:rPr lang="en-US" sz="1400" dirty="0">
-                <a:latin typeface="Roboto" panose="02000000000000000000" pitchFamily="2" charset="0"/>
-                <a:ea typeface="Roboto" panose="02000000000000000000" pitchFamily="2" charset="0"/>
-              </a:rPr>
-              <a:t>Dart is case-sensitive. This means that Dart differentiates between uppercase and </a:t>
-            </a:r>
-          </a:p>
-          <a:p>
-            <a:r>
-              <a:rPr lang="en-US" sz="1400" dirty="0">
-                <a:latin typeface="Roboto" panose="02000000000000000000" pitchFamily="2" charset="0"/>
-                <a:ea typeface="Roboto" panose="02000000000000000000" pitchFamily="2" charset="0"/>
-              </a:rPr>
-              <a:t>lowercase characters.</a:t>
-            </a:r>
-          </a:p>
-          <a:p>
-            <a:endParaRPr lang="en-US" sz="1400" b="1" dirty="0">
-              <a:solidFill>
-                <a:srgbClr val="0070C0"/>
-              </a:solidFill>
-              <a:latin typeface="Roboto" panose="02000000000000000000" pitchFamily="2" charset="0"/>
-              <a:ea typeface="Roboto" panose="02000000000000000000" pitchFamily="2" charset="0"/>
-            </a:endParaRPr>
-          </a:p>
-          <a:p>
-            <a:r>
-              <a:rPr lang="en-US" sz="1400" b="1" dirty="0">
-                <a:solidFill>
-                  <a:srgbClr val="0070C0"/>
-                </a:solidFill>
-                <a:latin typeface="Roboto" panose="02000000000000000000" pitchFamily="2" charset="0"/>
-                <a:ea typeface="Roboto" panose="02000000000000000000" pitchFamily="2" charset="0"/>
-              </a:rPr>
-              <a:t>Statements end with a Semicolon</a:t>
-            </a:r>
-          </a:p>
-          <a:p>
-            <a:r>
-              <a:rPr lang="en-US" sz="1400" dirty="0">
-                <a:latin typeface="Roboto" panose="02000000000000000000" pitchFamily="2" charset="0"/>
-                <a:ea typeface="Roboto" panose="02000000000000000000" pitchFamily="2" charset="0"/>
-              </a:rPr>
-              <a:t>Each line of instruction is called a statement. Each dart statement must </a:t>
-            </a:r>
-          </a:p>
-          <a:p>
-            <a:r>
-              <a:rPr lang="en-US" sz="1400" dirty="0">
-                <a:latin typeface="Roboto" panose="02000000000000000000" pitchFamily="2" charset="0"/>
-                <a:ea typeface="Roboto" panose="02000000000000000000" pitchFamily="2" charset="0"/>
-              </a:rPr>
-              <a:t>end with a semicolon</a:t>
-            </a:r>
-          </a:p>
-          <a:p>
-            <a:endParaRPr lang="en-US" sz="1400" b="1" dirty="0">
-              <a:solidFill>
-                <a:srgbClr val="0070C0"/>
-              </a:solidFill>
-              <a:latin typeface="Roboto" panose="02000000000000000000" pitchFamily="2" charset="0"/>
-              <a:ea typeface="Roboto" panose="02000000000000000000" pitchFamily="2" charset="0"/>
-            </a:endParaRPr>
-          </a:p>
-          <a:p>
-            <a:r>
-              <a:rPr lang="en-US" sz="1400" b="1" dirty="0">
-                <a:solidFill>
-                  <a:srgbClr val="0070C0"/>
-                </a:solidFill>
-                <a:latin typeface="Roboto" panose="02000000000000000000" pitchFamily="2" charset="0"/>
-                <a:ea typeface="Roboto" panose="02000000000000000000" pitchFamily="2" charset="0"/>
-              </a:rPr>
-              <a:t>Comments in Dart</a:t>
-            </a:r>
-          </a:p>
-          <a:p>
-            <a:r>
-              <a:rPr lang="en-US" sz="1400" dirty="0">
-                <a:latin typeface="Roboto" panose="02000000000000000000" pitchFamily="2" charset="0"/>
-                <a:ea typeface="Roboto" panose="02000000000000000000" pitchFamily="2" charset="0"/>
-              </a:rPr>
-              <a:t>Single-line comments ( // ) Multi-line comments (/* */) </a:t>
-            </a:r>
-          </a:p>
-          <a:p>
-            <a:endParaRPr lang="en-US" b="1" dirty="0">
-              <a:solidFill>
-                <a:srgbClr val="0070C0"/>
-              </a:solidFill>
-            </a:endParaRPr>
-          </a:p>
-        </p:txBody>
-      </p:sp>
+        </p:txBody>
+      </p:sp>
+      <p:pic>
+        <p:nvPicPr>
+          <p:cNvPr id="3" name="Picture 2"/>
+          <p:cNvPicPr>
+            <a:picLocks noChangeAspect="1"/>
+          </p:cNvPicPr>
+          <p:nvPr/>
+        </p:nvPicPr>
+        <p:blipFill>
+          <a:blip r:embed="rId2" cstate="print">
+            <a:extLst>
+              <a:ext uri="{28A0092B-C50C-407E-A947-70E740481C1C}">
+                <a14:useLocalDpi xmlns:a14="http://schemas.microsoft.com/office/drawing/2010/main" val="0"/>
+              </a:ext>
+            </a:extLst>
+          </a:blip>
+          <a:stretch>
+            <a:fillRect/>
+          </a:stretch>
+        </p:blipFill>
+        <p:spPr>
+          <a:xfrm>
+            <a:off x="3810000" y="1962150"/>
+            <a:ext cx="1352550" cy="1352550"/>
+          </a:xfrm>
+          <a:prstGeom prst="rect">
+            <a:avLst/>
+          </a:prstGeom>
+        </p:spPr>
+      </p:pic>
     </p:spTree>
     <p:extLst>
       <p:ext uri="{BB962C8B-B14F-4D97-AF65-F5344CB8AC3E}">
-        <p14:creationId xmlns:p14="http://schemas.microsoft.com/office/powerpoint/2010/main" val="2104344801"/>
+        <p14:creationId xmlns:p14="http://schemas.microsoft.com/office/powerpoint/2010/main" val="687132775"/>
       </p:ext>
     </p:extLst>
   </p:cSld>

--- a/Classes/01/Slide.pptx
+++ b/Classes/01/Slide.pptx
@@ -4,6 +4,9 @@
   <p:sldMasterIdLst>
     <p:sldMasterId id="2147483648" r:id="rId1"/>
   </p:sldMasterIdLst>
+  <p:notesMasterIdLst>
+    <p:notesMasterId r:id="rId16"/>
+  </p:notesMasterIdLst>
   <p:sldIdLst>
     <p:sldId id="256" r:id="rId2"/>
     <p:sldId id="270" r:id="rId3"/>
@@ -136,6 +139,439 @@
 </p:presentation>
 </file>
 
+<file path=ppt/notesMasters/notesMaster1.xml><?xml version="1.0" encoding="utf-8"?>
+<p:notesMaster xmlns:a="http://schemas.openxmlformats.org/drawingml/2006/main" xmlns:r="http://schemas.openxmlformats.org/officeDocument/2006/relationships" xmlns:p="http://schemas.openxmlformats.org/presentationml/2006/main">
+  <p:cSld>
+    <p:bg>
+      <p:bgRef idx="1001">
+        <a:schemeClr val="bg1"/>
+      </p:bgRef>
+    </p:bg>
+    <p:spTree>
+      <p:nvGrpSpPr>
+        <p:cNvPr id="1" name=""/>
+        <p:cNvGrpSpPr/>
+        <p:nvPr/>
+      </p:nvGrpSpPr>
+      <p:grpSpPr>
+        <a:xfrm>
+          <a:off x="0" y="0"/>
+          <a:ext cx="0" cy="0"/>
+          <a:chOff x="0" y="0"/>
+          <a:chExt cx="0" cy="0"/>
+        </a:xfrm>
+      </p:grpSpPr>
+      <p:sp>
+        <p:nvSpPr>
+          <p:cNvPr id="2" name="Header Placeholder 1"/>
+          <p:cNvSpPr>
+            <a:spLocks noGrp="1"/>
+          </p:cNvSpPr>
+          <p:nvPr>
+            <p:ph type="hdr" sz="quarter"/>
+          </p:nvPr>
+        </p:nvSpPr>
+        <p:spPr>
+          <a:xfrm>
+            <a:off x="0" y="0"/>
+            <a:ext cx="2971800" cy="458788"/>
+          </a:xfrm>
+          <a:prstGeom prst="rect">
+            <a:avLst/>
+          </a:prstGeom>
+        </p:spPr>
+        <p:txBody>
+          <a:bodyPr vert="horz" lIns="91440" tIns="45720" rIns="91440" bIns="45720" rtlCol="0"/>
+          <a:lstStyle>
+            <a:lvl1pPr algn="l">
+              <a:defRPr sz="1200"/>
+            </a:lvl1pPr>
+          </a:lstStyle>
+          <a:p>
+            <a:endParaRPr lang="en-US"/>
+          </a:p>
+        </p:txBody>
+      </p:sp>
+      <p:sp>
+        <p:nvSpPr>
+          <p:cNvPr id="3" name="Date Placeholder 2"/>
+          <p:cNvSpPr>
+            <a:spLocks noGrp="1"/>
+          </p:cNvSpPr>
+          <p:nvPr>
+            <p:ph type="dt" idx="1"/>
+          </p:nvPr>
+        </p:nvSpPr>
+        <p:spPr>
+          <a:xfrm>
+            <a:off x="3884613" y="0"/>
+            <a:ext cx="2971800" cy="458788"/>
+          </a:xfrm>
+          <a:prstGeom prst="rect">
+            <a:avLst/>
+          </a:prstGeom>
+        </p:spPr>
+        <p:txBody>
+          <a:bodyPr vert="horz" lIns="91440" tIns="45720" rIns="91440" bIns="45720" rtlCol="0"/>
+          <a:lstStyle>
+            <a:lvl1pPr algn="r">
+              <a:defRPr sz="1200"/>
+            </a:lvl1pPr>
+          </a:lstStyle>
+          <a:p>
+            <a:fld id="{D3062358-397A-4C4F-BBDD-8E01AF4060ED}" type="datetimeFigureOut">
+              <a:rPr lang="en-US" smtClean="0"/>
+              <a:t>11/2/2022</a:t>
+            </a:fld>
+            <a:endParaRPr lang="en-US"/>
+          </a:p>
+        </p:txBody>
+      </p:sp>
+      <p:sp>
+        <p:nvSpPr>
+          <p:cNvPr id="4" name="Slide Image Placeholder 3"/>
+          <p:cNvSpPr>
+            <a:spLocks noGrp="1" noRot="1" noChangeAspect="1"/>
+          </p:cNvSpPr>
+          <p:nvPr>
+            <p:ph type="sldImg" idx="2"/>
+          </p:nvPr>
+        </p:nvSpPr>
+        <p:spPr>
+          <a:xfrm>
+            <a:off x="685800" y="1143000"/>
+            <a:ext cx="5486400" cy="3086100"/>
+          </a:xfrm>
+          <a:prstGeom prst="rect">
+            <a:avLst/>
+          </a:prstGeom>
+          <a:noFill/>
+          <a:ln w="12700">
+            <a:solidFill>
+              <a:prstClr val="black"/>
+            </a:solidFill>
+          </a:ln>
+        </p:spPr>
+        <p:txBody>
+          <a:bodyPr vert="horz" lIns="91440" tIns="45720" rIns="91440" bIns="45720" rtlCol="0" anchor="ctr"/>
+          <a:lstStyle/>
+          <a:p>
+            <a:endParaRPr lang="en-US"/>
+          </a:p>
+        </p:txBody>
+      </p:sp>
+      <p:sp>
+        <p:nvSpPr>
+          <p:cNvPr id="5" name="Notes Placeholder 4"/>
+          <p:cNvSpPr>
+            <a:spLocks noGrp="1"/>
+          </p:cNvSpPr>
+          <p:nvPr>
+            <p:ph type="body" sz="quarter" idx="3"/>
+          </p:nvPr>
+        </p:nvSpPr>
+        <p:spPr>
+          <a:xfrm>
+            <a:off x="685800" y="4400550"/>
+            <a:ext cx="5486400" cy="3600450"/>
+          </a:xfrm>
+          <a:prstGeom prst="rect">
+            <a:avLst/>
+          </a:prstGeom>
+        </p:spPr>
+        <p:txBody>
+          <a:bodyPr vert="horz" lIns="91440" tIns="45720" rIns="91440" bIns="45720" rtlCol="0"/>
+          <a:lstStyle/>
+          <a:p>
+            <a:pPr lvl="0"/>
+            <a:r>
+              <a:rPr lang="en-US"/>
+              <a:t>Click to edit Master text styles</a:t>
+            </a:r>
+          </a:p>
+          <a:p>
+            <a:pPr lvl="1"/>
+            <a:r>
+              <a:rPr lang="en-US"/>
+              <a:t>Second level</a:t>
+            </a:r>
+          </a:p>
+          <a:p>
+            <a:pPr lvl="2"/>
+            <a:r>
+              <a:rPr lang="en-US"/>
+              <a:t>Third level</a:t>
+            </a:r>
+          </a:p>
+          <a:p>
+            <a:pPr lvl="3"/>
+            <a:r>
+              <a:rPr lang="en-US"/>
+              <a:t>Fourth level</a:t>
+            </a:r>
+          </a:p>
+          <a:p>
+            <a:pPr lvl="4"/>
+            <a:r>
+              <a:rPr lang="en-US"/>
+              <a:t>Fifth level</a:t>
+            </a:r>
+          </a:p>
+        </p:txBody>
+      </p:sp>
+      <p:sp>
+        <p:nvSpPr>
+          <p:cNvPr id="6" name="Footer Placeholder 5"/>
+          <p:cNvSpPr>
+            <a:spLocks noGrp="1"/>
+          </p:cNvSpPr>
+          <p:nvPr>
+            <p:ph type="ftr" sz="quarter" idx="4"/>
+          </p:nvPr>
+        </p:nvSpPr>
+        <p:spPr>
+          <a:xfrm>
+            <a:off x="0" y="8685213"/>
+            <a:ext cx="2971800" cy="458787"/>
+          </a:xfrm>
+          <a:prstGeom prst="rect">
+            <a:avLst/>
+          </a:prstGeom>
+        </p:spPr>
+        <p:txBody>
+          <a:bodyPr vert="horz" lIns="91440" tIns="45720" rIns="91440" bIns="45720" rtlCol="0" anchor="b"/>
+          <a:lstStyle>
+            <a:lvl1pPr algn="l">
+              <a:defRPr sz="1200"/>
+            </a:lvl1pPr>
+          </a:lstStyle>
+          <a:p>
+            <a:endParaRPr lang="en-US"/>
+          </a:p>
+        </p:txBody>
+      </p:sp>
+      <p:sp>
+        <p:nvSpPr>
+          <p:cNvPr id="7" name="Slide Number Placeholder 6"/>
+          <p:cNvSpPr>
+            <a:spLocks noGrp="1"/>
+          </p:cNvSpPr>
+          <p:nvPr>
+            <p:ph type="sldNum" sz="quarter" idx="5"/>
+          </p:nvPr>
+        </p:nvSpPr>
+        <p:spPr>
+          <a:xfrm>
+            <a:off x="3884613" y="8685213"/>
+            <a:ext cx="2971800" cy="458787"/>
+          </a:xfrm>
+          <a:prstGeom prst="rect">
+            <a:avLst/>
+          </a:prstGeom>
+        </p:spPr>
+        <p:txBody>
+          <a:bodyPr vert="horz" lIns="91440" tIns="45720" rIns="91440" bIns="45720" rtlCol="0" anchor="b"/>
+          <a:lstStyle>
+            <a:lvl1pPr algn="r">
+              <a:defRPr sz="1200"/>
+            </a:lvl1pPr>
+          </a:lstStyle>
+          <a:p>
+            <a:fld id="{768630CF-E18E-405E-8119-7CAE4A6CFD8B}" type="slidenum">
+              <a:rPr lang="en-US" smtClean="0"/>
+              <a:t>‹#›</a:t>
+            </a:fld>
+            <a:endParaRPr lang="en-US"/>
+          </a:p>
+        </p:txBody>
+      </p:sp>
+    </p:spTree>
+    <p:extLst>
+      <p:ext uri="{BB962C8B-B14F-4D97-AF65-F5344CB8AC3E}">
+        <p14:creationId xmlns:p14="http://schemas.microsoft.com/office/powerpoint/2010/main" val="274724650"/>
+      </p:ext>
+    </p:extLst>
+  </p:cSld>
+  <p:clrMap bg1="lt1" tx1="dk1" bg2="lt2" tx2="dk2" accent1="accent1" accent2="accent2" accent3="accent3" accent4="accent4" accent5="accent5" accent6="accent6" hlink="hlink" folHlink="folHlink"/>
+  <p:notesStyle>
+    <a:lvl1pPr marL="0" algn="l" defTabSz="914400" rtl="0" eaLnBrk="1" latinLnBrk="0" hangingPunct="1">
+      <a:defRPr sz="1200" kern="1200">
+        <a:solidFill>
+          <a:schemeClr val="tx1"/>
+        </a:solidFill>
+        <a:latin typeface="+mn-lt"/>
+        <a:ea typeface="+mn-ea"/>
+        <a:cs typeface="+mn-cs"/>
+      </a:defRPr>
+    </a:lvl1pPr>
+    <a:lvl2pPr marL="457200" algn="l" defTabSz="914400" rtl="0" eaLnBrk="1" latinLnBrk="0" hangingPunct="1">
+      <a:defRPr sz="1200" kern="1200">
+        <a:solidFill>
+          <a:schemeClr val="tx1"/>
+        </a:solidFill>
+        <a:latin typeface="+mn-lt"/>
+        <a:ea typeface="+mn-ea"/>
+        <a:cs typeface="+mn-cs"/>
+      </a:defRPr>
+    </a:lvl2pPr>
+    <a:lvl3pPr marL="914400" algn="l" defTabSz="914400" rtl="0" eaLnBrk="1" latinLnBrk="0" hangingPunct="1">
+      <a:defRPr sz="1200" kern="1200">
+        <a:solidFill>
+          <a:schemeClr val="tx1"/>
+        </a:solidFill>
+        <a:latin typeface="+mn-lt"/>
+        <a:ea typeface="+mn-ea"/>
+        <a:cs typeface="+mn-cs"/>
+      </a:defRPr>
+    </a:lvl3pPr>
+    <a:lvl4pPr marL="1371600" algn="l" defTabSz="914400" rtl="0" eaLnBrk="1" latinLnBrk="0" hangingPunct="1">
+      <a:defRPr sz="1200" kern="1200">
+        <a:solidFill>
+          <a:schemeClr val="tx1"/>
+        </a:solidFill>
+        <a:latin typeface="+mn-lt"/>
+        <a:ea typeface="+mn-ea"/>
+        <a:cs typeface="+mn-cs"/>
+      </a:defRPr>
+    </a:lvl4pPr>
+    <a:lvl5pPr marL="1828800" algn="l" defTabSz="914400" rtl="0" eaLnBrk="1" latinLnBrk="0" hangingPunct="1">
+      <a:defRPr sz="1200" kern="1200">
+        <a:solidFill>
+          <a:schemeClr val="tx1"/>
+        </a:solidFill>
+        <a:latin typeface="+mn-lt"/>
+        <a:ea typeface="+mn-ea"/>
+        <a:cs typeface="+mn-cs"/>
+      </a:defRPr>
+    </a:lvl5pPr>
+    <a:lvl6pPr marL="2286000" algn="l" defTabSz="914400" rtl="0" eaLnBrk="1" latinLnBrk="0" hangingPunct="1">
+      <a:defRPr sz="1200" kern="1200">
+        <a:solidFill>
+          <a:schemeClr val="tx1"/>
+        </a:solidFill>
+        <a:latin typeface="+mn-lt"/>
+        <a:ea typeface="+mn-ea"/>
+        <a:cs typeface="+mn-cs"/>
+      </a:defRPr>
+    </a:lvl6pPr>
+    <a:lvl7pPr marL="2743200" algn="l" defTabSz="914400" rtl="0" eaLnBrk="1" latinLnBrk="0" hangingPunct="1">
+      <a:defRPr sz="1200" kern="1200">
+        <a:solidFill>
+          <a:schemeClr val="tx1"/>
+        </a:solidFill>
+        <a:latin typeface="+mn-lt"/>
+        <a:ea typeface="+mn-ea"/>
+        <a:cs typeface="+mn-cs"/>
+      </a:defRPr>
+    </a:lvl7pPr>
+    <a:lvl8pPr marL="3200400" algn="l" defTabSz="914400" rtl="0" eaLnBrk="1" latinLnBrk="0" hangingPunct="1">
+      <a:defRPr sz="1200" kern="1200">
+        <a:solidFill>
+          <a:schemeClr val="tx1"/>
+        </a:solidFill>
+        <a:latin typeface="+mn-lt"/>
+        <a:ea typeface="+mn-ea"/>
+        <a:cs typeface="+mn-cs"/>
+      </a:defRPr>
+    </a:lvl8pPr>
+    <a:lvl9pPr marL="3657600" algn="l" defTabSz="914400" rtl="0" eaLnBrk="1" latinLnBrk="0" hangingPunct="1">
+      <a:defRPr sz="1200" kern="1200">
+        <a:solidFill>
+          <a:schemeClr val="tx1"/>
+        </a:solidFill>
+        <a:latin typeface="+mn-lt"/>
+        <a:ea typeface="+mn-ea"/>
+        <a:cs typeface="+mn-cs"/>
+      </a:defRPr>
+    </a:lvl9pPr>
+  </p:notesStyle>
+</p:notesMaster>
+</file>
+
+<file path=ppt/notesSlides/notesSlide1.xml><?xml version="1.0" encoding="utf-8"?>
+<p:notes xmlns:a="http://schemas.openxmlformats.org/drawingml/2006/main" xmlns:r="http://schemas.openxmlformats.org/officeDocument/2006/relationships" xmlns:p="http://schemas.openxmlformats.org/presentationml/2006/main">
+  <p:cSld>
+    <p:spTree>
+      <p:nvGrpSpPr>
+        <p:cNvPr id="1" name=""/>
+        <p:cNvGrpSpPr/>
+        <p:nvPr/>
+      </p:nvGrpSpPr>
+      <p:grpSpPr>
+        <a:xfrm>
+          <a:off x="0" y="0"/>
+          <a:ext cx="0" cy="0"/>
+          <a:chOff x="0" y="0"/>
+          <a:chExt cx="0" cy="0"/>
+        </a:xfrm>
+      </p:grpSpPr>
+      <p:sp>
+        <p:nvSpPr>
+          <p:cNvPr id="2" name="Slide Image Placeholder 1"/>
+          <p:cNvSpPr>
+            <a:spLocks noGrp="1" noRot="1" noChangeAspect="1"/>
+          </p:cNvSpPr>
+          <p:nvPr>
+            <p:ph type="sldImg"/>
+          </p:nvPr>
+        </p:nvSpPr>
+        <p:spPr/>
+      </p:sp>
+      <p:sp>
+        <p:nvSpPr>
+          <p:cNvPr id="3" name="Notes Placeholder 2"/>
+          <p:cNvSpPr>
+            <a:spLocks noGrp="1"/>
+          </p:cNvSpPr>
+          <p:nvPr>
+            <p:ph type="body" idx="1"/>
+          </p:nvPr>
+        </p:nvSpPr>
+        <p:spPr/>
+        <p:txBody>
+          <a:bodyPr/>
+          <a:lstStyle/>
+          <a:p>
+            <a:endParaRPr lang="en-US" dirty="0"/>
+          </a:p>
+        </p:txBody>
+      </p:sp>
+      <p:sp>
+        <p:nvSpPr>
+          <p:cNvPr id="4" name="Slide Number Placeholder 3"/>
+          <p:cNvSpPr>
+            <a:spLocks noGrp="1"/>
+          </p:cNvSpPr>
+          <p:nvPr>
+            <p:ph type="sldNum" sz="quarter" idx="5"/>
+          </p:nvPr>
+        </p:nvSpPr>
+        <p:spPr/>
+        <p:txBody>
+          <a:bodyPr/>
+          <a:lstStyle/>
+          <a:p>
+            <a:fld id="{768630CF-E18E-405E-8119-7CAE4A6CFD8B}" type="slidenum">
+              <a:rPr lang="en-US" smtClean="0"/>
+              <a:t>2</a:t>
+            </a:fld>
+            <a:endParaRPr lang="en-US"/>
+          </a:p>
+        </p:txBody>
+      </p:sp>
+    </p:spTree>
+    <p:extLst>
+      <p:ext uri="{BB962C8B-B14F-4D97-AF65-F5344CB8AC3E}">
+        <p14:creationId xmlns:p14="http://schemas.microsoft.com/office/powerpoint/2010/main" val="1193829865"/>
+      </p:ext>
+    </p:extLst>
+  </p:cSld>
+  <p:clrMapOvr>
+    <a:masterClrMapping/>
+  </p:clrMapOvr>
+</p:notes>
+</file>
+
 <file path=ppt/slideLayouts/slideLayout1.xml><?xml version="1.0" encoding="utf-8"?>
 <p:sldLayout xmlns:a="http://schemas.openxmlformats.org/drawingml/2006/main" xmlns:r="http://schemas.openxmlformats.org/officeDocument/2006/relationships" xmlns:p="http://schemas.openxmlformats.org/presentationml/2006/main" type="title" preserve="1">
   <p:cSld name="Title Slide">
@@ -316,7 +752,7 @@
             <a:fld id="{1D8BD707-D9CF-40AE-B4C6-C98DA3205C09}" type="datetimeFigureOut">
               <a:rPr lang="en-US" smtClean="0"/>
               <a:pPr/>
-              <a:t>10/13/2022</a:t>
+              <a:t>11/2/2022</a:t>
             </a:fld>
             <a:endParaRPr lang="en-US"/>
           </a:p>
@@ -481,7 +917,7 @@
             <a:fld id="{1D8BD707-D9CF-40AE-B4C6-C98DA3205C09}" type="datetimeFigureOut">
               <a:rPr lang="en-US" smtClean="0"/>
               <a:pPr/>
-              <a:t>10/13/2022</a:t>
+              <a:t>11/2/2022</a:t>
             </a:fld>
             <a:endParaRPr lang="en-US"/>
           </a:p>
@@ -656,7 +1092,7 @@
             <a:fld id="{1D8BD707-D9CF-40AE-B4C6-C98DA3205C09}" type="datetimeFigureOut">
               <a:rPr lang="en-US" smtClean="0"/>
               <a:pPr/>
-              <a:t>10/13/2022</a:t>
+              <a:t>11/2/2022</a:t>
             </a:fld>
             <a:endParaRPr lang="en-US"/>
           </a:p>
@@ -821,7 +1257,7 @@
             <a:fld id="{1D8BD707-D9CF-40AE-B4C6-C98DA3205C09}" type="datetimeFigureOut">
               <a:rPr lang="en-US" smtClean="0"/>
               <a:pPr/>
-              <a:t>10/13/2022</a:t>
+              <a:t>11/2/2022</a:t>
             </a:fld>
             <a:endParaRPr lang="en-US"/>
           </a:p>
@@ -1063,7 +1499,7 @@
             <a:fld id="{1D8BD707-D9CF-40AE-B4C6-C98DA3205C09}" type="datetimeFigureOut">
               <a:rPr lang="en-US" smtClean="0"/>
               <a:pPr/>
-              <a:t>10/13/2022</a:t>
+              <a:t>11/2/2022</a:t>
             </a:fld>
             <a:endParaRPr lang="en-US"/>
           </a:p>
@@ -1345,7 +1781,7 @@
             <a:fld id="{1D8BD707-D9CF-40AE-B4C6-C98DA3205C09}" type="datetimeFigureOut">
               <a:rPr lang="en-US" smtClean="0"/>
               <a:pPr/>
-              <a:t>10/13/2022</a:t>
+              <a:t>11/2/2022</a:t>
             </a:fld>
             <a:endParaRPr lang="en-US"/>
           </a:p>
@@ -1761,7 +2197,7 @@
             <a:fld id="{1D8BD707-D9CF-40AE-B4C6-C98DA3205C09}" type="datetimeFigureOut">
               <a:rPr lang="en-US" smtClean="0"/>
               <a:pPr/>
-              <a:t>10/13/2022</a:t>
+              <a:t>11/2/2022</a:t>
             </a:fld>
             <a:endParaRPr lang="en-US"/>
           </a:p>
@@ -1875,7 +2311,7 @@
             <a:fld id="{1D8BD707-D9CF-40AE-B4C6-C98DA3205C09}" type="datetimeFigureOut">
               <a:rPr lang="en-US" smtClean="0"/>
               <a:pPr/>
-              <a:t>10/13/2022</a:t>
+              <a:t>11/2/2022</a:t>
             </a:fld>
             <a:endParaRPr lang="en-US"/>
           </a:p>
@@ -1967,7 +2403,7 @@
             <a:fld id="{1D8BD707-D9CF-40AE-B4C6-C98DA3205C09}" type="datetimeFigureOut">
               <a:rPr lang="en-US" smtClean="0"/>
               <a:pPr/>
-              <a:t>10/13/2022</a:t>
+              <a:t>11/2/2022</a:t>
             </a:fld>
             <a:endParaRPr lang="en-US"/>
           </a:p>
@@ -2239,7 +2675,7 @@
             <a:fld id="{1D8BD707-D9CF-40AE-B4C6-C98DA3205C09}" type="datetimeFigureOut">
               <a:rPr lang="en-US" smtClean="0"/>
               <a:pPr/>
-              <a:t>10/13/2022</a:t>
+              <a:t>11/2/2022</a:t>
             </a:fld>
             <a:endParaRPr lang="en-US"/>
           </a:p>
@@ -2488,7 +2924,7 @@
             <a:fld id="{1D8BD707-D9CF-40AE-B4C6-C98DA3205C09}" type="datetimeFigureOut">
               <a:rPr lang="en-US" smtClean="0"/>
               <a:pPr/>
-              <a:t>10/13/2022</a:t>
+              <a:t>11/2/2022</a:t>
             </a:fld>
             <a:endParaRPr lang="en-US"/>
           </a:p>
@@ -2705,7 +3141,7 @@
             <a:fld id="{1D8BD707-D9CF-40AE-B4C6-C98DA3205C09}" type="datetimeFigureOut">
               <a:rPr lang="en-US" smtClean="0"/>
               <a:pPr/>
-              <a:t>10/13/2022</a:t>
+              <a:t>11/2/2022</a:t>
             </a:fld>
             <a:endParaRPr lang="en-US"/>
           </a:p>
@@ -3116,13 +3552,6 @@
   <p:clrMapOvr>
     <a:masterClrMapping/>
   </p:clrMapOvr>
-  <p:timing>
-    <p:tnLst>
-      <p:par>
-        <p:cTn id="1" dur="indefinite" restart="never" nodeType="tmRoot"/>
-      </p:par>
-    </p:tnLst>
-  </p:timing>
 </p:sld>
 </file>
 
@@ -3205,14 +3634,7 @@
                 <a:latin typeface="Roboto" panose="02000000000000000000" pitchFamily="2" charset="0"/>
                 <a:ea typeface="Roboto" panose="02000000000000000000" pitchFamily="2" charset="0"/>
               </a:rPr>
-              <a:t>Syntax is called set of rules for writing programs. </a:t>
-            </a:r>
-            <a:r>
-              <a:rPr lang="en-US" sz="1400" dirty="0" smtClean="0">
-                <a:latin typeface="Roboto" panose="02000000000000000000" pitchFamily="2" charset="0"/>
-                <a:ea typeface="Roboto" panose="02000000000000000000" pitchFamily="2" charset="0"/>
-              </a:rPr>
-              <a:t>Dart has-</a:t>
+              <a:t>Syntax is called set of rules for writing programs. Dart has-</a:t>
             </a:r>
           </a:p>
           <a:p>
@@ -3343,13 +3765,6 @@
   <p:clrMapOvr>
     <a:masterClrMapping/>
   </p:clrMapOvr>
-  <p:timing>
-    <p:tnLst>
-      <p:par>
-        <p:cTn id="1" dur="indefinite" restart="never" nodeType="tmRoot"/>
-      </p:par>
-    </p:tnLst>
-  </p:timing>
 </p:sld>
 </file>
 
@@ -3574,13 +3989,6 @@
   <p:clrMapOvr>
     <a:masterClrMapping/>
   </p:clrMapOvr>
-  <p:timing>
-    <p:tnLst>
-      <p:par>
-        <p:cTn id="1" dur="indefinite" restart="never" nodeType="tmRoot"/>
-      </p:par>
-    </p:tnLst>
-  </p:timing>
 </p:sld>
 </file>
 
@@ -3633,13 +4041,6 @@
               </a:rPr>
               <a:t>Dart Keywords</a:t>
             </a:r>
-            <a:endParaRPr lang="en-US" sz="2400" b="1" dirty="0">
-              <a:solidFill>
-                <a:srgbClr val="0070C0"/>
-              </a:solidFill>
-              <a:latin typeface="Roboto" panose="02000000000000000000" pitchFamily="2" charset="0"/>
-              <a:ea typeface="Roboto" panose="02000000000000000000" pitchFamily="2" charset="0"/>
-            </a:endParaRPr>
           </a:p>
         </p:txBody>
       </p:sp>
@@ -3677,13 +4078,6 @@
   <p:clrMapOvr>
     <a:masterClrMapping/>
   </p:clrMapOvr>
-  <p:timing>
-    <p:tnLst>
-      <p:par>
-        <p:cTn id="1" dur="indefinite" restart="never" nodeType="tmRoot"/>
-      </p:par>
-    </p:tnLst>
-  </p:timing>
 </p:sld>
 </file>
 
@@ -3736,13 +4130,6 @@
               </a:rPr>
               <a:t>Dart Keywords</a:t>
             </a:r>
-            <a:endParaRPr lang="en-US" sz="2400" b="1" dirty="0">
-              <a:solidFill>
-                <a:srgbClr val="0070C0"/>
-              </a:solidFill>
-              <a:latin typeface="Roboto" panose="02000000000000000000" pitchFamily="2" charset="0"/>
-              <a:ea typeface="Roboto" panose="02000000000000000000" pitchFamily="2" charset="0"/>
-            </a:endParaRPr>
           </a:p>
         </p:txBody>
       </p:sp>
@@ -3780,13 +4167,6 @@
   <p:clrMapOvr>
     <a:masterClrMapping/>
   </p:clrMapOvr>
-  <p:timing>
-    <p:tnLst>
-      <p:par>
-        <p:cTn id="1" dur="indefinite" restart="never" nodeType="tmRoot"/>
-      </p:par>
-    </p:tnLst>
-  </p:timing>
 </p:sld>
 </file>
 
@@ -3839,13 +4219,6 @@
               </a:rPr>
               <a:t>Dart Keywords</a:t>
             </a:r>
-            <a:endParaRPr lang="en-US" sz="2400" b="1" dirty="0">
-              <a:solidFill>
-                <a:srgbClr val="0070C0"/>
-              </a:solidFill>
-              <a:latin typeface="Roboto" panose="02000000000000000000" pitchFamily="2" charset="0"/>
-              <a:ea typeface="Roboto" panose="02000000000000000000" pitchFamily="2" charset="0"/>
-            </a:endParaRPr>
           </a:p>
         </p:txBody>
       </p:sp>
@@ -3900,14 +4273,7 @@
                 <a:latin typeface="Roboto" panose="02000000000000000000" pitchFamily="2" charset="0"/>
                 <a:ea typeface="Roboto" panose="02000000000000000000" pitchFamily="2" charset="0"/>
               </a:rPr>
-              <a:t>. They have special meaning and used in particular places</a:t>
-            </a:r>
-            <a:r>
-              <a:rPr lang="en-US" sz="1200" dirty="0" smtClean="0">
-                <a:latin typeface="Roboto" panose="02000000000000000000" pitchFamily="2" charset="0"/>
-                <a:ea typeface="Roboto" panose="02000000000000000000" pitchFamily="2" charset="0"/>
-              </a:rPr>
-              <a:t>.</a:t>
+              <a:t>. They have special meaning and used in particular places.</a:t>
             </a:r>
           </a:p>
           <a:p>
@@ -3944,17 +4310,10 @@
                 <a:latin typeface="Roboto" panose="02000000000000000000" pitchFamily="2" charset="0"/>
                 <a:ea typeface="Roboto" panose="02000000000000000000" pitchFamily="2" charset="0"/>
               </a:rPr>
-              <a:t>built-in </a:t>
-            </a:r>
-            <a:r>
-              <a:rPr lang="en-US" sz="1200" b="1" dirty="0" smtClean="0">
-                <a:latin typeface="Roboto" panose="02000000000000000000" pitchFamily="2" charset="0"/>
-                <a:ea typeface="Roboto" panose="02000000000000000000" pitchFamily="2" charset="0"/>
-              </a:rPr>
-              <a:t>identifiers</a:t>
-            </a:r>
-            <a:r>
-              <a:rPr lang="en-US" sz="1200" dirty="0" smtClean="0">
+              <a:t>built-in identifiers</a:t>
+            </a:r>
+            <a:r>
+              <a:rPr lang="en-US" sz="1200" dirty="0">
                 <a:latin typeface="Roboto" panose="02000000000000000000" pitchFamily="2" charset="0"/>
                 <a:ea typeface="Roboto" panose="02000000000000000000" pitchFamily="2" charset="0"/>
               </a:rPr>
@@ -3966,7 +4325,7 @@
               <a:buFont typeface="Arial" panose="020B0604020202020204" pitchFamily="34" charset="0"/>
               <a:buChar char="•"/>
             </a:pPr>
-            <a:endParaRPr lang="en-US" sz="1200" dirty="0" smtClean="0">
+            <a:endParaRPr lang="en-US" sz="1200" dirty="0">
               <a:latin typeface="Roboto" panose="02000000000000000000" pitchFamily="2" charset="0"/>
               <a:ea typeface="Roboto" panose="02000000000000000000" pitchFamily="2" charset="0"/>
             </a:endParaRPr>
@@ -3977,37 +4336,19 @@
               <a:buChar char="•"/>
             </a:pPr>
             <a:r>
-              <a:rPr lang="en-US" sz="1200" b="1" dirty="0" smtClean="0">
-                <a:latin typeface="Roboto" panose="02000000000000000000" pitchFamily="2" charset="0"/>
-                <a:ea typeface="Roboto" panose="02000000000000000000" pitchFamily="2" charset="0"/>
-              </a:rPr>
-              <a:t>Subscript </a:t>
-            </a:r>
-            <a:r>
               <a:rPr lang="en-US" sz="1200" b="1" dirty="0">
                 <a:latin typeface="Roboto" panose="02000000000000000000" pitchFamily="2" charset="0"/>
                 <a:ea typeface="Roboto" panose="02000000000000000000" pitchFamily="2" charset="0"/>
               </a:rPr>
-              <a:t>3 -</a:t>
+              <a:t>Subscript 3 -</a:t>
             </a:r>
             <a:r>
               <a:rPr lang="en-US" sz="1200" dirty="0">
                 <a:latin typeface="Roboto" panose="02000000000000000000" pitchFamily="2" charset="0"/>
                 <a:ea typeface="Roboto" panose="02000000000000000000" pitchFamily="2" charset="0"/>
               </a:rPr>
-              <a:t> These are newly added </a:t>
-            </a:r>
-            <a:r>
-              <a:rPr lang="en-US" sz="1200" dirty="0" smtClean="0">
-                <a:latin typeface="Roboto" panose="02000000000000000000" pitchFamily="2" charset="0"/>
-                <a:ea typeface="Roboto" panose="02000000000000000000" pitchFamily="2" charset="0"/>
-              </a:rPr>
-              <a:t>keyword.</a:t>
-            </a:r>
-            <a:endParaRPr lang="en-US" sz="1200" dirty="0">
-              <a:latin typeface="Roboto" panose="02000000000000000000" pitchFamily="2" charset="0"/>
-              <a:ea typeface="Roboto" panose="02000000000000000000" pitchFamily="2" charset="0"/>
-            </a:endParaRPr>
+              <a:t> These are newly added keyword.</a:t>
+            </a:r>
           </a:p>
         </p:txBody>
       </p:sp>
@@ -4021,13 +4362,6 @@
   <p:clrMapOvr>
     <a:masterClrMapping/>
   </p:clrMapOvr>
-  <p:timing>
-    <p:tnLst>
-      <p:par>
-        <p:cTn id="1" dur="indefinite" restart="never" nodeType="tmRoot"/>
-      </p:par>
-    </p:tnLst>
-  </p:timing>
 </p:sld>
 </file>
 
@@ -4057,7 +4391,7 @@
           <p:nvPr/>
         </p:nvPicPr>
         <p:blipFill>
-          <a:blip r:embed="rId2" cstate="print">
+          <a:blip r:embed="rId3" cstate="print">
             <a:extLst>
               <a:ext uri="{28A0092B-C50C-407E-A947-70E740481C1C}">
                 <a14:useLocalDpi xmlns:a14="http://schemas.microsoft.com/office/drawing/2010/main" val="0"/>
@@ -4071,8 +4405,8 @@
         </p:blipFill>
         <p:spPr bwMode="auto">
           <a:xfrm>
-            <a:off x="2590800" y="1428750"/>
-            <a:ext cx="3702050" cy="2078736"/>
+            <a:off x="838200" y="1581150"/>
+            <a:ext cx="2743200" cy="1540333"/>
           </a:xfrm>
           <a:prstGeom prst="rect">
             <a:avLst/>
@@ -4099,13 +4433,6 @@
   <p:clrMapOvr>
     <a:masterClrMapping/>
   </p:clrMapOvr>
-  <p:timing>
-    <p:tnLst>
-      <p:par>
-        <p:cTn id="1" dur="indefinite" restart="never" nodeType="tmRoot"/>
-      </p:par>
-    </p:tnLst>
-  </p:timing>
 </p:sld>
 </file>
 
@@ -4188,25 +4515,11 @@
               <a:buChar char="ü"/>
             </a:pPr>
             <a:r>
-              <a:rPr lang="en-US" sz="1600" dirty="0" smtClean="0">
-                <a:latin typeface="Roboto" panose="02000000000000000000" pitchFamily="2" charset="0"/>
-                <a:ea typeface="Roboto" panose="02000000000000000000" pitchFamily="2" charset="0"/>
-              </a:rPr>
-              <a:t>Core </a:t>
-            </a:r>
-            <a:r>
               <a:rPr lang="en-US" sz="1600" dirty="0">
                 <a:latin typeface="Roboto" panose="02000000000000000000" pitchFamily="2" charset="0"/>
                 <a:ea typeface="Roboto" panose="02000000000000000000" pitchFamily="2" charset="0"/>
               </a:rPr>
-              <a:t>Of Flutter </a:t>
-            </a:r>
-            <a:r>
-              <a:rPr lang="en-US" sz="1600" dirty="0" smtClean="0">
-                <a:latin typeface="Roboto" panose="02000000000000000000" pitchFamily="2" charset="0"/>
-                <a:ea typeface="Roboto" panose="02000000000000000000" pitchFamily="2" charset="0"/>
-              </a:rPr>
-              <a:t>Framework</a:t>
+              <a:t>Core Of Flutter Framework</a:t>
             </a:r>
           </a:p>
           <a:p>
@@ -4215,23 +4528,12 @@
               <a:buChar char="ü"/>
             </a:pPr>
             <a:r>
-              <a:rPr lang="en-US" sz="1600" dirty="0" smtClean="0">
+              <a:rPr lang="en-US" sz="1600" dirty="0">
                 <a:latin typeface="Roboto" panose="02000000000000000000" pitchFamily="2" charset="0"/>
                 <a:ea typeface="Roboto" panose="02000000000000000000" pitchFamily="2" charset="0"/>
               </a:rPr>
-              <a:t>Language like Java ,C# ,C++</a:t>
-            </a:r>
-            <a:r>
-              <a:rPr lang="en-US" sz="1600" dirty="0" smtClean="0">
-                <a:latin typeface="Roboto" panose="02000000000000000000" pitchFamily="2" charset="0"/>
-                <a:ea typeface="Roboto" panose="02000000000000000000" pitchFamily="2" charset="0"/>
-              </a:rPr>
-              <a:t> </a:t>
-            </a:r>
-            <a:endParaRPr lang="en-US" sz="1600" dirty="0">
-              <a:latin typeface="Roboto" panose="02000000000000000000" pitchFamily="2" charset="0"/>
-              <a:ea typeface="Roboto" panose="02000000000000000000" pitchFamily="2" charset="0"/>
-            </a:endParaRPr>
+              <a:t>Language like Java ,C# ,C++ </a:t>
+            </a:r>
           </a:p>
         </p:txBody>
       </p:sp>
@@ -4248,7 +4550,260 @@
   <p:timing>
     <p:tnLst>
       <p:par>
-        <p:cTn id="1" dur="indefinite" restart="never" nodeType="tmRoot"/>
+        <p:cTn id="1" dur="indefinite" restart="never" nodeType="tmRoot">
+          <p:childTnLst>
+            <p:seq concurrent="1" nextAc="seek">
+              <p:cTn id="2" dur="indefinite" nodeType="mainSeq">
+                <p:childTnLst>
+                  <p:par>
+                    <p:cTn id="3" fill="hold">
+                      <p:stCondLst>
+                        <p:cond delay="indefinite"/>
+                      </p:stCondLst>
+                      <p:childTnLst>
+                        <p:par>
+                          <p:cTn id="4" fill="hold">
+                            <p:stCondLst>
+                              <p:cond delay="0"/>
+                            </p:stCondLst>
+                            <p:childTnLst>
+                              <p:par>
+                                <p:cTn id="5" presetID="42" presetClass="entr" presetSubtype="0" fill="hold" nodeType="clickEffect">
+                                  <p:stCondLst>
+                                    <p:cond delay="0"/>
+                                  </p:stCondLst>
+                                  <p:childTnLst>
+                                    <p:set>
+                                      <p:cBhvr>
+                                        <p:cTn id="6" dur="1" fill="hold">
+                                          <p:stCondLst>
+                                            <p:cond delay="0"/>
+                                          </p:stCondLst>
+                                        </p:cTn>
+                                        <p:tgtEl>
+                                          <p:spTgt spid="3">
+                                            <p:txEl>
+                                              <p:pRg st="0" end="0"/>
+                                            </p:txEl>
+                                          </p:spTgt>
+                                        </p:tgtEl>
+                                        <p:attrNameLst>
+                                          <p:attrName>style.visibility</p:attrName>
+                                        </p:attrNameLst>
+                                      </p:cBhvr>
+                                      <p:to>
+                                        <p:strVal val="visible"/>
+                                      </p:to>
+                                    </p:set>
+                                    <p:animEffect transition="in" filter="fade">
+                                      <p:cBhvr>
+                                        <p:cTn id="7" dur="1000"/>
+                                        <p:tgtEl>
+                                          <p:spTgt spid="3">
+                                            <p:txEl>
+                                              <p:pRg st="0" end="0"/>
+                                            </p:txEl>
+                                          </p:spTgt>
+                                        </p:tgtEl>
+                                      </p:cBhvr>
+                                    </p:animEffect>
+                                    <p:anim calcmode="lin" valueType="num">
+                                      <p:cBhvr>
+                                        <p:cTn id="8" dur="1000" fill="hold"/>
+                                        <p:tgtEl>
+                                          <p:spTgt spid="3">
+                                            <p:txEl>
+                                              <p:pRg st="0" end="0"/>
+                                            </p:txEl>
+                                          </p:spTgt>
+                                        </p:tgtEl>
+                                        <p:attrNameLst>
+                                          <p:attrName>ppt_x</p:attrName>
+                                        </p:attrNameLst>
+                                      </p:cBhvr>
+                                      <p:tavLst>
+                                        <p:tav tm="0">
+                                          <p:val>
+                                            <p:strVal val="#ppt_x"/>
+                                          </p:val>
+                                        </p:tav>
+                                        <p:tav tm="100000">
+                                          <p:val>
+                                            <p:strVal val="#ppt_x"/>
+                                          </p:val>
+                                        </p:tav>
+                                      </p:tavLst>
+                                    </p:anim>
+                                    <p:anim calcmode="lin" valueType="num">
+                                      <p:cBhvr>
+                                        <p:cTn id="9" dur="1000" fill="hold"/>
+                                        <p:tgtEl>
+                                          <p:spTgt spid="3">
+                                            <p:txEl>
+                                              <p:pRg st="0" end="0"/>
+                                            </p:txEl>
+                                          </p:spTgt>
+                                        </p:tgtEl>
+                                        <p:attrNameLst>
+                                          <p:attrName>ppt_y</p:attrName>
+                                        </p:attrNameLst>
+                                      </p:cBhvr>
+                                      <p:tavLst>
+                                        <p:tav tm="0">
+                                          <p:val>
+                                            <p:strVal val="#ppt_y+.1"/>
+                                          </p:val>
+                                        </p:tav>
+                                        <p:tav tm="100000">
+                                          <p:val>
+                                            <p:strVal val="#ppt_y"/>
+                                          </p:val>
+                                        </p:tav>
+                                      </p:tavLst>
+                                    </p:anim>
+                                  </p:childTnLst>
+                                </p:cTn>
+                              </p:par>
+                            </p:childTnLst>
+                          </p:cTn>
+                        </p:par>
+                      </p:childTnLst>
+                    </p:cTn>
+                  </p:par>
+                  <p:par>
+                    <p:cTn id="10" fill="hold">
+                      <p:stCondLst>
+                        <p:cond delay="indefinite"/>
+                      </p:stCondLst>
+                      <p:childTnLst>
+                        <p:par>
+                          <p:cTn id="11" fill="hold">
+                            <p:stCondLst>
+                              <p:cond delay="0"/>
+                            </p:stCondLst>
+                            <p:childTnLst>
+                              <p:par>
+                                <p:cTn id="12" presetID="42" presetClass="entr" presetSubtype="0" fill="hold" nodeType="clickEffect">
+                                  <p:stCondLst>
+                                    <p:cond delay="0"/>
+                                  </p:stCondLst>
+                                  <p:childTnLst>
+                                    <p:set>
+                                      <p:cBhvr>
+                                        <p:cTn id="13" dur="1" fill="hold">
+                                          <p:stCondLst>
+                                            <p:cond delay="0"/>
+                                          </p:stCondLst>
+                                        </p:cTn>
+                                        <p:tgtEl>
+                                          <p:spTgt spid="3">
+                                            <p:txEl>
+                                              <p:pRg st="1" end="1"/>
+                                            </p:txEl>
+                                          </p:spTgt>
+                                        </p:tgtEl>
+                                        <p:attrNameLst>
+                                          <p:attrName>style.visibility</p:attrName>
+                                        </p:attrNameLst>
+                                      </p:cBhvr>
+                                      <p:to>
+                                        <p:strVal val="visible"/>
+                                      </p:to>
+                                    </p:set>
+                                    <p:animEffect transition="in" filter="fade">
+                                      <p:cBhvr>
+                                        <p:cTn id="14" dur="1000"/>
+                                        <p:tgtEl>
+                                          <p:spTgt spid="3">
+                                            <p:txEl>
+                                              <p:pRg st="1" end="1"/>
+                                            </p:txEl>
+                                          </p:spTgt>
+                                        </p:tgtEl>
+                                      </p:cBhvr>
+                                    </p:animEffect>
+                                    <p:anim calcmode="lin" valueType="num">
+                                      <p:cBhvr>
+                                        <p:cTn id="15" dur="1000" fill="hold"/>
+                                        <p:tgtEl>
+                                          <p:spTgt spid="3">
+                                            <p:txEl>
+                                              <p:pRg st="1" end="1"/>
+                                            </p:txEl>
+                                          </p:spTgt>
+                                        </p:tgtEl>
+                                        <p:attrNameLst>
+                                          <p:attrName>ppt_x</p:attrName>
+                                        </p:attrNameLst>
+                                      </p:cBhvr>
+                                      <p:tavLst>
+                                        <p:tav tm="0">
+                                          <p:val>
+                                            <p:strVal val="#ppt_x"/>
+                                          </p:val>
+                                        </p:tav>
+                                        <p:tav tm="100000">
+                                          <p:val>
+                                            <p:strVal val="#ppt_x"/>
+                                          </p:val>
+                                        </p:tav>
+                                      </p:tavLst>
+                                    </p:anim>
+                                    <p:anim calcmode="lin" valueType="num">
+                                      <p:cBhvr>
+                                        <p:cTn id="16" dur="1000" fill="hold"/>
+                                        <p:tgtEl>
+                                          <p:spTgt spid="3">
+                                            <p:txEl>
+                                              <p:pRg st="1" end="1"/>
+                                            </p:txEl>
+                                          </p:spTgt>
+                                        </p:tgtEl>
+                                        <p:attrNameLst>
+                                          <p:attrName>ppt_y</p:attrName>
+                                        </p:attrNameLst>
+                                      </p:cBhvr>
+                                      <p:tavLst>
+                                        <p:tav tm="0">
+                                          <p:val>
+                                            <p:strVal val="#ppt_y+.1"/>
+                                          </p:val>
+                                        </p:tav>
+                                        <p:tav tm="100000">
+                                          <p:val>
+                                            <p:strVal val="#ppt_y"/>
+                                          </p:val>
+                                        </p:tav>
+                                      </p:tavLst>
+                                    </p:anim>
+                                  </p:childTnLst>
+                                </p:cTn>
+                              </p:par>
+                            </p:childTnLst>
+                          </p:cTn>
+                        </p:par>
+                      </p:childTnLst>
+                    </p:cTn>
+                  </p:par>
+                </p:childTnLst>
+              </p:cTn>
+              <p:prevCondLst>
+                <p:cond evt="onPrev" delay="0">
+                  <p:tgtEl>
+                    <p:sldTgt/>
+                  </p:tgtEl>
+                </p:cond>
+              </p:prevCondLst>
+              <p:nextCondLst>
+                <p:cond evt="onNext" delay="0">
+                  <p:tgtEl>
+                    <p:sldTgt/>
+                  </p:tgtEl>
+                </p:cond>
+              </p:nextCondLst>
+            </p:seq>
+          </p:childTnLst>
+        </p:cTn>
       </p:par>
     </p:tnLst>
   </p:timing>
@@ -4370,14 +4925,7 @@
                 <a:latin typeface="Roboto" panose="02000000000000000000" pitchFamily="2" charset="0"/>
                 <a:ea typeface="Roboto" panose="02000000000000000000" pitchFamily="2" charset="0"/>
               </a:rPr>
-              <a:t>Local </a:t>
-            </a:r>
-            <a:r>
-              <a:rPr lang="en-US" sz="1400" b="1" dirty="0" smtClean="0">
-                <a:latin typeface="Roboto" panose="02000000000000000000" pitchFamily="2" charset="0"/>
-                <a:ea typeface="Roboto" panose="02000000000000000000" pitchFamily="2" charset="0"/>
-              </a:rPr>
-              <a:t>Environment</a:t>
+              <a:t>Local Environment</a:t>
             </a:r>
           </a:p>
           <a:p>
@@ -4455,7 +5003,490 @@
   <p:timing>
     <p:tnLst>
       <p:par>
-        <p:cTn id="1" dur="indefinite" restart="never" nodeType="tmRoot"/>
+        <p:cTn id="1" dur="indefinite" restart="never" nodeType="tmRoot">
+          <p:childTnLst>
+            <p:seq concurrent="1" nextAc="seek">
+              <p:cTn id="2" dur="indefinite" nodeType="mainSeq">
+                <p:childTnLst>
+                  <p:par>
+                    <p:cTn id="3" fill="hold">
+                      <p:stCondLst>
+                        <p:cond delay="indefinite"/>
+                      </p:stCondLst>
+                      <p:childTnLst>
+                        <p:par>
+                          <p:cTn id="4" fill="hold">
+                            <p:stCondLst>
+                              <p:cond delay="0"/>
+                            </p:stCondLst>
+                            <p:childTnLst>
+                              <p:par>
+                                <p:cTn id="5" presetID="42" presetClass="entr" presetSubtype="0" fill="hold" nodeType="clickEffect">
+                                  <p:stCondLst>
+                                    <p:cond delay="0"/>
+                                  </p:stCondLst>
+                                  <p:childTnLst>
+                                    <p:set>
+                                      <p:cBhvr>
+                                        <p:cTn id="6" dur="1" fill="hold">
+                                          <p:stCondLst>
+                                            <p:cond delay="0"/>
+                                          </p:stCondLst>
+                                        </p:cTn>
+                                        <p:tgtEl>
+                                          <p:spTgt spid="3">
+                                            <p:txEl>
+                                              <p:pRg st="0" end="0"/>
+                                            </p:txEl>
+                                          </p:spTgt>
+                                        </p:tgtEl>
+                                        <p:attrNameLst>
+                                          <p:attrName>style.visibility</p:attrName>
+                                        </p:attrNameLst>
+                                      </p:cBhvr>
+                                      <p:to>
+                                        <p:strVal val="visible"/>
+                                      </p:to>
+                                    </p:set>
+                                    <p:animEffect transition="in" filter="fade">
+                                      <p:cBhvr>
+                                        <p:cTn id="7" dur="1000"/>
+                                        <p:tgtEl>
+                                          <p:spTgt spid="3">
+                                            <p:txEl>
+                                              <p:pRg st="0" end="0"/>
+                                            </p:txEl>
+                                          </p:spTgt>
+                                        </p:tgtEl>
+                                      </p:cBhvr>
+                                    </p:animEffect>
+                                    <p:anim calcmode="lin" valueType="num">
+                                      <p:cBhvr>
+                                        <p:cTn id="8" dur="1000" fill="hold"/>
+                                        <p:tgtEl>
+                                          <p:spTgt spid="3">
+                                            <p:txEl>
+                                              <p:pRg st="0" end="0"/>
+                                            </p:txEl>
+                                          </p:spTgt>
+                                        </p:tgtEl>
+                                        <p:attrNameLst>
+                                          <p:attrName>ppt_x</p:attrName>
+                                        </p:attrNameLst>
+                                      </p:cBhvr>
+                                      <p:tavLst>
+                                        <p:tav tm="0">
+                                          <p:val>
+                                            <p:strVal val="#ppt_x"/>
+                                          </p:val>
+                                        </p:tav>
+                                        <p:tav tm="100000">
+                                          <p:val>
+                                            <p:strVal val="#ppt_x"/>
+                                          </p:val>
+                                        </p:tav>
+                                      </p:tavLst>
+                                    </p:anim>
+                                    <p:anim calcmode="lin" valueType="num">
+                                      <p:cBhvr>
+                                        <p:cTn id="9" dur="1000" fill="hold"/>
+                                        <p:tgtEl>
+                                          <p:spTgt spid="3">
+                                            <p:txEl>
+                                              <p:pRg st="0" end="0"/>
+                                            </p:txEl>
+                                          </p:spTgt>
+                                        </p:tgtEl>
+                                        <p:attrNameLst>
+                                          <p:attrName>ppt_y</p:attrName>
+                                        </p:attrNameLst>
+                                      </p:cBhvr>
+                                      <p:tavLst>
+                                        <p:tav tm="0">
+                                          <p:val>
+                                            <p:strVal val="#ppt_y+.1"/>
+                                          </p:val>
+                                        </p:tav>
+                                        <p:tav tm="100000">
+                                          <p:val>
+                                            <p:strVal val="#ppt_y"/>
+                                          </p:val>
+                                        </p:tav>
+                                      </p:tavLst>
+                                    </p:anim>
+                                  </p:childTnLst>
+                                </p:cTn>
+                              </p:par>
+                            </p:childTnLst>
+                          </p:cTn>
+                        </p:par>
+                      </p:childTnLst>
+                    </p:cTn>
+                  </p:par>
+                  <p:par>
+                    <p:cTn id="10" fill="hold">
+                      <p:stCondLst>
+                        <p:cond delay="indefinite"/>
+                      </p:stCondLst>
+                      <p:childTnLst>
+                        <p:par>
+                          <p:cTn id="11" fill="hold">
+                            <p:stCondLst>
+                              <p:cond delay="0"/>
+                            </p:stCondLst>
+                            <p:childTnLst>
+                              <p:par>
+                                <p:cTn id="12" presetID="42" presetClass="entr" presetSubtype="0" fill="hold" nodeType="clickEffect">
+                                  <p:stCondLst>
+                                    <p:cond delay="0"/>
+                                  </p:stCondLst>
+                                  <p:childTnLst>
+                                    <p:set>
+                                      <p:cBhvr>
+                                        <p:cTn id="13" dur="1" fill="hold">
+                                          <p:stCondLst>
+                                            <p:cond delay="0"/>
+                                          </p:stCondLst>
+                                        </p:cTn>
+                                        <p:tgtEl>
+                                          <p:spTgt spid="4">
+                                            <p:txEl>
+                                              <p:pRg st="0" end="0"/>
+                                            </p:txEl>
+                                          </p:spTgt>
+                                        </p:tgtEl>
+                                        <p:attrNameLst>
+                                          <p:attrName>style.visibility</p:attrName>
+                                        </p:attrNameLst>
+                                      </p:cBhvr>
+                                      <p:to>
+                                        <p:strVal val="visible"/>
+                                      </p:to>
+                                    </p:set>
+                                    <p:animEffect transition="in" filter="fade">
+                                      <p:cBhvr>
+                                        <p:cTn id="14" dur="1000"/>
+                                        <p:tgtEl>
+                                          <p:spTgt spid="4">
+                                            <p:txEl>
+                                              <p:pRg st="0" end="0"/>
+                                            </p:txEl>
+                                          </p:spTgt>
+                                        </p:tgtEl>
+                                      </p:cBhvr>
+                                    </p:animEffect>
+                                    <p:anim calcmode="lin" valueType="num">
+                                      <p:cBhvr>
+                                        <p:cTn id="15" dur="1000" fill="hold"/>
+                                        <p:tgtEl>
+                                          <p:spTgt spid="4">
+                                            <p:txEl>
+                                              <p:pRg st="0" end="0"/>
+                                            </p:txEl>
+                                          </p:spTgt>
+                                        </p:tgtEl>
+                                        <p:attrNameLst>
+                                          <p:attrName>ppt_x</p:attrName>
+                                        </p:attrNameLst>
+                                      </p:cBhvr>
+                                      <p:tavLst>
+                                        <p:tav tm="0">
+                                          <p:val>
+                                            <p:strVal val="#ppt_x"/>
+                                          </p:val>
+                                        </p:tav>
+                                        <p:tav tm="100000">
+                                          <p:val>
+                                            <p:strVal val="#ppt_x"/>
+                                          </p:val>
+                                        </p:tav>
+                                      </p:tavLst>
+                                    </p:anim>
+                                    <p:anim calcmode="lin" valueType="num">
+                                      <p:cBhvr>
+                                        <p:cTn id="16" dur="1000" fill="hold"/>
+                                        <p:tgtEl>
+                                          <p:spTgt spid="4">
+                                            <p:txEl>
+                                              <p:pRg st="0" end="0"/>
+                                            </p:txEl>
+                                          </p:spTgt>
+                                        </p:tgtEl>
+                                        <p:attrNameLst>
+                                          <p:attrName>ppt_y</p:attrName>
+                                        </p:attrNameLst>
+                                      </p:cBhvr>
+                                      <p:tavLst>
+                                        <p:tav tm="0">
+                                          <p:val>
+                                            <p:strVal val="#ppt_y+.1"/>
+                                          </p:val>
+                                        </p:tav>
+                                        <p:tav tm="100000">
+                                          <p:val>
+                                            <p:strVal val="#ppt_y"/>
+                                          </p:val>
+                                        </p:tav>
+                                      </p:tavLst>
+                                    </p:anim>
+                                  </p:childTnLst>
+                                </p:cTn>
+                              </p:par>
+                            </p:childTnLst>
+                          </p:cTn>
+                        </p:par>
+                      </p:childTnLst>
+                    </p:cTn>
+                  </p:par>
+                  <p:par>
+                    <p:cTn id="17" fill="hold">
+                      <p:stCondLst>
+                        <p:cond delay="indefinite"/>
+                      </p:stCondLst>
+                      <p:childTnLst>
+                        <p:par>
+                          <p:cTn id="18" fill="hold">
+                            <p:stCondLst>
+                              <p:cond delay="0"/>
+                            </p:stCondLst>
+                            <p:childTnLst>
+                              <p:par>
+                                <p:cTn id="19" presetID="42" presetClass="entr" presetSubtype="0" fill="hold" nodeType="clickEffect">
+                                  <p:stCondLst>
+                                    <p:cond delay="0"/>
+                                  </p:stCondLst>
+                                  <p:childTnLst>
+                                    <p:set>
+                                      <p:cBhvr>
+                                        <p:cTn id="20" dur="1" fill="hold">
+                                          <p:stCondLst>
+                                            <p:cond delay="0"/>
+                                          </p:stCondLst>
+                                        </p:cTn>
+                                        <p:tgtEl>
+                                          <p:spTgt spid="4">
+                                            <p:txEl>
+                                              <p:pRg st="2" end="2"/>
+                                            </p:txEl>
+                                          </p:spTgt>
+                                        </p:tgtEl>
+                                        <p:attrNameLst>
+                                          <p:attrName>style.visibility</p:attrName>
+                                        </p:attrNameLst>
+                                      </p:cBhvr>
+                                      <p:to>
+                                        <p:strVal val="visible"/>
+                                      </p:to>
+                                    </p:set>
+                                    <p:animEffect transition="in" filter="fade">
+                                      <p:cBhvr>
+                                        <p:cTn id="21" dur="1000"/>
+                                        <p:tgtEl>
+                                          <p:spTgt spid="4">
+                                            <p:txEl>
+                                              <p:pRg st="2" end="2"/>
+                                            </p:txEl>
+                                          </p:spTgt>
+                                        </p:tgtEl>
+                                      </p:cBhvr>
+                                    </p:animEffect>
+                                    <p:anim calcmode="lin" valueType="num">
+                                      <p:cBhvr>
+                                        <p:cTn id="22" dur="1000" fill="hold"/>
+                                        <p:tgtEl>
+                                          <p:spTgt spid="4">
+                                            <p:txEl>
+                                              <p:pRg st="2" end="2"/>
+                                            </p:txEl>
+                                          </p:spTgt>
+                                        </p:tgtEl>
+                                        <p:attrNameLst>
+                                          <p:attrName>ppt_x</p:attrName>
+                                        </p:attrNameLst>
+                                      </p:cBhvr>
+                                      <p:tavLst>
+                                        <p:tav tm="0">
+                                          <p:val>
+                                            <p:strVal val="#ppt_x"/>
+                                          </p:val>
+                                        </p:tav>
+                                        <p:tav tm="100000">
+                                          <p:val>
+                                            <p:strVal val="#ppt_x"/>
+                                          </p:val>
+                                        </p:tav>
+                                      </p:tavLst>
+                                    </p:anim>
+                                    <p:anim calcmode="lin" valueType="num">
+                                      <p:cBhvr>
+                                        <p:cTn id="23" dur="1000" fill="hold"/>
+                                        <p:tgtEl>
+                                          <p:spTgt spid="4">
+                                            <p:txEl>
+                                              <p:pRg st="2" end="2"/>
+                                            </p:txEl>
+                                          </p:spTgt>
+                                        </p:tgtEl>
+                                        <p:attrNameLst>
+                                          <p:attrName>ppt_y</p:attrName>
+                                        </p:attrNameLst>
+                                      </p:cBhvr>
+                                      <p:tavLst>
+                                        <p:tav tm="0">
+                                          <p:val>
+                                            <p:strVal val="#ppt_y+.1"/>
+                                          </p:val>
+                                        </p:tav>
+                                        <p:tav tm="100000">
+                                          <p:val>
+                                            <p:strVal val="#ppt_y"/>
+                                          </p:val>
+                                        </p:tav>
+                                      </p:tavLst>
+                                    </p:anim>
+                                  </p:childTnLst>
+                                </p:cTn>
+                              </p:par>
+                            </p:childTnLst>
+                          </p:cTn>
+                        </p:par>
+                      </p:childTnLst>
+                    </p:cTn>
+                  </p:par>
+                  <p:par>
+                    <p:cTn id="24" fill="hold">
+                      <p:stCondLst>
+                        <p:cond delay="indefinite"/>
+                      </p:stCondLst>
+                      <p:childTnLst>
+                        <p:par>
+                          <p:cTn id="25" fill="hold">
+                            <p:stCondLst>
+                              <p:cond delay="0"/>
+                            </p:stCondLst>
+                            <p:childTnLst>
+                              <p:par>
+                                <p:cTn id="26" presetID="42" presetClass="entr" presetSubtype="0" fill="hold" nodeType="clickEffect">
+                                  <p:stCondLst>
+                                    <p:cond delay="0"/>
+                                  </p:stCondLst>
+                                  <p:childTnLst>
+                                    <p:set>
+                                      <p:cBhvr>
+                                        <p:cTn id="27" dur="1" fill="hold">
+                                          <p:stCondLst>
+                                            <p:cond delay="0"/>
+                                          </p:stCondLst>
+                                        </p:cTn>
+                                        <p:tgtEl>
+                                          <p:spTgt spid="4">
+                                            <p:txEl>
+                                              <p:pRg st="3" end="3"/>
+                                            </p:txEl>
+                                          </p:spTgt>
+                                        </p:tgtEl>
+                                        <p:attrNameLst>
+                                          <p:attrName>style.visibility</p:attrName>
+                                        </p:attrNameLst>
+                                      </p:cBhvr>
+                                      <p:to>
+                                        <p:strVal val="visible"/>
+                                      </p:to>
+                                    </p:set>
+                                    <p:animEffect transition="in" filter="fade">
+                                      <p:cBhvr>
+                                        <p:cTn id="28" dur="1000"/>
+                                        <p:tgtEl>
+                                          <p:spTgt spid="4">
+                                            <p:txEl>
+                                              <p:pRg st="3" end="3"/>
+                                            </p:txEl>
+                                          </p:spTgt>
+                                        </p:tgtEl>
+                                      </p:cBhvr>
+                                    </p:animEffect>
+                                    <p:anim calcmode="lin" valueType="num">
+                                      <p:cBhvr>
+                                        <p:cTn id="29" dur="1000" fill="hold"/>
+                                        <p:tgtEl>
+                                          <p:spTgt spid="4">
+                                            <p:txEl>
+                                              <p:pRg st="3" end="3"/>
+                                            </p:txEl>
+                                          </p:spTgt>
+                                        </p:tgtEl>
+                                        <p:attrNameLst>
+                                          <p:attrName>ppt_x</p:attrName>
+                                        </p:attrNameLst>
+                                      </p:cBhvr>
+                                      <p:tavLst>
+                                        <p:tav tm="0">
+                                          <p:val>
+                                            <p:strVal val="#ppt_x"/>
+                                          </p:val>
+                                        </p:tav>
+                                        <p:tav tm="100000">
+                                          <p:val>
+                                            <p:strVal val="#ppt_x"/>
+                                          </p:val>
+                                        </p:tav>
+                                      </p:tavLst>
+                                    </p:anim>
+                                    <p:anim calcmode="lin" valueType="num">
+                                      <p:cBhvr>
+                                        <p:cTn id="30" dur="1000" fill="hold"/>
+                                        <p:tgtEl>
+                                          <p:spTgt spid="4">
+                                            <p:txEl>
+                                              <p:pRg st="3" end="3"/>
+                                            </p:txEl>
+                                          </p:spTgt>
+                                        </p:tgtEl>
+                                        <p:attrNameLst>
+                                          <p:attrName>ppt_y</p:attrName>
+                                        </p:attrNameLst>
+                                      </p:cBhvr>
+                                      <p:tavLst>
+                                        <p:tav tm="0">
+                                          <p:val>
+                                            <p:strVal val="#ppt_y+.1"/>
+                                          </p:val>
+                                        </p:tav>
+                                        <p:tav tm="100000">
+                                          <p:val>
+                                            <p:strVal val="#ppt_y"/>
+                                          </p:val>
+                                        </p:tav>
+                                      </p:tavLst>
+                                    </p:anim>
+                                  </p:childTnLst>
+                                </p:cTn>
+                              </p:par>
+                            </p:childTnLst>
+                          </p:cTn>
+                        </p:par>
+                      </p:childTnLst>
+                    </p:cTn>
+                  </p:par>
+                </p:childTnLst>
+              </p:cTn>
+              <p:prevCondLst>
+                <p:cond evt="onPrev" delay="0">
+                  <p:tgtEl>
+                    <p:sldTgt/>
+                  </p:tgtEl>
+                </p:cond>
+              </p:prevCondLst>
+              <p:nextCondLst>
+                <p:cond evt="onNext" delay="0">
+                  <p:tgtEl>
+                    <p:sldTgt/>
+                  </p:tgtEl>
+                </p:cond>
+              </p:nextCondLst>
+            </p:seq>
+          </p:childTnLst>
+        </p:cTn>
       </p:par>
     </p:tnLst>
   </p:timing>
@@ -4567,32 +5598,11 @@
               <a:buChar char="ü"/>
             </a:pPr>
             <a:r>
-              <a:rPr lang="en-US" sz="1200" dirty="0" smtClean="0">
-                <a:latin typeface="Roboto" panose="02000000000000000000" pitchFamily="2" charset="0"/>
-                <a:ea typeface="Roboto" panose="02000000000000000000" pitchFamily="2" charset="0"/>
-              </a:rPr>
-              <a:t>First </a:t>
-            </a:r>
-            <a:r>
               <a:rPr lang="en-US" sz="1200" dirty="0">
                 <a:latin typeface="Roboto" panose="02000000000000000000" pitchFamily="2" charset="0"/>
                 <a:ea typeface="Roboto" panose="02000000000000000000" pitchFamily="2" charset="0"/>
               </a:rPr>
-              <a:t>appeared: October 10, 2011; </a:t>
-            </a:r>
-            <a:r>
-              <a:rPr lang="en-US" sz="1200" dirty="0" smtClean="0">
-                <a:latin typeface="Roboto" panose="02000000000000000000" pitchFamily="2" charset="0"/>
-                <a:ea typeface="Roboto" panose="02000000000000000000" pitchFamily="2" charset="0"/>
-              </a:rPr>
-              <a:t>11 </a:t>
-            </a:r>
-            <a:r>
-              <a:rPr lang="en-US" sz="1200" dirty="0">
-                <a:latin typeface="Roboto" panose="02000000000000000000" pitchFamily="2" charset="0"/>
-                <a:ea typeface="Roboto" panose="02000000000000000000" pitchFamily="2" charset="0"/>
-              </a:rPr>
-              <a:t>years ago</a:t>
+              <a:t>First appeared: October 10, 2011; 11 years ago</a:t>
             </a:r>
           </a:p>
           <a:p>
@@ -4687,7 +5697,490 @@
   <p:timing>
     <p:tnLst>
       <p:par>
-        <p:cTn id="1" dur="indefinite" restart="never" nodeType="tmRoot"/>
+        <p:cTn id="1" dur="indefinite" restart="never" nodeType="tmRoot">
+          <p:childTnLst>
+            <p:seq concurrent="1" nextAc="seek">
+              <p:cTn id="2" dur="indefinite" nodeType="mainSeq">
+                <p:childTnLst>
+                  <p:par>
+                    <p:cTn id="3" fill="hold">
+                      <p:stCondLst>
+                        <p:cond delay="indefinite"/>
+                      </p:stCondLst>
+                      <p:childTnLst>
+                        <p:par>
+                          <p:cTn id="4" fill="hold">
+                            <p:stCondLst>
+                              <p:cond delay="0"/>
+                            </p:stCondLst>
+                            <p:childTnLst>
+                              <p:par>
+                                <p:cTn id="5" presetID="42" presetClass="entr" presetSubtype="0" fill="hold" nodeType="clickEffect">
+                                  <p:stCondLst>
+                                    <p:cond delay="0"/>
+                                  </p:stCondLst>
+                                  <p:childTnLst>
+                                    <p:set>
+                                      <p:cBhvr>
+                                        <p:cTn id="6" dur="1" fill="hold">
+                                          <p:stCondLst>
+                                            <p:cond delay="0"/>
+                                          </p:stCondLst>
+                                        </p:cTn>
+                                        <p:tgtEl>
+                                          <p:spTgt spid="3">
+                                            <p:txEl>
+                                              <p:pRg st="0" end="0"/>
+                                            </p:txEl>
+                                          </p:spTgt>
+                                        </p:tgtEl>
+                                        <p:attrNameLst>
+                                          <p:attrName>style.visibility</p:attrName>
+                                        </p:attrNameLst>
+                                      </p:cBhvr>
+                                      <p:to>
+                                        <p:strVal val="visible"/>
+                                      </p:to>
+                                    </p:set>
+                                    <p:animEffect transition="in" filter="fade">
+                                      <p:cBhvr>
+                                        <p:cTn id="7" dur="1000"/>
+                                        <p:tgtEl>
+                                          <p:spTgt spid="3">
+                                            <p:txEl>
+                                              <p:pRg st="0" end="0"/>
+                                            </p:txEl>
+                                          </p:spTgt>
+                                        </p:tgtEl>
+                                      </p:cBhvr>
+                                    </p:animEffect>
+                                    <p:anim calcmode="lin" valueType="num">
+                                      <p:cBhvr>
+                                        <p:cTn id="8" dur="1000" fill="hold"/>
+                                        <p:tgtEl>
+                                          <p:spTgt spid="3">
+                                            <p:txEl>
+                                              <p:pRg st="0" end="0"/>
+                                            </p:txEl>
+                                          </p:spTgt>
+                                        </p:tgtEl>
+                                        <p:attrNameLst>
+                                          <p:attrName>ppt_x</p:attrName>
+                                        </p:attrNameLst>
+                                      </p:cBhvr>
+                                      <p:tavLst>
+                                        <p:tav tm="0">
+                                          <p:val>
+                                            <p:strVal val="#ppt_x"/>
+                                          </p:val>
+                                        </p:tav>
+                                        <p:tav tm="100000">
+                                          <p:val>
+                                            <p:strVal val="#ppt_x"/>
+                                          </p:val>
+                                        </p:tav>
+                                      </p:tavLst>
+                                    </p:anim>
+                                    <p:anim calcmode="lin" valueType="num">
+                                      <p:cBhvr>
+                                        <p:cTn id="9" dur="1000" fill="hold"/>
+                                        <p:tgtEl>
+                                          <p:spTgt spid="3">
+                                            <p:txEl>
+                                              <p:pRg st="0" end="0"/>
+                                            </p:txEl>
+                                          </p:spTgt>
+                                        </p:tgtEl>
+                                        <p:attrNameLst>
+                                          <p:attrName>ppt_y</p:attrName>
+                                        </p:attrNameLst>
+                                      </p:cBhvr>
+                                      <p:tavLst>
+                                        <p:tav tm="0">
+                                          <p:val>
+                                            <p:strVal val="#ppt_y+.1"/>
+                                          </p:val>
+                                        </p:tav>
+                                        <p:tav tm="100000">
+                                          <p:val>
+                                            <p:strVal val="#ppt_y"/>
+                                          </p:val>
+                                        </p:tav>
+                                      </p:tavLst>
+                                    </p:anim>
+                                  </p:childTnLst>
+                                </p:cTn>
+                              </p:par>
+                            </p:childTnLst>
+                          </p:cTn>
+                        </p:par>
+                      </p:childTnLst>
+                    </p:cTn>
+                  </p:par>
+                  <p:par>
+                    <p:cTn id="10" fill="hold">
+                      <p:stCondLst>
+                        <p:cond delay="indefinite"/>
+                      </p:stCondLst>
+                      <p:childTnLst>
+                        <p:par>
+                          <p:cTn id="11" fill="hold">
+                            <p:stCondLst>
+                              <p:cond delay="0"/>
+                            </p:stCondLst>
+                            <p:childTnLst>
+                              <p:par>
+                                <p:cTn id="12" presetID="42" presetClass="entr" presetSubtype="0" fill="hold" nodeType="clickEffect">
+                                  <p:stCondLst>
+                                    <p:cond delay="0"/>
+                                  </p:stCondLst>
+                                  <p:childTnLst>
+                                    <p:set>
+                                      <p:cBhvr>
+                                        <p:cTn id="13" dur="1" fill="hold">
+                                          <p:stCondLst>
+                                            <p:cond delay="0"/>
+                                          </p:stCondLst>
+                                        </p:cTn>
+                                        <p:tgtEl>
+                                          <p:spTgt spid="3">
+                                            <p:txEl>
+                                              <p:pRg st="1" end="1"/>
+                                            </p:txEl>
+                                          </p:spTgt>
+                                        </p:tgtEl>
+                                        <p:attrNameLst>
+                                          <p:attrName>style.visibility</p:attrName>
+                                        </p:attrNameLst>
+                                      </p:cBhvr>
+                                      <p:to>
+                                        <p:strVal val="visible"/>
+                                      </p:to>
+                                    </p:set>
+                                    <p:animEffect transition="in" filter="fade">
+                                      <p:cBhvr>
+                                        <p:cTn id="14" dur="1000"/>
+                                        <p:tgtEl>
+                                          <p:spTgt spid="3">
+                                            <p:txEl>
+                                              <p:pRg st="1" end="1"/>
+                                            </p:txEl>
+                                          </p:spTgt>
+                                        </p:tgtEl>
+                                      </p:cBhvr>
+                                    </p:animEffect>
+                                    <p:anim calcmode="lin" valueType="num">
+                                      <p:cBhvr>
+                                        <p:cTn id="15" dur="1000" fill="hold"/>
+                                        <p:tgtEl>
+                                          <p:spTgt spid="3">
+                                            <p:txEl>
+                                              <p:pRg st="1" end="1"/>
+                                            </p:txEl>
+                                          </p:spTgt>
+                                        </p:tgtEl>
+                                        <p:attrNameLst>
+                                          <p:attrName>ppt_x</p:attrName>
+                                        </p:attrNameLst>
+                                      </p:cBhvr>
+                                      <p:tavLst>
+                                        <p:tav tm="0">
+                                          <p:val>
+                                            <p:strVal val="#ppt_x"/>
+                                          </p:val>
+                                        </p:tav>
+                                        <p:tav tm="100000">
+                                          <p:val>
+                                            <p:strVal val="#ppt_x"/>
+                                          </p:val>
+                                        </p:tav>
+                                      </p:tavLst>
+                                    </p:anim>
+                                    <p:anim calcmode="lin" valueType="num">
+                                      <p:cBhvr>
+                                        <p:cTn id="16" dur="1000" fill="hold"/>
+                                        <p:tgtEl>
+                                          <p:spTgt spid="3">
+                                            <p:txEl>
+                                              <p:pRg st="1" end="1"/>
+                                            </p:txEl>
+                                          </p:spTgt>
+                                        </p:tgtEl>
+                                        <p:attrNameLst>
+                                          <p:attrName>ppt_y</p:attrName>
+                                        </p:attrNameLst>
+                                      </p:cBhvr>
+                                      <p:tavLst>
+                                        <p:tav tm="0">
+                                          <p:val>
+                                            <p:strVal val="#ppt_y+.1"/>
+                                          </p:val>
+                                        </p:tav>
+                                        <p:tav tm="100000">
+                                          <p:val>
+                                            <p:strVal val="#ppt_y"/>
+                                          </p:val>
+                                        </p:tav>
+                                      </p:tavLst>
+                                    </p:anim>
+                                  </p:childTnLst>
+                                </p:cTn>
+                              </p:par>
+                            </p:childTnLst>
+                          </p:cTn>
+                        </p:par>
+                      </p:childTnLst>
+                    </p:cTn>
+                  </p:par>
+                  <p:par>
+                    <p:cTn id="17" fill="hold">
+                      <p:stCondLst>
+                        <p:cond delay="indefinite"/>
+                      </p:stCondLst>
+                      <p:childTnLst>
+                        <p:par>
+                          <p:cTn id="18" fill="hold">
+                            <p:stCondLst>
+                              <p:cond delay="0"/>
+                            </p:stCondLst>
+                            <p:childTnLst>
+                              <p:par>
+                                <p:cTn id="19" presetID="42" presetClass="entr" presetSubtype="0" fill="hold" nodeType="clickEffect">
+                                  <p:stCondLst>
+                                    <p:cond delay="0"/>
+                                  </p:stCondLst>
+                                  <p:childTnLst>
+                                    <p:set>
+                                      <p:cBhvr>
+                                        <p:cTn id="20" dur="1" fill="hold">
+                                          <p:stCondLst>
+                                            <p:cond delay="0"/>
+                                          </p:stCondLst>
+                                        </p:cTn>
+                                        <p:tgtEl>
+                                          <p:spTgt spid="3">
+                                            <p:txEl>
+                                              <p:pRg st="2" end="2"/>
+                                            </p:txEl>
+                                          </p:spTgt>
+                                        </p:tgtEl>
+                                        <p:attrNameLst>
+                                          <p:attrName>style.visibility</p:attrName>
+                                        </p:attrNameLst>
+                                      </p:cBhvr>
+                                      <p:to>
+                                        <p:strVal val="visible"/>
+                                      </p:to>
+                                    </p:set>
+                                    <p:animEffect transition="in" filter="fade">
+                                      <p:cBhvr>
+                                        <p:cTn id="21" dur="1000"/>
+                                        <p:tgtEl>
+                                          <p:spTgt spid="3">
+                                            <p:txEl>
+                                              <p:pRg st="2" end="2"/>
+                                            </p:txEl>
+                                          </p:spTgt>
+                                        </p:tgtEl>
+                                      </p:cBhvr>
+                                    </p:animEffect>
+                                    <p:anim calcmode="lin" valueType="num">
+                                      <p:cBhvr>
+                                        <p:cTn id="22" dur="1000" fill="hold"/>
+                                        <p:tgtEl>
+                                          <p:spTgt spid="3">
+                                            <p:txEl>
+                                              <p:pRg st="2" end="2"/>
+                                            </p:txEl>
+                                          </p:spTgt>
+                                        </p:tgtEl>
+                                        <p:attrNameLst>
+                                          <p:attrName>ppt_x</p:attrName>
+                                        </p:attrNameLst>
+                                      </p:cBhvr>
+                                      <p:tavLst>
+                                        <p:tav tm="0">
+                                          <p:val>
+                                            <p:strVal val="#ppt_x"/>
+                                          </p:val>
+                                        </p:tav>
+                                        <p:tav tm="100000">
+                                          <p:val>
+                                            <p:strVal val="#ppt_x"/>
+                                          </p:val>
+                                        </p:tav>
+                                      </p:tavLst>
+                                    </p:anim>
+                                    <p:anim calcmode="lin" valueType="num">
+                                      <p:cBhvr>
+                                        <p:cTn id="23" dur="1000" fill="hold"/>
+                                        <p:tgtEl>
+                                          <p:spTgt spid="3">
+                                            <p:txEl>
+                                              <p:pRg st="2" end="2"/>
+                                            </p:txEl>
+                                          </p:spTgt>
+                                        </p:tgtEl>
+                                        <p:attrNameLst>
+                                          <p:attrName>ppt_y</p:attrName>
+                                        </p:attrNameLst>
+                                      </p:cBhvr>
+                                      <p:tavLst>
+                                        <p:tav tm="0">
+                                          <p:val>
+                                            <p:strVal val="#ppt_y+.1"/>
+                                          </p:val>
+                                        </p:tav>
+                                        <p:tav tm="100000">
+                                          <p:val>
+                                            <p:strVal val="#ppt_y"/>
+                                          </p:val>
+                                        </p:tav>
+                                      </p:tavLst>
+                                    </p:anim>
+                                  </p:childTnLst>
+                                </p:cTn>
+                              </p:par>
+                            </p:childTnLst>
+                          </p:cTn>
+                        </p:par>
+                      </p:childTnLst>
+                    </p:cTn>
+                  </p:par>
+                  <p:par>
+                    <p:cTn id="24" fill="hold">
+                      <p:stCondLst>
+                        <p:cond delay="indefinite"/>
+                      </p:stCondLst>
+                      <p:childTnLst>
+                        <p:par>
+                          <p:cTn id="25" fill="hold">
+                            <p:stCondLst>
+                              <p:cond delay="0"/>
+                            </p:stCondLst>
+                            <p:childTnLst>
+                              <p:par>
+                                <p:cTn id="26" presetID="42" presetClass="entr" presetSubtype="0" fill="hold" nodeType="clickEffect">
+                                  <p:stCondLst>
+                                    <p:cond delay="0"/>
+                                  </p:stCondLst>
+                                  <p:childTnLst>
+                                    <p:set>
+                                      <p:cBhvr>
+                                        <p:cTn id="27" dur="1" fill="hold">
+                                          <p:stCondLst>
+                                            <p:cond delay="0"/>
+                                          </p:stCondLst>
+                                        </p:cTn>
+                                        <p:tgtEl>
+                                          <p:spTgt spid="3">
+                                            <p:txEl>
+                                              <p:pRg st="3" end="3"/>
+                                            </p:txEl>
+                                          </p:spTgt>
+                                        </p:tgtEl>
+                                        <p:attrNameLst>
+                                          <p:attrName>style.visibility</p:attrName>
+                                        </p:attrNameLst>
+                                      </p:cBhvr>
+                                      <p:to>
+                                        <p:strVal val="visible"/>
+                                      </p:to>
+                                    </p:set>
+                                    <p:animEffect transition="in" filter="fade">
+                                      <p:cBhvr>
+                                        <p:cTn id="28" dur="1000"/>
+                                        <p:tgtEl>
+                                          <p:spTgt spid="3">
+                                            <p:txEl>
+                                              <p:pRg st="3" end="3"/>
+                                            </p:txEl>
+                                          </p:spTgt>
+                                        </p:tgtEl>
+                                      </p:cBhvr>
+                                    </p:animEffect>
+                                    <p:anim calcmode="lin" valueType="num">
+                                      <p:cBhvr>
+                                        <p:cTn id="29" dur="1000" fill="hold"/>
+                                        <p:tgtEl>
+                                          <p:spTgt spid="3">
+                                            <p:txEl>
+                                              <p:pRg st="3" end="3"/>
+                                            </p:txEl>
+                                          </p:spTgt>
+                                        </p:tgtEl>
+                                        <p:attrNameLst>
+                                          <p:attrName>ppt_x</p:attrName>
+                                        </p:attrNameLst>
+                                      </p:cBhvr>
+                                      <p:tavLst>
+                                        <p:tav tm="0">
+                                          <p:val>
+                                            <p:strVal val="#ppt_x"/>
+                                          </p:val>
+                                        </p:tav>
+                                        <p:tav tm="100000">
+                                          <p:val>
+                                            <p:strVal val="#ppt_x"/>
+                                          </p:val>
+                                        </p:tav>
+                                      </p:tavLst>
+                                    </p:anim>
+                                    <p:anim calcmode="lin" valueType="num">
+                                      <p:cBhvr>
+                                        <p:cTn id="30" dur="1000" fill="hold"/>
+                                        <p:tgtEl>
+                                          <p:spTgt spid="3">
+                                            <p:txEl>
+                                              <p:pRg st="3" end="3"/>
+                                            </p:txEl>
+                                          </p:spTgt>
+                                        </p:tgtEl>
+                                        <p:attrNameLst>
+                                          <p:attrName>ppt_y</p:attrName>
+                                        </p:attrNameLst>
+                                      </p:cBhvr>
+                                      <p:tavLst>
+                                        <p:tav tm="0">
+                                          <p:val>
+                                            <p:strVal val="#ppt_y+.1"/>
+                                          </p:val>
+                                        </p:tav>
+                                        <p:tav tm="100000">
+                                          <p:val>
+                                            <p:strVal val="#ppt_y"/>
+                                          </p:val>
+                                        </p:tav>
+                                      </p:tavLst>
+                                    </p:anim>
+                                  </p:childTnLst>
+                                </p:cTn>
+                              </p:par>
+                            </p:childTnLst>
+                          </p:cTn>
+                        </p:par>
+                      </p:childTnLst>
+                    </p:cTn>
+                  </p:par>
+                </p:childTnLst>
+              </p:cTn>
+              <p:prevCondLst>
+                <p:cond evt="onPrev" delay="0">
+                  <p:tgtEl>
+                    <p:sldTgt/>
+                  </p:tgtEl>
+                </p:cond>
+              </p:prevCondLst>
+              <p:nextCondLst>
+                <p:cond evt="onNext" delay="0">
+                  <p:tgtEl>
+                    <p:sldTgt/>
+                  </p:tgtEl>
+                </p:cond>
+              </p:nextCondLst>
+            </p:seq>
+          </p:childTnLst>
+        </p:cTn>
       </p:par>
     </p:tnLst>
   </p:timing>
@@ -4734,7 +6227,7 @@
           <a:lstStyle/>
           <a:p>
             <a:r>
-              <a:rPr lang="en-US" sz="2000" b="1" dirty="0" smtClean="0">
+              <a:rPr lang="en-US" sz="2000" b="1" dirty="0">
                 <a:solidFill>
                   <a:srgbClr val="0070C0"/>
                 </a:solidFill>
@@ -4743,13 +6236,6 @@
               </a:rPr>
               <a:t>My First Dart Program </a:t>
             </a:r>
-            <a:endParaRPr lang="en-US" sz="2000" b="1" dirty="0">
-              <a:solidFill>
-                <a:srgbClr val="0070C0"/>
-              </a:solidFill>
-              <a:latin typeface="Roboto" panose="02000000000000000000" pitchFamily="2" charset="0"/>
-              <a:ea typeface="Roboto" panose="02000000000000000000" pitchFamily="2" charset="0"/>
-            </a:endParaRPr>
           </a:p>
         </p:txBody>
       </p:sp>
@@ -4888,9 +6374,225 @@
   <p:timing>
     <p:tnLst>
       <p:par>
-        <p:cTn id="1" dur="indefinite" restart="never" nodeType="tmRoot"/>
+        <p:cTn id="1" dur="indefinite" restart="never" nodeType="tmRoot">
+          <p:childTnLst>
+            <p:seq concurrent="1" nextAc="seek">
+              <p:cTn id="2" dur="indefinite" nodeType="mainSeq">
+                <p:childTnLst>
+                  <p:par>
+                    <p:cTn id="3" fill="hold">
+                      <p:stCondLst>
+                        <p:cond delay="indefinite"/>
+                      </p:stCondLst>
+                      <p:childTnLst>
+                        <p:par>
+                          <p:cTn id="4" fill="hold">
+                            <p:stCondLst>
+                              <p:cond delay="0"/>
+                            </p:stCondLst>
+                            <p:childTnLst>
+                              <p:par>
+                                <p:cTn id="5" presetID="42" presetClass="entr" presetSubtype="0" fill="hold" nodeType="clickEffect">
+                                  <p:stCondLst>
+                                    <p:cond delay="0"/>
+                                  </p:stCondLst>
+                                  <p:childTnLst>
+                                    <p:set>
+                                      <p:cBhvr>
+                                        <p:cTn id="6" dur="1" fill="hold">
+                                          <p:stCondLst>
+                                            <p:cond delay="0"/>
+                                          </p:stCondLst>
+                                        </p:cTn>
+                                        <p:tgtEl>
+                                          <p:spTgt spid="3074"/>
+                                        </p:tgtEl>
+                                        <p:attrNameLst>
+                                          <p:attrName>style.visibility</p:attrName>
+                                        </p:attrNameLst>
+                                      </p:cBhvr>
+                                      <p:to>
+                                        <p:strVal val="visible"/>
+                                      </p:to>
+                                    </p:set>
+                                    <p:animEffect transition="in" filter="fade">
+                                      <p:cBhvr>
+                                        <p:cTn id="7" dur="1000"/>
+                                        <p:tgtEl>
+                                          <p:spTgt spid="3074"/>
+                                        </p:tgtEl>
+                                      </p:cBhvr>
+                                    </p:animEffect>
+                                    <p:anim calcmode="lin" valueType="num">
+                                      <p:cBhvr>
+                                        <p:cTn id="8" dur="1000" fill="hold"/>
+                                        <p:tgtEl>
+                                          <p:spTgt spid="3074"/>
+                                        </p:tgtEl>
+                                        <p:attrNameLst>
+                                          <p:attrName>ppt_x</p:attrName>
+                                        </p:attrNameLst>
+                                      </p:cBhvr>
+                                      <p:tavLst>
+                                        <p:tav tm="0">
+                                          <p:val>
+                                            <p:strVal val="#ppt_x"/>
+                                          </p:val>
+                                        </p:tav>
+                                        <p:tav tm="100000">
+                                          <p:val>
+                                            <p:strVal val="#ppt_x"/>
+                                          </p:val>
+                                        </p:tav>
+                                      </p:tavLst>
+                                    </p:anim>
+                                    <p:anim calcmode="lin" valueType="num">
+                                      <p:cBhvr>
+                                        <p:cTn id="9" dur="1000" fill="hold"/>
+                                        <p:tgtEl>
+                                          <p:spTgt spid="3074"/>
+                                        </p:tgtEl>
+                                        <p:attrNameLst>
+                                          <p:attrName>ppt_y</p:attrName>
+                                        </p:attrNameLst>
+                                      </p:cBhvr>
+                                      <p:tavLst>
+                                        <p:tav tm="0">
+                                          <p:val>
+                                            <p:strVal val="#ppt_y+.1"/>
+                                          </p:val>
+                                        </p:tav>
+                                        <p:tav tm="100000">
+                                          <p:val>
+                                            <p:strVal val="#ppt_y"/>
+                                          </p:val>
+                                        </p:tav>
+                                      </p:tavLst>
+                                    </p:anim>
+                                  </p:childTnLst>
+                                </p:cTn>
+                              </p:par>
+                            </p:childTnLst>
+                          </p:cTn>
+                        </p:par>
+                      </p:childTnLst>
+                    </p:cTn>
+                  </p:par>
+                  <p:par>
+                    <p:cTn id="10" fill="hold">
+                      <p:stCondLst>
+                        <p:cond delay="indefinite"/>
+                      </p:stCondLst>
+                      <p:childTnLst>
+                        <p:par>
+                          <p:cTn id="11" fill="hold">
+                            <p:stCondLst>
+                              <p:cond delay="0"/>
+                            </p:stCondLst>
+                            <p:childTnLst>
+                              <p:par>
+                                <p:cTn id="12" presetID="2" presetClass="entr" presetSubtype="4" fill="hold" grpId="0" nodeType="clickEffect">
+                                  <p:stCondLst>
+                                    <p:cond delay="0"/>
+                                  </p:stCondLst>
+                                  <p:childTnLst>
+                                    <p:set>
+                                      <p:cBhvr>
+                                        <p:cTn id="13" dur="1" fill="hold">
+                                          <p:stCondLst>
+                                            <p:cond delay="0"/>
+                                          </p:stCondLst>
+                                        </p:cTn>
+                                        <p:tgtEl>
+                                          <p:spTgt spid="3"/>
+                                        </p:tgtEl>
+                                        <p:attrNameLst>
+                                          <p:attrName>style.visibility</p:attrName>
+                                        </p:attrNameLst>
+                                      </p:cBhvr>
+                                      <p:to>
+                                        <p:strVal val="visible"/>
+                                      </p:to>
+                                    </p:set>
+                                    <p:anim calcmode="lin" valueType="num">
+                                      <p:cBhvr additive="base">
+                                        <p:cTn id="14" dur="500" fill="hold"/>
+                                        <p:tgtEl>
+                                          <p:spTgt spid="3"/>
+                                        </p:tgtEl>
+                                        <p:attrNameLst>
+                                          <p:attrName>ppt_x</p:attrName>
+                                        </p:attrNameLst>
+                                      </p:cBhvr>
+                                      <p:tavLst>
+                                        <p:tav tm="0">
+                                          <p:val>
+                                            <p:strVal val="#ppt_x"/>
+                                          </p:val>
+                                        </p:tav>
+                                        <p:tav tm="100000">
+                                          <p:val>
+                                            <p:strVal val="#ppt_x"/>
+                                          </p:val>
+                                        </p:tav>
+                                      </p:tavLst>
+                                    </p:anim>
+                                    <p:anim calcmode="lin" valueType="num">
+                                      <p:cBhvr additive="base">
+                                        <p:cTn id="15" dur="500" fill="hold"/>
+                                        <p:tgtEl>
+                                          <p:spTgt spid="3"/>
+                                        </p:tgtEl>
+                                        <p:attrNameLst>
+                                          <p:attrName>ppt_y</p:attrName>
+                                        </p:attrNameLst>
+                                      </p:cBhvr>
+                                      <p:tavLst>
+                                        <p:tav tm="0">
+                                          <p:val>
+                                            <p:strVal val="1+#ppt_h/2"/>
+                                          </p:val>
+                                        </p:tav>
+                                        <p:tav tm="100000">
+                                          <p:val>
+                                            <p:strVal val="#ppt_y"/>
+                                          </p:val>
+                                        </p:tav>
+                                      </p:tavLst>
+                                    </p:anim>
+                                  </p:childTnLst>
+                                </p:cTn>
+                              </p:par>
+                            </p:childTnLst>
+                          </p:cTn>
+                        </p:par>
+                      </p:childTnLst>
+                    </p:cTn>
+                  </p:par>
+                </p:childTnLst>
+              </p:cTn>
+              <p:prevCondLst>
+                <p:cond evt="onPrev" delay="0">
+                  <p:tgtEl>
+                    <p:sldTgt/>
+                  </p:tgtEl>
+                </p:cond>
+              </p:prevCondLst>
+              <p:nextCondLst>
+                <p:cond evt="onNext" delay="0">
+                  <p:tgtEl>
+                    <p:sldTgt/>
+                  </p:tgtEl>
+                </p:cond>
+              </p:nextCondLst>
+            </p:seq>
+          </p:childTnLst>
+        </p:cTn>
       </p:par>
     </p:tnLst>
+    <p:bldLst>
+      <p:bldP spid="3" grpId="0"/>
+    </p:bldLst>
   </p:timing>
 </p:sld>
 </file>
@@ -4998,13 +6700,6 @@
   <p:clrMapOvr>
     <a:masterClrMapping/>
   </p:clrMapOvr>
-  <p:timing>
-    <p:tnLst>
-      <p:par>
-        <p:cTn id="1" dur="indefinite" restart="never" nodeType="tmRoot"/>
-      </p:par>
-    </p:tnLst>
-  </p:timing>
 </p:sld>
 </file>
 
@@ -5055,25 +6750,8 @@
                 <a:latin typeface="Roboto" panose="02000000000000000000" pitchFamily="2" charset="0"/>
                 <a:ea typeface="Roboto" panose="02000000000000000000" pitchFamily="2" charset="0"/>
               </a:rPr>
-              <a:t>Dart In VS </a:t>
-            </a:r>
-            <a:r>
-              <a:rPr lang="en-US" sz="2000" b="1" dirty="0" smtClean="0">
-                <a:solidFill>
-                  <a:srgbClr val="0070C0"/>
-                </a:solidFill>
-                <a:latin typeface="Roboto" panose="02000000000000000000" pitchFamily="2" charset="0"/>
-                <a:ea typeface="Roboto" panose="02000000000000000000" pitchFamily="2" charset="0"/>
-              </a:rPr>
-              <a:t>CODE Extensions</a:t>
-            </a:r>
-            <a:endParaRPr lang="en-US" sz="2000" b="1" dirty="0">
-              <a:solidFill>
-                <a:srgbClr val="0070C0"/>
-              </a:solidFill>
-              <a:latin typeface="Roboto" panose="02000000000000000000" pitchFamily="2" charset="0"/>
-              <a:ea typeface="Roboto" panose="02000000000000000000" pitchFamily="2" charset="0"/>
-            </a:endParaRPr>
+              <a:t>Dart In VS CODE Extensions</a:t>
+            </a:r>
           </a:p>
         </p:txBody>
       </p:sp>
@@ -5100,16 +6778,12 @@
           <a:lstStyle/>
           <a:p>
             <a:r>
-              <a:rPr lang="en-US" sz="1400" b="1" dirty="0" smtClean="0">
+              <a:rPr lang="en-US" sz="1400" b="1" dirty="0">
                 <a:latin typeface="Roboto" panose="02000000000000000000" pitchFamily="2" charset="0"/>
                 <a:ea typeface="Roboto" panose="02000000000000000000" pitchFamily="2" charset="0"/>
               </a:rPr>
               <a:t>Search Google: </a:t>
             </a:r>
-            <a:endParaRPr lang="en-US" sz="1400" b="1" dirty="0">
-              <a:latin typeface="Roboto" panose="02000000000000000000" pitchFamily="2" charset="0"/>
-              <a:ea typeface="Roboto" panose="02000000000000000000" pitchFamily="2" charset="0"/>
-            </a:endParaRPr>
           </a:p>
           <a:p>
             <a:pPr marL="285750" indent="-285750">
@@ -5117,25 +6791,11 @@
               <a:buChar char="ü"/>
             </a:pPr>
             <a:r>
-              <a:rPr lang="en-US" sz="1400" dirty="0" smtClean="0">
-                <a:latin typeface="Roboto" panose="02000000000000000000" pitchFamily="2" charset="0"/>
-                <a:ea typeface="Roboto" panose="02000000000000000000" pitchFamily="2" charset="0"/>
-              </a:rPr>
-              <a:t>VS </a:t>
-            </a:r>
-            <a:r>
               <a:rPr lang="en-US" sz="1400" dirty="0">
                 <a:latin typeface="Roboto" panose="02000000000000000000" pitchFamily="2" charset="0"/>
                 <a:ea typeface="Roboto" panose="02000000000000000000" pitchFamily="2" charset="0"/>
               </a:rPr>
-              <a:t>code dart </a:t>
-            </a:r>
-            <a:r>
-              <a:rPr lang="en-US" sz="1400" dirty="0" smtClean="0">
-                <a:latin typeface="Roboto" panose="02000000000000000000" pitchFamily="2" charset="0"/>
-                <a:ea typeface="Roboto" panose="02000000000000000000" pitchFamily="2" charset="0"/>
-              </a:rPr>
-              <a:t>extension</a:t>
+              <a:t>VS code dart extension</a:t>
             </a:r>
           </a:p>
           <a:p>
@@ -5144,7 +6804,7 @@
               <a:buChar char="ü"/>
             </a:pPr>
             <a:r>
-              <a:rPr lang="en-US" sz="1400" dirty="0" smtClean="0">
+              <a:rPr lang="en-US" sz="1400" dirty="0">
                 <a:latin typeface="Roboto" panose="02000000000000000000" pitchFamily="2" charset="0"/>
                 <a:ea typeface="Roboto" panose="02000000000000000000" pitchFamily="2" charset="0"/>
               </a:rPr>
@@ -5157,16 +6817,12 @@
               <a:buChar char="ü"/>
             </a:pPr>
             <a:r>
-              <a:rPr lang="en-US" sz="1400" dirty="0" smtClean="0">
+              <a:rPr lang="en-US" sz="1400" dirty="0">
                 <a:latin typeface="Roboto" panose="02000000000000000000" pitchFamily="2" charset="0"/>
                 <a:ea typeface="Roboto" panose="02000000000000000000" pitchFamily="2" charset="0"/>
               </a:rPr>
               <a:t>Best VS Code Extensions For Flutter </a:t>
             </a:r>
-            <a:endParaRPr lang="en-US" sz="1400" dirty="0">
-              <a:latin typeface="Roboto" panose="02000000000000000000" pitchFamily="2" charset="0"/>
-              <a:ea typeface="Roboto" panose="02000000000000000000" pitchFamily="2" charset="0"/>
-            </a:endParaRPr>
           </a:p>
           <a:p>
             <a:endParaRPr lang="en-US" dirty="0"/>
@@ -5196,16 +6852,12 @@
           <a:lstStyle/>
           <a:p>
             <a:r>
-              <a:rPr lang="en-US" sz="1400" b="1" dirty="0" smtClean="0">
+              <a:rPr lang="en-US" sz="1400" b="1" dirty="0">
                 <a:latin typeface="Roboto" panose="02000000000000000000" pitchFamily="2" charset="0"/>
                 <a:ea typeface="Roboto" panose="02000000000000000000" pitchFamily="2" charset="0"/>
               </a:rPr>
               <a:t>Search YouTube: </a:t>
             </a:r>
-            <a:endParaRPr lang="en-US" sz="1400" b="1" dirty="0">
-              <a:latin typeface="Roboto" panose="02000000000000000000" pitchFamily="2" charset="0"/>
-              <a:ea typeface="Roboto" panose="02000000000000000000" pitchFamily="2" charset="0"/>
-            </a:endParaRPr>
           </a:p>
           <a:p>
             <a:pPr marL="285750" indent="-285750">
@@ -5213,16 +6865,12 @@
               <a:buChar char="ü"/>
             </a:pPr>
             <a:r>
-              <a:rPr lang="en-US" sz="1400" dirty="0" smtClean="0">
+              <a:rPr lang="en-US" sz="1400" dirty="0">
                 <a:latin typeface="Roboto" panose="02000000000000000000" pitchFamily="2" charset="0"/>
                 <a:ea typeface="Roboto" panose="02000000000000000000" pitchFamily="2" charset="0"/>
               </a:rPr>
               <a:t>How to run dart in VS Code</a:t>
             </a:r>
-            <a:endParaRPr lang="en-US" sz="1400" dirty="0">
-              <a:latin typeface="Roboto" panose="02000000000000000000" pitchFamily="2" charset="0"/>
-              <a:ea typeface="Roboto" panose="02000000000000000000" pitchFamily="2" charset="0"/>
-            </a:endParaRPr>
           </a:p>
           <a:p>
             <a:endParaRPr lang="en-US" dirty="0"/>
@@ -5239,13 +6887,6 @@
   <p:clrMapOvr>
     <a:masterClrMapping/>
   </p:clrMapOvr>
-  <p:timing>
-    <p:tnLst>
-      <p:par>
-        <p:cTn id="1" dur="indefinite" restart="never" nodeType="tmRoot"/>
-      </p:par>
-    </p:tnLst>
-  </p:timing>
 </p:sld>
 </file>
 
@@ -5318,13 +6959,6 @@
               </a:rPr>
               <a:t> IDEA</a:t>
             </a:r>
-            <a:endParaRPr lang="en-US" sz="2000" b="1" dirty="0">
-              <a:solidFill>
-                <a:srgbClr val="0070C0"/>
-              </a:solidFill>
-              <a:latin typeface="Roboto" panose="02000000000000000000" pitchFamily="2" charset="0"/>
-              <a:ea typeface="Roboto" panose="02000000000000000000" pitchFamily="2" charset="0"/>
-            </a:endParaRPr>
           </a:p>
         </p:txBody>
       </p:sp>
@@ -5368,13 +7002,6 @@
   <p:clrMapOvr>
     <a:masterClrMapping/>
   </p:clrMapOvr>
-  <p:timing>
-    <p:tnLst>
-      <p:par>
-        <p:cTn id="1" dur="indefinite" restart="never" nodeType="tmRoot"/>
-      </p:par>
-    </p:tnLst>
-  </p:timing>
 </p:sld>
 </file>
 
@@ -5659,4 +7286,299 @@
   <a:objectDefaults/>
   <a:extraClrSchemeLst/>
 </a:theme>
+</file>
+
+<file path=ppt/theme/theme2.xml><?xml version="1.0" encoding="utf-8"?>
+<a:theme xmlns:a="http://schemas.openxmlformats.org/drawingml/2006/main" name="Office Theme">
+  <a:themeElements>
+    <a:clrScheme name="Office">
+      <a:dk1>
+        <a:sysClr val="windowText" lastClr="000000"/>
+      </a:dk1>
+      <a:lt1>
+        <a:sysClr val="window" lastClr="FFFFFF"/>
+      </a:lt1>
+      <a:dk2>
+        <a:srgbClr val="44546A"/>
+      </a:dk2>
+      <a:lt2>
+        <a:srgbClr val="E7E6E6"/>
+      </a:lt2>
+      <a:accent1>
+        <a:srgbClr val="4472C4"/>
+      </a:accent1>
+      <a:accent2>
+        <a:srgbClr val="ED7D31"/>
+      </a:accent2>
+      <a:accent3>
+        <a:srgbClr val="A5A5A5"/>
+      </a:accent3>
+      <a:accent4>
+        <a:srgbClr val="FFC000"/>
+      </a:accent4>
+      <a:accent5>
+        <a:srgbClr val="5B9BD5"/>
+      </a:accent5>
+      <a:accent6>
+        <a:srgbClr val="70AD47"/>
+      </a:accent6>
+      <a:hlink>
+        <a:srgbClr val="0563C1"/>
+      </a:hlink>
+      <a:folHlink>
+        <a:srgbClr val="954F72"/>
+      </a:folHlink>
+    </a:clrScheme>
+    <a:fontScheme name="Office">
+      <a:majorFont>
+        <a:latin typeface="Calibri Light" panose="020F0302020204030204"/>
+        <a:ea typeface=""/>
+        <a:cs typeface=""/>
+        <a:font script="Jpan" typeface="游ゴシック Light"/>
+        <a:font script="Hang" typeface="맑은 고딕"/>
+        <a:font script="Hans" typeface="等线 Light"/>
+        <a:font script="Hant" typeface="新細明體"/>
+        <a:font script="Arab" typeface="Times New Roman"/>
+        <a:font script="Hebr" typeface="Times New Roman"/>
+        <a:font script="Thai" typeface="Angsana New"/>
+        <a:font script="Ethi" typeface="Nyala"/>
+        <a:font script="Beng" typeface="Vrinda"/>
+        <a:font script="Gujr" typeface="Shruti"/>
+        <a:font script="Khmr" typeface="MoolBoran"/>
+        <a:font script="Knda" typeface="Tunga"/>
+        <a:font script="Guru" typeface="Raavi"/>
+        <a:font script="Cans" typeface="Euphemia"/>
+        <a:font script="Cher" typeface="Plantagenet Cherokee"/>
+        <a:font script="Yiii" typeface="Microsoft Yi Baiti"/>
+        <a:font script="Tibt" typeface="Microsoft Himalaya"/>
+        <a:font script="Thaa" typeface="MV Boli"/>
+        <a:font script="Deva" typeface="Mangal"/>
+        <a:font script="Telu" typeface="Gautami"/>
+        <a:font script="Taml" typeface="Latha"/>
+        <a:font script="Syrc" typeface="Estrangelo Edessa"/>
+        <a:font script="Orya" typeface="Kalinga"/>
+        <a:font script="Mlym" typeface="Kartika"/>
+        <a:font script="Laoo" typeface="DokChampa"/>
+        <a:font script="Sinh" typeface="Iskoola Pota"/>
+        <a:font script="Mong" typeface="Mongolian Baiti"/>
+        <a:font script="Viet" typeface="Times New Roman"/>
+        <a:font script="Uigh" typeface="Microsoft Uighur"/>
+        <a:font script="Geor" typeface="Sylfaen"/>
+        <a:font script="Armn" typeface="Arial"/>
+        <a:font script="Bugi" typeface="Leelawadee UI"/>
+        <a:font script="Bopo" typeface="Microsoft JhengHei"/>
+        <a:font script="Java" typeface="Javanese Text"/>
+        <a:font script="Lisu" typeface="Segoe UI"/>
+        <a:font script="Mymr" typeface="Myanmar Text"/>
+        <a:font script="Nkoo" typeface="Ebrima"/>
+        <a:font script="Olck" typeface="Nirmala UI"/>
+        <a:font script="Osma" typeface="Ebrima"/>
+        <a:font script="Phag" typeface="Phagspa"/>
+        <a:font script="Syrn" typeface="Estrangelo Edessa"/>
+        <a:font script="Syrj" typeface="Estrangelo Edessa"/>
+        <a:font script="Syre" typeface="Estrangelo Edessa"/>
+        <a:font script="Sora" typeface="Nirmala UI"/>
+        <a:font script="Tale" typeface="Microsoft Tai Le"/>
+        <a:font script="Talu" typeface="Microsoft New Tai Lue"/>
+        <a:font script="Tfng" typeface="Ebrima"/>
+      </a:majorFont>
+      <a:minorFont>
+        <a:latin typeface="Calibri" panose="020F0502020204030204"/>
+        <a:ea typeface=""/>
+        <a:cs typeface=""/>
+        <a:font script="Jpan" typeface="游ゴシック"/>
+        <a:font script="Hang" typeface="맑은 고딕"/>
+        <a:font script="Hans" typeface="等线"/>
+        <a:font script="Hant" typeface="新細明體"/>
+        <a:font script="Arab" typeface="Arial"/>
+        <a:font script="Hebr" typeface="Arial"/>
+        <a:font script="Thai" typeface="Cordia New"/>
+        <a:font script="Ethi" typeface="Nyala"/>
+        <a:font script="Beng" typeface="Vrinda"/>
+        <a:font script="Gujr" typeface="Shruti"/>
+        <a:font script="Khmr" typeface="DaunPenh"/>
+        <a:font script="Knda" typeface="Tunga"/>
+        <a:font script="Guru" typeface="Raavi"/>
+        <a:font script="Cans" typeface="Euphemia"/>
+        <a:font script="Cher" typeface="Plantagenet Cherokee"/>
+        <a:font script="Yiii" typeface="Microsoft Yi Baiti"/>
+        <a:font script="Tibt" typeface="Microsoft Himalaya"/>
+        <a:font script="Thaa" typeface="MV Boli"/>
+        <a:font script="Deva" typeface="Mangal"/>
+        <a:font script="Telu" typeface="Gautami"/>
+        <a:font script="Taml" typeface="Latha"/>
+        <a:font script="Syrc" typeface="Estrangelo Edessa"/>
+        <a:font script="Orya" typeface="Kalinga"/>
+        <a:font script="Mlym" typeface="Kartika"/>
+        <a:font script="Laoo" typeface="DokChampa"/>
+        <a:font script="Sinh" typeface="Iskoola Pota"/>
+        <a:font script="Mong" typeface="Mongolian Baiti"/>
+        <a:font script="Viet" typeface="Arial"/>
+        <a:font script="Uigh" typeface="Microsoft Uighur"/>
+        <a:font script="Geor" typeface="Sylfaen"/>
+        <a:font script="Armn" typeface="Arial"/>
+        <a:font script="Bugi" typeface="Leelawadee UI"/>
+        <a:font script="Bopo" typeface="Microsoft JhengHei"/>
+        <a:font script="Java" typeface="Javanese Text"/>
+        <a:font script="Lisu" typeface="Segoe UI"/>
+        <a:font script="Mymr" typeface="Myanmar Text"/>
+        <a:font script="Nkoo" typeface="Ebrima"/>
+        <a:font script="Olck" typeface="Nirmala UI"/>
+        <a:font script="Osma" typeface="Ebrima"/>
+        <a:font script="Phag" typeface="Phagspa"/>
+        <a:font script="Syrn" typeface="Estrangelo Edessa"/>
+        <a:font script="Syrj" typeface="Estrangelo Edessa"/>
+        <a:font script="Syre" typeface="Estrangelo Edessa"/>
+        <a:font script="Sora" typeface="Nirmala UI"/>
+        <a:font script="Tale" typeface="Microsoft Tai Le"/>
+        <a:font script="Talu" typeface="Microsoft New Tai Lue"/>
+        <a:font script="Tfng" typeface="Ebrima"/>
+      </a:minorFont>
+    </a:fontScheme>
+    <a:fmtScheme name="Office">
+      <a:fillStyleLst>
+        <a:solidFill>
+          <a:schemeClr val="phClr"/>
+        </a:solidFill>
+        <a:gradFill rotWithShape="1">
+          <a:gsLst>
+            <a:gs pos="0">
+              <a:schemeClr val="phClr">
+                <a:lumMod val="110000"/>
+                <a:satMod val="105000"/>
+                <a:tint val="67000"/>
+              </a:schemeClr>
+            </a:gs>
+            <a:gs pos="50000">
+              <a:schemeClr val="phClr">
+                <a:lumMod val="105000"/>
+                <a:satMod val="103000"/>
+                <a:tint val="73000"/>
+              </a:schemeClr>
+            </a:gs>
+            <a:gs pos="100000">
+              <a:schemeClr val="phClr">
+                <a:lumMod val="105000"/>
+                <a:satMod val="109000"/>
+                <a:tint val="81000"/>
+              </a:schemeClr>
+            </a:gs>
+          </a:gsLst>
+          <a:lin ang="5400000" scaled="0"/>
+        </a:gradFill>
+        <a:gradFill rotWithShape="1">
+          <a:gsLst>
+            <a:gs pos="0">
+              <a:schemeClr val="phClr">
+                <a:satMod val="103000"/>
+                <a:lumMod val="102000"/>
+                <a:tint val="94000"/>
+              </a:schemeClr>
+            </a:gs>
+            <a:gs pos="50000">
+              <a:schemeClr val="phClr">
+                <a:satMod val="110000"/>
+                <a:lumMod val="100000"/>
+                <a:shade val="100000"/>
+              </a:schemeClr>
+            </a:gs>
+            <a:gs pos="100000">
+              <a:schemeClr val="phClr">
+                <a:lumMod val="99000"/>
+                <a:satMod val="120000"/>
+                <a:shade val="78000"/>
+              </a:schemeClr>
+            </a:gs>
+          </a:gsLst>
+          <a:lin ang="5400000" scaled="0"/>
+        </a:gradFill>
+      </a:fillStyleLst>
+      <a:lnStyleLst>
+        <a:ln w="6350" cap="flat" cmpd="sng" algn="ctr">
+          <a:solidFill>
+            <a:schemeClr val="phClr"/>
+          </a:solidFill>
+          <a:prstDash val="solid"/>
+          <a:miter lim="800000"/>
+        </a:ln>
+        <a:ln w="12700" cap="flat" cmpd="sng" algn="ctr">
+          <a:solidFill>
+            <a:schemeClr val="phClr"/>
+          </a:solidFill>
+          <a:prstDash val="solid"/>
+          <a:miter lim="800000"/>
+        </a:ln>
+        <a:ln w="19050" cap="flat" cmpd="sng" algn="ctr">
+          <a:solidFill>
+            <a:schemeClr val="phClr"/>
+          </a:solidFill>
+          <a:prstDash val="solid"/>
+          <a:miter lim="800000"/>
+        </a:ln>
+      </a:lnStyleLst>
+      <a:effectStyleLst>
+        <a:effectStyle>
+          <a:effectLst/>
+        </a:effectStyle>
+        <a:effectStyle>
+          <a:effectLst/>
+        </a:effectStyle>
+        <a:effectStyle>
+          <a:effectLst>
+            <a:outerShdw blurRad="57150" dist="19050" dir="5400000" algn="ctr" rotWithShape="0">
+              <a:srgbClr val="000000">
+                <a:alpha val="63000"/>
+              </a:srgbClr>
+            </a:outerShdw>
+          </a:effectLst>
+        </a:effectStyle>
+      </a:effectStyleLst>
+      <a:bgFillStyleLst>
+        <a:solidFill>
+          <a:schemeClr val="phClr"/>
+        </a:solidFill>
+        <a:solidFill>
+          <a:schemeClr val="phClr">
+            <a:tint val="95000"/>
+            <a:satMod val="170000"/>
+          </a:schemeClr>
+        </a:solidFill>
+        <a:gradFill rotWithShape="1">
+          <a:gsLst>
+            <a:gs pos="0">
+              <a:schemeClr val="phClr">
+                <a:tint val="93000"/>
+                <a:satMod val="150000"/>
+                <a:shade val="98000"/>
+                <a:lumMod val="102000"/>
+              </a:schemeClr>
+            </a:gs>
+            <a:gs pos="50000">
+              <a:schemeClr val="phClr">
+                <a:tint val="98000"/>
+                <a:satMod val="130000"/>
+                <a:shade val="90000"/>
+                <a:lumMod val="103000"/>
+              </a:schemeClr>
+            </a:gs>
+            <a:gs pos="100000">
+              <a:schemeClr val="phClr">
+                <a:shade val="63000"/>
+                <a:satMod val="120000"/>
+              </a:schemeClr>
+            </a:gs>
+          </a:gsLst>
+          <a:lin ang="5400000" scaled="0"/>
+        </a:gradFill>
+      </a:bgFillStyleLst>
+    </a:fmtScheme>
+  </a:themeElements>
+  <a:objectDefaults/>
+  <a:extraClrSchemeLst/>
+  <a:extLst>
+    <a:ext uri="{05A4C25C-085E-4340-85A3-A5531E510DB2}">
+      <thm15:themeFamily xmlns:thm15="http://schemas.microsoft.com/office/thememl/2012/main" name="Office Theme" id="{62F939B6-93AF-4DB8-9C6B-D6C7DFDC589F}" vid="{4A3C46E8-61CC-4603-A589-7422A47A8E4A}"/>
+    </a:ext>
+  </a:extLst>
+</a:theme>
 </file>